--- a/09.TutorialOnSVM/artifact/TutorialOnSVM.pptx
+++ b/09.TutorialOnSVM/artifact/TutorialOnSVM.pptx
@@ -5,10 +5,10 @@
     <p:sldMasterId id="2147483648" r:id="rId1"/>
   </p:sldMasterIdLst>
   <p:notesMasterIdLst>
-    <p:notesMasterId r:id="rId26"/>
+    <p:notesMasterId r:id="rId27"/>
   </p:notesMasterIdLst>
   <p:handoutMasterIdLst>
-    <p:handoutMasterId r:id="rId27"/>
+    <p:handoutMasterId r:id="rId28"/>
   </p:handoutMasterIdLst>
   <p:sldIdLst>
     <p:sldId id="256" r:id="rId2"/>
@@ -30,11 +30,12 @@
     <p:sldId id="384" r:id="rId18"/>
     <p:sldId id="367" r:id="rId19"/>
     <p:sldId id="383" r:id="rId20"/>
-    <p:sldId id="385" r:id="rId21"/>
-    <p:sldId id="368" r:id="rId22"/>
-    <p:sldId id="369" r:id="rId23"/>
-    <p:sldId id="311" r:id="rId24"/>
-    <p:sldId id="370" r:id="rId25"/>
+    <p:sldId id="386" r:id="rId21"/>
+    <p:sldId id="385" r:id="rId22"/>
+    <p:sldId id="368" r:id="rId23"/>
+    <p:sldId id="369" r:id="rId24"/>
+    <p:sldId id="311" r:id="rId25"/>
+    <p:sldId id="370" r:id="rId26"/>
   </p:sldIdLst>
   <p:sldSz cx="12192000" cy="6858000"/>
   <p:notesSz cx="6858000" cy="9144000"/>
@@ -238,7 +239,7 @@
           <a:p>
             <a:fld id="{676B30CB-839A-47A6-9532-260122BEAE9C}" type="datetimeFigureOut">
               <a:rPr lang="en-US" smtClean="0"/>
-              <a:t>21/01/2023</a:t>
+              <a:t>24/01/2023</a:t>
             </a:fld>
             <a:endParaRPr lang="en-US"/>
           </a:p>
@@ -415,7 +416,7 @@
           <a:p>
             <a:fld id="{8E6BD8EF-833A-4756-9DE8-262172883D9B}" type="datetimeFigureOut">
               <a:rPr lang="en-US" smtClean="0"/>
-              <a:t>21/01/2023</a:t>
+              <a:t>24/01/2023</a:t>
             </a:fld>
             <a:endParaRPr lang="en-US"/>
           </a:p>
@@ -915,7 +916,7 @@
           <a:p>
             <a:fld id="{583153D4-6007-4D70-A0D5-F421EBC11E1D}" type="slidenum">
               <a:rPr lang="en-US" smtClean="0"/>
-              <a:t>22</a:t>
+              <a:t>23</a:t>
             </a:fld>
             <a:endParaRPr lang="en-US"/>
           </a:p>
@@ -999,7 +1000,7 @@
           <a:p>
             <a:fld id="{583153D4-6007-4D70-A0D5-F421EBC11E1D}" type="slidenum">
               <a:rPr lang="en-US" smtClean="0"/>
-              <a:t>23</a:t>
+              <a:t>24</a:t>
             </a:fld>
             <a:endParaRPr lang="en-US"/>
           </a:p>
@@ -4690,8 +4691,8 @@
           </a:p>
         </p:txBody>
       </p:sp>
-      <mc:AlternateContent xmlns:mc="http://schemas.openxmlformats.org/markup-compatibility/2006">
-        <mc:Choice xmlns:a14="http://schemas.microsoft.com/office/drawing/2010/main" Requires="a14">
+      <mc:AlternateContent xmlns:mc="http://schemas.openxmlformats.org/markup-compatibility/2006" xmlns:a14="http://schemas.microsoft.com/office/drawing/2010/main">
+        <mc:Choice Requires="a14">
           <p:sp>
             <p:nvSpPr>
               <p:cNvPr id="3" name="Content Placeholder 2">
@@ -6734,7 +6735,7 @@
             </p:txBody>
           </p:sp>
         </mc:Choice>
-        <mc:Fallback>
+        <mc:Fallback xmlns="">
           <p:sp>
             <p:nvSpPr>
               <p:cNvPr id="3" name="Content Placeholder 2">
@@ -9555,8 +9556,8 @@
           </a:p>
         </p:txBody>
       </p:sp>
-      <mc:AlternateContent xmlns:mc="http://schemas.openxmlformats.org/markup-compatibility/2006">
-        <mc:Choice xmlns:a14="http://schemas.microsoft.com/office/drawing/2010/main" Requires="a14">
+      <mc:AlternateContent xmlns:mc="http://schemas.openxmlformats.org/markup-compatibility/2006" xmlns:a14="http://schemas.microsoft.com/office/drawing/2010/main">
+        <mc:Choice Requires="a14">
           <p:sp>
             <p:nvSpPr>
               <p:cNvPr id="3" name="Content Placeholder 2">
@@ -11496,7 +11497,7 @@
             </p:txBody>
           </p:sp>
         </mc:Choice>
-        <mc:Fallback>
+        <mc:Fallback xmlns="">
           <p:sp>
             <p:nvSpPr>
               <p:cNvPr id="3" name="Content Placeholder 2">
@@ -11684,8 +11685,8 @@
           </a:p>
         </p:txBody>
       </p:sp>
-      <mc:AlternateContent xmlns:mc="http://schemas.openxmlformats.org/markup-compatibility/2006">
-        <mc:Choice xmlns:a14="http://schemas.microsoft.com/office/drawing/2010/main" Requires="a14">
+      <mc:AlternateContent xmlns:mc="http://schemas.openxmlformats.org/markup-compatibility/2006" xmlns:a14="http://schemas.microsoft.com/office/drawing/2010/main">
+        <mc:Choice Requires="a14">
           <p:sp>
             <p:nvSpPr>
               <p:cNvPr id="3" name="Content Placeholder 2">
@@ -12765,48 +12766,64 @@
                       <m:d>
                         <m:dPr>
                           <m:ctrlPr>
-                            <a:rPr lang="en-US" sz="2100" i="1"/>
+                            <a:rPr lang="en-US" sz="2100" i="1">
+                              <a:latin typeface="Cambria Math" panose="02040503050406030204" pitchFamily="18" charset="0"/>
+                            </a:rPr>
                           </m:ctrlPr>
                         </m:dPr>
                         <m:e>
                           <m:sSup>
                             <m:sSupPr>
                               <m:ctrlPr>
-                                <a:rPr lang="en-US" sz="2100" i="1"/>
+                                <a:rPr lang="en-US" sz="2100" i="1">
+                                  <a:latin typeface="Cambria Math" panose="02040503050406030204" pitchFamily="18" charset="0"/>
+                                </a:rPr>
                               </m:ctrlPr>
                             </m:sSupPr>
                             <m:e>
                               <m:r>
-                                <a:rPr lang="en-US" sz="2100" i="1"/>
+                                <a:rPr lang="en-US" sz="2100" i="1">
+                                  <a:latin typeface="Cambria Math" panose="02040503050406030204" pitchFamily="18" charset="0"/>
+                                </a:rPr>
                                 <m:t>𝜆</m:t>
                               </m:r>
                             </m:e>
                             <m:sup>
                               <m:r>
-                                <a:rPr lang="en-US" sz="2100" i="1"/>
+                                <a:rPr lang="en-US" sz="2100" i="1">
+                                  <a:latin typeface="Cambria Math" panose="02040503050406030204" pitchFamily="18" charset="0"/>
+                                </a:rPr>
                                 <m:t>∗</m:t>
                               </m:r>
                             </m:sup>
                           </m:sSup>
                           <m:r>
-                            <a:rPr lang="en-US" sz="2100" i="1"/>
+                            <a:rPr lang="en-US" sz="2100" i="1">
+                              <a:latin typeface="Cambria Math" panose="02040503050406030204" pitchFamily="18" charset="0"/>
+                            </a:rPr>
                             <m:t>,</m:t>
                           </m:r>
                           <m:sSup>
                             <m:sSupPr>
                               <m:ctrlPr>
-                                <a:rPr lang="en-US" sz="2100" i="1"/>
+                                <a:rPr lang="en-US" sz="2100" i="1">
+                                  <a:latin typeface="Cambria Math" panose="02040503050406030204" pitchFamily="18" charset="0"/>
+                                </a:rPr>
                               </m:ctrlPr>
                             </m:sSupPr>
                             <m:e>
                               <m:r>
-                                <a:rPr lang="en-US" sz="2100" i="1"/>
+                                <a:rPr lang="en-US" sz="2100" i="1">
+                                  <a:latin typeface="Cambria Math" panose="02040503050406030204" pitchFamily="18" charset="0"/>
+                                </a:rPr>
                                 <m:t>𝜇</m:t>
                               </m:r>
                             </m:e>
                             <m:sup>
                               <m:r>
-                                <a:rPr lang="en-US" sz="2100" i="1"/>
+                                <a:rPr lang="en-US" sz="2100" i="1">
+                                  <a:latin typeface="Cambria Math" panose="02040503050406030204" pitchFamily="18" charset="0"/>
+                                </a:rPr>
                                 <m:t>∗</m:t>
                               </m:r>
                             </m:sup>
@@ -12814,20 +12831,26 @@
                         </m:e>
                       </m:d>
                       <m:r>
-                        <a:rPr lang="en-US" sz="2100" i="1"/>
+                        <a:rPr lang="en-US" sz="2100" i="1">
+                          <a:latin typeface="Cambria Math" panose="02040503050406030204" pitchFamily="18" charset="0"/>
+                        </a:rPr>
                         <m:t>=</m:t>
                       </m:r>
                       <m:func>
                         <m:funcPr>
                           <m:ctrlPr>
-                            <a:rPr lang="en-US" sz="2100" i="1"/>
+                            <a:rPr lang="en-US" sz="2100" i="1">
+                              <a:latin typeface="Cambria Math" panose="02040503050406030204" pitchFamily="18" charset="0"/>
+                            </a:rPr>
                           </m:ctrlPr>
                         </m:funcPr>
                         <m:fName>
                           <m:limLow>
                             <m:limLowPr>
                               <m:ctrlPr>
-                                <a:rPr lang="en-US" sz="2100" i="1"/>
+                                <a:rPr lang="en-US" sz="2100" i="1">
+                                  <a:latin typeface="Cambria Math" panose="02040503050406030204" pitchFamily="18" charset="0"/>
+                                </a:rPr>
                               </m:ctrlPr>
                             </m:limLowPr>
                             <m:e>
@@ -12835,7 +12858,9 @@
                                 <m:rPr>
                                   <m:sty m:val="p"/>
                                 </m:rPr>
-                                <a:rPr lang="en-US" sz="2100"/>
+                                <a:rPr lang="en-US" sz="2100">
+                                  <a:latin typeface="Cambria Math" panose="02040503050406030204" pitchFamily="18" charset="0"/>
+                                </a:rPr>
                                 <m:t>argmax</m:t>
                               </m:r>
                             </m:e>
@@ -12843,47 +12868,63 @@
                               <m:sSub>
                                 <m:sSubPr>
                                   <m:ctrlPr>
-                                    <a:rPr lang="en-US" sz="2100" i="1"/>
+                                    <a:rPr lang="en-US" sz="2100" i="1">
+                                      <a:latin typeface="Cambria Math" panose="02040503050406030204" pitchFamily="18" charset="0"/>
+                                    </a:rPr>
                                   </m:ctrlPr>
                                 </m:sSubPr>
                                 <m:e>
                                   <m:r>
-                                    <a:rPr lang="en-US" sz="2100" i="1"/>
+                                    <a:rPr lang="en-US" sz="2100" i="1">
+                                      <a:latin typeface="Cambria Math" panose="02040503050406030204" pitchFamily="18" charset="0"/>
+                                    </a:rPr>
                                     <m:t>𝜆</m:t>
                                   </m:r>
                                 </m:e>
                                 <m:sub>
                                   <m:r>
-                                    <a:rPr lang="en-US" sz="2100" i="1"/>
+                                    <a:rPr lang="en-US" sz="2100" i="1">
+                                      <a:latin typeface="Cambria Math" panose="02040503050406030204" pitchFamily="18" charset="0"/>
+                                    </a:rPr>
                                     <m:t>𝑖</m:t>
                                   </m:r>
                                 </m:sub>
                               </m:sSub>
                               <m:r>
-                                <a:rPr lang="en-US" sz="2100" i="1"/>
+                                <a:rPr lang="en-US" sz="2100" i="1">
+                                  <a:latin typeface="Cambria Math" panose="02040503050406030204" pitchFamily="18" charset="0"/>
+                                </a:rPr>
                                 <m:t>≥0,</m:t>
                               </m:r>
                               <m:sSub>
                                 <m:sSubPr>
                                   <m:ctrlPr>
-                                    <a:rPr lang="en-US" sz="2100" i="1"/>
+                                    <a:rPr lang="en-US" sz="2100" i="1">
+                                      <a:latin typeface="Cambria Math" panose="02040503050406030204" pitchFamily="18" charset="0"/>
+                                    </a:rPr>
                                   </m:ctrlPr>
                                 </m:sSubPr>
                                 <m:e>
                                   <m:r>
-                                    <a:rPr lang="en-US" sz="2100" i="1"/>
+                                    <a:rPr lang="en-US" sz="2100" i="1">
+                                      <a:latin typeface="Cambria Math" panose="02040503050406030204" pitchFamily="18" charset="0"/>
+                                    </a:rPr>
                                     <m:t>𝜇</m:t>
                                   </m:r>
                                 </m:e>
                                 <m:sub>
                                   <m:r>
-                                    <a:rPr lang="en-US" sz="2100" i="1"/>
+                                    <a:rPr lang="en-US" sz="2100" i="1">
+                                      <a:latin typeface="Cambria Math" panose="02040503050406030204" pitchFamily="18" charset="0"/>
+                                    </a:rPr>
                                     <m:t>𝑖</m:t>
                                   </m:r>
                                 </m:sub>
                               </m:sSub>
                               <m:r>
-                                <a:rPr lang="en-US" sz="2100" i="1"/>
+                                <a:rPr lang="en-US" sz="2100" i="1">
+                                  <a:latin typeface="Cambria Math" panose="02040503050406030204" pitchFamily="18" charset="0"/>
+                                </a:rPr>
                                 <m:t>≥0</m:t>
                               </m:r>
                             </m:lim>
@@ -12893,21 +12934,27 @@
                           <m:d>
                             <m:dPr>
                               <m:ctrlPr>
-                                <a:rPr lang="en-US" sz="2100" i="1"/>
+                                <a:rPr lang="en-US" sz="2100" i="1">
+                                  <a:latin typeface="Cambria Math" panose="02040503050406030204" pitchFamily="18" charset="0"/>
+                                </a:rPr>
                               </m:ctrlPr>
                             </m:dPr>
                             <m:e>
                               <m:func>
                                 <m:funcPr>
                                   <m:ctrlPr>
-                                    <a:rPr lang="en-US" sz="2100" i="1"/>
+                                    <a:rPr lang="en-US" sz="2100" i="1">
+                                      <a:latin typeface="Cambria Math" panose="02040503050406030204" pitchFamily="18" charset="0"/>
+                                    </a:rPr>
                                   </m:ctrlPr>
                                 </m:funcPr>
                                 <m:fName>
                                   <m:limLow>
                                     <m:limLowPr>
                                       <m:ctrlPr>
-                                        <a:rPr lang="en-US" sz="2100" i="1"/>
+                                        <a:rPr lang="en-US" sz="2100" i="1">
+                                          <a:latin typeface="Cambria Math" panose="02040503050406030204" pitchFamily="18" charset="0"/>
+                                        </a:rPr>
                                       </m:ctrlPr>
                                     </m:limLowPr>
                                     <m:e>
@@ -12915,21 +12962,29 @@
                                         <m:rPr>
                                           <m:sty m:val="p"/>
                                         </m:rPr>
-                                        <a:rPr lang="en-US" sz="2100"/>
+                                        <a:rPr lang="en-US" sz="2100">
+                                          <a:latin typeface="Cambria Math" panose="02040503050406030204" pitchFamily="18" charset="0"/>
+                                        </a:rPr>
                                         <m:t>min</m:t>
                                       </m:r>
                                     </m:e>
                                     <m:lim>
                                       <m:r>
-                                        <a:rPr lang="en-US" sz="2100" i="1"/>
+                                        <a:rPr lang="en-US" sz="2100" i="1">
+                                          <a:latin typeface="Cambria Math" panose="02040503050406030204" pitchFamily="18" charset="0"/>
+                                        </a:rPr>
                                         <m:t>𝑊</m:t>
                                       </m:r>
                                       <m:r>
-                                        <a:rPr lang="en-US" sz="2100" i="1"/>
+                                        <a:rPr lang="en-US" sz="2100" i="1">
+                                          <a:latin typeface="Cambria Math" panose="02040503050406030204" pitchFamily="18" charset="0"/>
+                                        </a:rPr>
                                         <m:t>,</m:t>
                                       </m:r>
                                       <m:r>
-                                        <a:rPr lang="en-US" sz="2100" i="1"/>
+                                        <a:rPr lang="en-US" sz="2100" i="1">
+                                          <a:latin typeface="Cambria Math" panose="02040503050406030204" pitchFamily="18" charset="0"/>
+                                        </a:rPr>
                                         <m:t>𝑏</m:t>
                                       </m:r>
                                     </m:lim>
@@ -12937,50 +12992,72 @@
                                 </m:fName>
                                 <m:e>
                                   <m:r>
-                                    <a:rPr lang="en-US" sz="2100" i="1"/>
+                                    <a:rPr lang="en-US" sz="2100" i="1">
+                                      <a:latin typeface="Cambria Math" panose="02040503050406030204" pitchFamily="18" charset="0"/>
+                                    </a:rPr>
                                     <m:t>𝐿</m:t>
                                   </m:r>
                                   <m:d>
                                     <m:dPr>
                                       <m:ctrlPr>
-                                        <a:rPr lang="en-US" sz="2100" i="1"/>
+                                        <a:rPr lang="en-US" sz="2100" i="1">
+                                          <a:latin typeface="Cambria Math" panose="02040503050406030204" pitchFamily="18" charset="0"/>
+                                        </a:rPr>
                                       </m:ctrlPr>
                                     </m:dPr>
                                     <m:e>
                                       <m:r>
-                                        <a:rPr lang="en-US" sz="2100" i="1"/>
+                                        <a:rPr lang="en-US" sz="2100" i="1">
+                                          <a:latin typeface="Cambria Math" panose="02040503050406030204" pitchFamily="18" charset="0"/>
+                                        </a:rPr>
                                         <m:t>𝑊</m:t>
                                       </m:r>
                                       <m:r>
-                                        <a:rPr lang="en-US" sz="2100" i="1"/>
+                                        <a:rPr lang="en-US" sz="2100" i="1">
+                                          <a:latin typeface="Cambria Math" panose="02040503050406030204" pitchFamily="18" charset="0"/>
+                                        </a:rPr>
                                         <m:t>,</m:t>
                                       </m:r>
                                       <m:r>
-                                        <a:rPr lang="en-US" sz="2100" i="1"/>
+                                        <a:rPr lang="en-US" sz="2100" i="1">
+                                          <a:latin typeface="Cambria Math" panose="02040503050406030204" pitchFamily="18" charset="0"/>
+                                        </a:rPr>
                                         <m:t>𝑏</m:t>
                                       </m:r>
                                       <m:r>
-                                        <a:rPr lang="en-US" sz="2100" i="1"/>
+                                        <a:rPr lang="en-US" sz="2100" i="1">
+                                          <a:latin typeface="Cambria Math" panose="02040503050406030204" pitchFamily="18" charset="0"/>
+                                        </a:rPr>
                                         <m:t>,</m:t>
                                       </m:r>
                                       <m:r>
-                                        <a:rPr lang="en-US" sz="2100" i="1"/>
+                                        <a:rPr lang="en-US" sz="2100" i="1">
+                                          <a:latin typeface="Cambria Math" panose="02040503050406030204" pitchFamily="18" charset="0"/>
+                                        </a:rPr>
                                         <m:t>𝜉</m:t>
                                       </m:r>
                                       <m:r>
-                                        <a:rPr lang="en-US" sz="2100" i="1"/>
+                                        <a:rPr lang="en-US" sz="2100" i="1">
+                                          <a:latin typeface="Cambria Math" panose="02040503050406030204" pitchFamily="18" charset="0"/>
+                                        </a:rPr>
                                         <m:t>,</m:t>
                                       </m:r>
                                       <m:r>
-                                        <a:rPr lang="en-US" sz="2100" i="1"/>
+                                        <a:rPr lang="en-US" sz="2100" i="1">
+                                          <a:latin typeface="Cambria Math" panose="02040503050406030204" pitchFamily="18" charset="0"/>
+                                        </a:rPr>
                                         <m:t>𝜆</m:t>
                                       </m:r>
                                       <m:r>
-                                        <a:rPr lang="en-US" sz="2100" i="1"/>
+                                        <a:rPr lang="en-US" sz="2100" i="1">
+                                          <a:latin typeface="Cambria Math" panose="02040503050406030204" pitchFamily="18" charset="0"/>
+                                        </a:rPr>
                                         <m:t>,</m:t>
                                       </m:r>
                                       <m:r>
-                                        <a:rPr lang="en-US" sz="2100" i="1"/>
+                                        <a:rPr lang="en-US" sz="2100" i="1">
+                                          <a:latin typeface="Cambria Math" panose="02040503050406030204" pitchFamily="18" charset="0"/>
+                                        </a:rPr>
                                         <m:t>𝜇</m:t>
                                       </m:r>
                                     </m:e>
@@ -12992,20 +13069,26 @@
                         </m:e>
                       </m:func>
                       <m:r>
-                        <a:rPr lang="en-US" sz="2100" i="1"/>
+                        <a:rPr lang="en-US" sz="2100" i="1">
+                          <a:latin typeface="Cambria Math" panose="02040503050406030204" pitchFamily="18" charset="0"/>
+                        </a:rPr>
                         <m:t>=</m:t>
                       </m:r>
                       <m:func>
                         <m:funcPr>
                           <m:ctrlPr>
-                            <a:rPr lang="en-US" sz="2100" i="1"/>
+                            <a:rPr lang="en-US" sz="2100" i="1">
+                              <a:latin typeface="Cambria Math" panose="02040503050406030204" pitchFamily="18" charset="0"/>
+                            </a:rPr>
                           </m:ctrlPr>
                         </m:funcPr>
                         <m:fName>
                           <m:limLow>
                             <m:limLowPr>
                               <m:ctrlPr>
-                                <a:rPr lang="en-US" sz="2100" i="1"/>
+                                <a:rPr lang="en-US" sz="2100" i="1">
+                                  <a:latin typeface="Cambria Math" panose="02040503050406030204" pitchFamily="18" charset="0"/>
+                                </a:rPr>
                               </m:ctrlPr>
                             </m:limLowPr>
                             <m:e>
@@ -13013,7 +13096,9 @@
                                 <m:rPr>
                                   <m:sty m:val="p"/>
                                 </m:rPr>
-                                <a:rPr lang="en-US" sz="2100"/>
+                                <a:rPr lang="en-US" sz="2100">
+                                  <a:latin typeface="Cambria Math" panose="02040503050406030204" pitchFamily="18" charset="0"/>
+                                </a:rPr>
                                 <m:t>argmax</m:t>
                               </m:r>
                             </m:e>
@@ -13021,47 +13106,63 @@
                               <m:sSub>
                                 <m:sSubPr>
                                   <m:ctrlPr>
-                                    <a:rPr lang="en-US" sz="2100" i="1"/>
+                                    <a:rPr lang="en-US" sz="2100" i="1">
+                                      <a:latin typeface="Cambria Math" panose="02040503050406030204" pitchFamily="18" charset="0"/>
+                                    </a:rPr>
                                   </m:ctrlPr>
                                 </m:sSubPr>
                                 <m:e>
                                   <m:r>
-                                    <a:rPr lang="en-US" sz="2100" i="1"/>
+                                    <a:rPr lang="en-US" sz="2100" i="1">
+                                      <a:latin typeface="Cambria Math" panose="02040503050406030204" pitchFamily="18" charset="0"/>
+                                    </a:rPr>
                                     <m:t>𝜆</m:t>
                                   </m:r>
                                 </m:e>
                                 <m:sub>
                                   <m:r>
-                                    <a:rPr lang="en-US" sz="2100" i="1"/>
+                                    <a:rPr lang="en-US" sz="2100" i="1">
+                                      <a:latin typeface="Cambria Math" panose="02040503050406030204" pitchFamily="18" charset="0"/>
+                                    </a:rPr>
                                     <m:t>𝑖</m:t>
                                   </m:r>
                                 </m:sub>
                               </m:sSub>
                               <m:r>
-                                <a:rPr lang="en-US" sz="2100" i="1"/>
+                                <a:rPr lang="en-US" sz="2100" i="1">
+                                  <a:latin typeface="Cambria Math" panose="02040503050406030204" pitchFamily="18" charset="0"/>
+                                </a:rPr>
                                 <m:t>≥0,</m:t>
                               </m:r>
                               <m:sSub>
                                 <m:sSubPr>
                                   <m:ctrlPr>
-                                    <a:rPr lang="en-US" sz="2100" i="1"/>
+                                    <a:rPr lang="en-US" sz="2100" i="1">
+                                      <a:latin typeface="Cambria Math" panose="02040503050406030204" pitchFamily="18" charset="0"/>
+                                    </a:rPr>
                                   </m:ctrlPr>
                                 </m:sSubPr>
                                 <m:e>
                                   <m:r>
-                                    <a:rPr lang="en-US" sz="2100" i="1"/>
+                                    <a:rPr lang="en-US" sz="2100" i="1">
+                                      <a:latin typeface="Cambria Math" panose="02040503050406030204" pitchFamily="18" charset="0"/>
+                                    </a:rPr>
                                     <m:t>𝜇</m:t>
                                   </m:r>
                                 </m:e>
                                 <m:sub>
                                   <m:r>
-                                    <a:rPr lang="en-US" sz="2100" i="1"/>
+                                    <a:rPr lang="en-US" sz="2100" i="1">
+                                      <a:latin typeface="Cambria Math" panose="02040503050406030204" pitchFamily="18" charset="0"/>
+                                    </a:rPr>
                                     <m:t>𝑖</m:t>
                                   </m:r>
                                 </m:sub>
                               </m:sSub>
                               <m:r>
-                                <a:rPr lang="en-US" sz="2100" i="1"/>
+                                <a:rPr lang="en-US" sz="2100" i="1">
+                                  <a:latin typeface="Cambria Math" panose="02040503050406030204" pitchFamily="18" charset="0"/>
+                                </a:rPr>
                                 <m:t>≥0</m:t>
                               </m:r>
                             </m:lim>
@@ -13069,95 +13170,129 @@
                         </m:fName>
                         <m:e>
                           <m:r>
-                            <a:rPr lang="en-US" sz="2100" i="1"/>
+                            <a:rPr lang="en-US" sz="2100" i="1">
+                              <a:latin typeface="Cambria Math" panose="02040503050406030204" pitchFamily="18" charset="0"/>
+                            </a:rPr>
                             <m:t>𝐿</m:t>
                           </m:r>
                           <m:d>
                             <m:dPr>
                               <m:ctrlPr>
-                                <a:rPr lang="en-US" sz="2100" i="1"/>
+                                <a:rPr lang="en-US" sz="2100" i="1">
+                                  <a:latin typeface="Cambria Math" panose="02040503050406030204" pitchFamily="18" charset="0"/>
+                                </a:rPr>
                               </m:ctrlPr>
                             </m:dPr>
                             <m:e>
                               <m:sSup>
                                 <m:sSupPr>
                                   <m:ctrlPr>
-                                    <a:rPr lang="en-US" sz="2100" i="1"/>
+                                    <a:rPr lang="en-US" sz="2100" i="1">
+                                      <a:latin typeface="Cambria Math" panose="02040503050406030204" pitchFamily="18" charset="0"/>
+                                    </a:rPr>
                                   </m:ctrlPr>
                                 </m:sSupPr>
                                 <m:e>
                                   <m:r>
-                                    <a:rPr lang="en-US" sz="2100" i="1"/>
+                                    <a:rPr lang="en-US" sz="2100" i="1">
+                                      <a:latin typeface="Cambria Math" panose="02040503050406030204" pitchFamily="18" charset="0"/>
+                                    </a:rPr>
                                     <m:t>𝑊</m:t>
                                   </m:r>
                                 </m:e>
                                 <m:sup>
                                   <m:r>
-                                    <a:rPr lang="en-US" sz="2100" i="1"/>
+                                    <a:rPr lang="en-US" sz="2100" i="1">
+                                      <a:latin typeface="Cambria Math" panose="02040503050406030204" pitchFamily="18" charset="0"/>
+                                    </a:rPr>
                                     <m:t>∗</m:t>
                                   </m:r>
                                 </m:sup>
                               </m:sSup>
                               <m:r>
-                                <a:rPr lang="en-US" sz="2100" i="1"/>
+                                <a:rPr lang="en-US" sz="2100" i="1">
+                                  <a:latin typeface="Cambria Math" panose="02040503050406030204" pitchFamily="18" charset="0"/>
+                                </a:rPr>
                                 <m:t>,</m:t>
                               </m:r>
                               <m:sSup>
                                 <m:sSupPr>
                                   <m:ctrlPr>
-                                    <a:rPr lang="en-US" sz="2100" i="1"/>
+                                    <a:rPr lang="en-US" sz="2100" i="1">
+                                      <a:latin typeface="Cambria Math" panose="02040503050406030204" pitchFamily="18" charset="0"/>
+                                    </a:rPr>
                                   </m:ctrlPr>
                                 </m:sSupPr>
                                 <m:e>
                                   <m:r>
-                                    <a:rPr lang="en-US" sz="2100" i="1"/>
+                                    <a:rPr lang="en-US" sz="2100" i="1">
+                                      <a:latin typeface="Cambria Math" panose="02040503050406030204" pitchFamily="18" charset="0"/>
+                                    </a:rPr>
                                     <m:t>𝑏</m:t>
                                   </m:r>
                                 </m:e>
                                 <m:sup>
                                   <m:r>
-                                    <a:rPr lang="en-US" sz="2100" i="1"/>
+                                    <a:rPr lang="en-US" sz="2100" i="1">
+                                      <a:latin typeface="Cambria Math" panose="02040503050406030204" pitchFamily="18" charset="0"/>
+                                    </a:rPr>
                                     <m:t>∗</m:t>
                                   </m:r>
                                 </m:sup>
                               </m:sSup>
                               <m:r>
-                                <a:rPr lang="en-US" sz="2100" i="1"/>
+                                <a:rPr lang="en-US" sz="2100" i="1">
+                                  <a:latin typeface="Cambria Math" panose="02040503050406030204" pitchFamily="18" charset="0"/>
+                                </a:rPr>
                                 <m:t>,</m:t>
                               </m:r>
                               <m:sSup>
                                 <m:sSupPr>
                                   <m:ctrlPr>
-                                    <a:rPr lang="en-US" sz="2100" i="1"/>
+                                    <a:rPr lang="en-US" sz="2100" i="1">
+                                      <a:latin typeface="Cambria Math" panose="02040503050406030204" pitchFamily="18" charset="0"/>
+                                    </a:rPr>
                                   </m:ctrlPr>
                                 </m:sSupPr>
                                 <m:e>
                                   <m:r>
-                                    <a:rPr lang="en-US" sz="2100" i="1"/>
+                                    <a:rPr lang="en-US" sz="2100" i="1">
+                                      <a:latin typeface="Cambria Math" panose="02040503050406030204" pitchFamily="18" charset="0"/>
+                                    </a:rPr>
                                     <m:t>𝜉</m:t>
                                   </m:r>
                                 </m:e>
                                 <m:sup>
                                   <m:r>
-                                    <a:rPr lang="en-US" sz="2100" i="1"/>
+                                    <a:rPr lang="en-US" sz="2100" i="1">
+                                      <a:latin typeface="Cambria Math" panose="02040503050406030204" pitchFamily="18" charset="0"/>
+                                    </a:rPr>
                                     <m:t>∗</m:t>
                                   </m:r>
                                 </m:sup>
                               </m:sSup>
                               <m:r>
-                                <a:rPr lang="en-US" sz="2100" i="1"/>
+                                <a:rPr lang="en-US" sz="2100" i="1">
+                                  <a:latin typeface="Cambria Math" panose="02040503050406030204" pitchFamily="18" charset="0"/>
+                                </a:rPr>
                                 <m:t>,</m:t>
                               </m:r>
                               <m:r>
-                                <a:rPr lang="en-US" sz="2100" i="1"/>
+                                <a:rPr lang="en-US" sz="2100" i="1">
+                                  <a:latin typeface="Cambria Math" panose="02040503050406030204" pitchFamily="18" charset="0"/>
+                                </a:rPr>
                                 <m:t>𝜆</m:t>
                               </m:r>
                               <m:r>
-                                <a:rPr lang="en-US" sz="2100" i="1"/>
+                                <a:rPr lang="en-US" sz="2100" i="1">
+                                  <a:latin typeface="Cambria Math" panose="02040503050406030204" pitchFamily="18" charset="0"/>
+                                </a:rPr>
                                 <m:t>,</m:t>
                               </m:r>
                               <m:r>
-                                <a:rPr lang="en-US" sz="2100" i="1"/>
+                                <a:rPr lang="en-US" sz="2100" i="1">
+                                  <a:latin typeface="Cambria Math" panose="02040503050406030204" pitchFamily="18" charset="0"/>
+                                </a:rPr>
                                 <m:t>𝜇</m:t>
                               </m:r>
                             </m:e>
@@ -13522,7 +13657,7 @@
             </p:txBody>
           </p:sp>
         </mc:Choice>
-        <mc:Fallback>
+        <mc:Fallback xmlns="">
           <p:sp>
             <p:nvSpPr>
               <p:cNvPr id="3" name="Content Placeholder 2">
@@ -13710,8 +13845,8 @@
           </a:p>
         </p:txBody>
       </p:sp>
-      <mc:AlternateContent xmlns:mc="http://schemas.openxmlformats.org/markup-compatibility/2006">
-        <mc:Choice xmlns:a14="http://schemas.microsoft.com/office/drawing/2010/main" Requires="a14">
+      <mc:AlternateContent xmlns:mc="http://schemas.openxmlformats.org/markup-compatibility/2006" xmlns:a14="http://schemas.microsoft.com/office/drawing/2010/main">
+        <mc:Choice Requires="a14">
           <p:sp>
             <p:nvSpPr>
               <p:cNvPr id="3" name="Content Placeholder 2">
@@ -15319,7 +15454,9 @@
                           <m:begChr m:val="{"/>
                           <m:endChr m:val=""/>
                           <m:ctrlPr>
-                            <a:rPr lang="en-US" sz="1900" i="1"/>
+                            <a:rPr lang="en-US" sz="1900" i="1">
+                              <a:latin typeface="Cambria Math" panose="02040503050406030204" pitchFamily="18" charset="0"/>
+                            </a:rPr>
                           </m:ctrlPr>
                         </m:dPr>
                         <m:e>
@@ -15334,7 +15471,9 @@
                                 </m:mc>
                               </m:mcs>
                               <m:ctrlPr>
-                                <a:rPr lang="en-US" sz="1900" i="1"/>
+                                <a:rPr lang="en-US" sz="1900" i="1">
+                                  <a:latin typeface="Cambria Math" panose="02040503050406030204" pitchFamily="18" charset="0"/>
+                                </a:rPr>
                               </m:ctrlPr>
                             </m:mPr>
                             <m:mr>
@@ -15342,24 +15481,32 @@
                                 <m:sSup>
                                   <m:sSupPr>
                                     <m:ctrlPr>
-                                      <a:rPr lang="en-US" sz="1900" i="1"/>
+                                      <a:rPr lang="en-US" sz="1900" i="1">
+                                        <a:latin typeface="Cambria Math" panose="02040503050406030204" pitchFamily="18" charset="0"/>
+                                      </a:rPr>
                                     </m:ctrlPr>
                                   </m:sSupPr>
                                   <m:e>
                                     <m:r>
-                                      <a:rPr lang="en-US" sz="1900" i="1"/>
+                                      <a:rPr lang="en-US" sz="1900" i="1">
+                                        <a:latin typeface="Cambria Math" panose="02040503050406030204" pitchFamily="18" charset="0"/>
+                                      </a:rPr>
                                       <m:t>𝑊</m:t>
                                     </m:r>
                                   </m:e>
                                   <m:sup>
                                     <m:r>
-                                      <a:rPr lang="en-US" sz="1900" i="1"/>
+                                      <a:rPr lang="en-US" sz="1900" i="1">
+                                        <a:latin typeface="Cambria Math" panose="02040503050406030204" pitchFamily="18" charset="0"/>
+                                      </a:rPr>
                                       <m:t>∗</m:t>
                                     </m:r>
                                   </m:sup>
                                 </m:sSup>
                                 <m:r>
-                                  <a:rPr lang="en-US" sz="1900" i="1"/>
+                                  <a:rPr lang="en-US" sz="1900" i="1">
+                                    <a:latin typeface="Cambria Math" panose="02040503050406030204" pitchFamily="18" charset="0"/>
+                                  </a:rPr>
                                   <m:t>=</m:t>
                                 </m:r>
                                 <m:nary>
@@ -15367,22 +15514,30 @@
                                     <m:chr m:val="∑"/>
                                     <m:limLoc m:val="undOvr"/>
                                     <m:ctrlPr>
-                                      <a:rPr lang="en-US" sz="1900" i="1"/>
+                                      <a:rPr lang="en-US" sz="1900" i="1">
+                                        <a:latin typeface="Cambria Math" panose="02040503050406030204" pitchFamily="18" charset="0"/>
+                                      </a:rPr>
                                     </m:ctrlPr>
                                   </m:naryPr>
                                   <m:sub>
                                     <m:r>
-                                      <a:rPr lang="en-US" sz="1900" i="1"/>
+                                      <a:rPr lang="en-US" sz="1900" i="1">
+                                        <a:latin typeface="Cambria Math" panose="02040503050406030204" pitchFamily="18" charset="0"/>
+                                      </a:rPr>
                                       <m:t>𝑖</m:t>
                                     </m:r>
                                     <m:r>
-                                      <a:rPr lang="en-US" sz="1900" i="1"/>
+                                      <a:rPr lang="en-US" sz="1900" i="1">
+                                        <a:latin typeface="Cambria Math" panose="02040503050406030204" pitchFamily="18" charset="0"/>
+                                      </a:rPr>
                                       <m:t>=1</m:t>
                                     </m:r>
                                   </m:sub>
                                   <m:sup>
                                     <m:r>
-                                      <a:rPr lang="en-US" sz="1900" i="1"/>
+                                      <a:rPr lang="en-US" sz="1900" i="1">
+                                        <a:latin typeface="Cambria Math" panose="02040503050406030204" pitchFamily="18" charset="0"/>
+                                      </a:rPr>
                                       <m:t>𝑛</m:t>
                                     </m:r>
                                   </m:sup>
@@ -15390,18 +15545,24 @@
                                     <m:sSub>
                                       <m:sSubPr>
                                         <m:ctrlPr>
-                                          <a:rPr lang="en-US" sz="1900" i="1"/>
+                                          <a:rPr lang="en-US" sz="1900" i="1">
+                                            <a:latin typeface="Cambria Math" panose="02040503050406030204" pitchFamily="18" charset="0"/>
+                                          </a:rPr>
                                         </m:ctrlPr>
                                       </m:sSubPr>
                                       <m:e>
                                         <m:r>
-                                          <a:rPr lang="en-US" sz="1900" i="1"/>
+                                          <a:rPr lang="en-US" sz="1900" i="1">
+                                            <a:latin typeface="Cambria Math" panose="02040503050406030204" pitchFamily="18" charset="0"/>
+                                          </a:rPr>
                                           <m:t>𝜆</m:t>
                                         </m:r>
                                       </m:e>
                                       <m:sub>
                                         <m:r>
-                                          <a:rPr lang="en-US" sz="1900" i="1"/>
+                                          <a:rPr lang="en-US" sz="1900" i="1">
+                                            <a:latin typeface="Cambria Math" panose="02040503050406030204" pitchFamily="18" charset="0"/>
+                                          </a:rPr>
                                           <m:t>𝑖</m:t>
                                         </m:r>
                                       </m:sub>
@@ -15409,18 +15570,24 @@
                                     <m:sSub>
                                       <m:sSubPr>
                                         <m:ctrlPr>
-                                          <a:rPr lang="en-US" sz="1900" i="1"/>
+                                          <a:rPr lang="en-US" sz="1900" i="1">
+                                            <a:latin typeface="Cambria Math" panose="02040503050406030204" pitchFamily="18" charset="0"/>
+                                          </a:rPr>
                                         </m:ctrlPr>
                                       </m:sSubPr>
                                       <m:e>
                                         <m:r>
-                                          <a:rPr lang="en-US" sz="1900" i="1"/>
+                                          <a:rPr lang="en-US" sz="1900" i="1">
+                                            <a:latin typeface="Cambria Math" panose="02040503050406030204" pitchFamily="18" charset="0"/>
+                                          </a:rPr>
                                           <m:t>𝑦</m:t>
                                         </m:r>
                                       </m:e>
                                       <m:sub>
                                         <m:r>
-                                          <a:rPr lang="en-US" sz="1900" i="1"/>
+                                          <a:rPr lang="en-US" sz="1900" i="1">
+                                            <a:latin typeface="Cambria Math" panose="02040503050406030204" pitchFamily="18" charset="0"/>
+                                          </a:rPr>
                                           <m:t>𝑖</m:t>
                                         </m:r>
                                       </m:sub>
@@ -15428,18 +15595,24 @@
                                     <m:sSub>
                                       <m:sSubPr>
                                         <m:ctrlPr>
-                                          <a:rPr lang="en-US" sz="1900" i="1"/>
+                                          <a:rPr lang="en-US" sz="1900" i="1">
+                                            <a:latin typeface="Cambria Math" panose="02040503050406030204" pitchFamily="18" charset="0"/>
+                                          </a:rPr>
                                         </m:ctrlPr>
                                       </m:sSubPr>
                                       <m:e>
                                         <m:r>
-                                          <a:rPr lang="en-US" sz="1900" i="1"/>
+                                          <a:rPr lang="en-US" sz="1900" i="1">
+                                            <a:latin typeface="Cambria Math" panose="02040503050406030204" pitchFamily="18" charset="0"/>
+                                          </a:rPr>
                                           <m:t>𝑋</m:t>
                                         </m:r>
                                       </m:e>
                                       <m:sub>
                                         <m:r>
-                                          <a:rPr lang="en-US" sz="1900" i="1"/>
+                                          <a:rPr lang="en-US" sz="1900" i="1">
+                                            <a:latin typeface="Cambria Math" panose="02040503050406030204" pitchFamily="18" charset="0"/>
+                                          </a:rPr>
                                           <m:t>𝑖</m:t>
                                         </m:r>
                                       </m:sub>
@@ -15455,22 +15628,30 @@
                                     <m:chr m:val="∑"/>
                                     <m:limLoc m:val="undOvr"/>
                                     <m:ctrlPr>
-                                      <a:rPr lang="en-US" sz="1900" i="1"/>
+                                      <a:rPr lang="en-US" sz="1900" i="1">
+                                        <a:latin typeface="Cambria Math" panose="02040503050406030204" pitchFamily="18" charset="0"/>
+                                      </a:rPr>
                                     </m:ctrlPr>
                                   </m:naryPr>
                                   <m:sub>
                                     <m:r>
-                                      <a:rPr lang="en-US" sz="1900" i="1"/>
+                                      <a:rPr lang="en-US" sz="1900" i="1">
+                                        <a:latin typeface="Cambria Math" panose="02040503050406030204" pitchFamily="18" charset="0"/>
+                                      </a:rPr>
                                       <m:t>𝑖</m:t>
                                     </m:r>
                                     <m:r>
-                                      <a:rPr lang="en-US" sz="1900" i="1"/>
+                                      <a:rPr lang="en-US" sz="1900" i="1">
+                                        <a:latin typeface="Cambria Math" panose="02040503050406030204" pitchFamily="18" charset="0"/>
+                                      </a:rPr>
                                       <m:t>=1</m:t>
                                     </m:r>
                                   </m:sub>
                                   <m:sup>
                                     <m:r>
-                                      <a:rPr lang="en-US" sz="1900" i="1"/>
+                                      <a:rPr lang="en-US" sz="1900" i="1">
+                                        <a:latin typeface="Cambria Math" panose="02040503050406030204" pitchFamily="18" charset="0"/>
+                                      </a:rPr>
                                       <m:t>𝑛</m:t>
                                     </m:r>
                                   </m:sup>
@@ -15478,18 +15659,24 @@
                                     <m:sSub>
                                       <m:sSubPr>
                                         <m:ctrlPr>
-                                          <a:rPr lang="en-US" sz="1900" i="1"/>
+                                          <a:rPr lang="en-US" sz="1900" i="1">
+                                            <a:latin typeface="Cambria Math" panose="02040503050406030204" pitchFamily="18" charset="0"/>
+                                          </a:rPr>
                                         </m:ctrlPr>
                                       </m:sSubPr>
                                       <m:e>
                                         <m:r>
-                                          <a:rPr lang="en-US" sz="1900" i="1"/>
+                                          <a:rPr lang="en-US" sz="1900" i="1">
+                                            <a:latin typeface="Cambria Math" panose="02040503050406030204" pitchFamily="18" charset="0"/>
+                                          </a:rPr>
                                           <m:t>𝜆</m:t>
                                         </m:r>
                                       </m:e>
                                       <m:sub>
                                         <m:r>
-                                          <a:rPr lang="en-US" sz="1900" i="1"/>
+                                          <a:rPr lang="en-US" sz="1900" i="1">
+                                            <a:latin typeface="Cambria Math" panose="02040503050406030204" pitchFamily="18" charset="0"/>
+                                          </a:rPr>
                                           <m:t>𝑖</m:t>
                                         </m:r>
                                       </m:sub>
@@ -15497,18 +15684,24 @@
                                     <m:sSub>
                                       <m:sSubPr>
                                         <m:ctrlPr>
-                                          <a:rPr lang="en-US" sz="1900" i="1"/>
+                                          <a:rPr lang="en-US" sz="1900" i="1">
+                                            <a:latin typeface="Cambria Math" panose="02040503050406030204" pitchFamily="18" charset="0"/>
+                                          </a:rPr>
                                         </m:ctrlPr>
                                       </m:sSubPr>
                                       <m:e>
                                         <m:r>
-                                          <a:rPr lang="en-US" sz="1900" i="1"/>
+                                          <a:rPr lang="en-US" sz="1900" i="1">
+                                            <a:latin typeface="Cambria Math" panose="02040503050406030204" pitchFamily="18" charset="0"/>
+                                          </a:rPr>
                                           <m:t>𝑦</m:t>
                                         </m:r>
                                       </m:e>
                                       <m:sub>
                                         <m:r>
-                                          <a:rPr lang="en-US" sz="1900" i="1"/>
+                                          <a:rPr lang="en-US" sz="1900" i="1">
+                                            <a:latin typeface="Cambria Math" panose="02040503050406030204" pitchFamily="18" charset="0"/>
+                                          </a:rPr>
                                           <m:t>𝑖</m:t>
                                         </m:r>
                                       </m:sub>
@@ -15516,7 +15709,9 @@
                                   </m:e>
                                 </m:nary>
                                 <m:r>
-                                  <a:rPr lang="en-US" sz="1900" i="1"/>
+                                  <a:rPr lang="en-US" sz="1900" i="1">
+                                    <a:latin typeface="Cambria Math" panose="02040503050406030204" pitchFamily="18" charset="0"/>
+                                  </a:rPr>
                                   <m:t>=0</m:t>
                                 </m:r>
                               </m:e>
@@ -15526,79 +15721,109 @@
                                 <m:sSub>
                                   <m:sSubPr>
                                     <m:ctrlPr>
-                                      <a:rPr lang="en-US" sz="1900" i="1"/>
+                                      <a:rPr lang="en-US" sz="1900" i="1">
+                                        <a:latin typeface="Cambria Math" panose="02040503050406030204" pitchFamily="18" charset="0"/>
+                                      </a:rPr>
                                     </m:ctrlPr>
                                   </m:sSubPr>
                                   <m:e>
                                     <m:r>
-                                      <a:rPr lang="en-US" sz="1900" i="1"/>
+                                      <a:rPr lang="en-US" sz="1900" i="1">
+                                        <a:latin typeface="Cambria Math" panose="02040503050406030204" pitchFamily="18" charset="0"/>
+                                      </a:rPr>
                                       <m:t>𝜆</m:t>
                                     </m:r>
                                   </m:e>
                                   <m:sub>
                                     <m:r>
-                                      <a:rPr lang="en-US" sz="1900" i="1"/>
+                                      <a:rPr lang="en-US" sz="1900" i="1">
+                                        <a:latin typeface="Cambria Math" panose="02040503050406030204" pitchFamily="18" charset="0"/>
+                                      </a:rPr>
                                       <m:t>𝑖</m:t>
                                     </m:r>
                                   </m:sub>
                                 </m:sSub>
                                 <m:r>
-                                  <a:rPr lang="en-US" sz="1900" i="1"/>
+                                  <a:rPr lang="en-US" sz="1900" i="1">
+                                    <a:latin typeface="Cambria Math" panose="02040503050406030204" pitchFamily="18" charset="0"/>
+                                  </a:rPr>
                                   <m:t>=</m:t>
                                 </m:r>
                                 <m:r>
-                                  <a:rPr lang="en-US" sz="1900" i="1"/>
+                                  <a:rPr lang="en-US" sz="1900" i="1">
+                                    <a:latin typeface="Cambria Math" panose="02040503050406030204" pitchFamily="18" charset="0"/>
+                                  </a:rPr>
                                   <m:t>𝐶</m:t>
                                 </m:r>
                                 <m:r>
-                                  <a:rPr lang="en-US" sz="1900" i="1"/>
+                                  <a:rPr lang="en-US" sz="1900" i="1">
+                                    <a:latin typeface="Cambria Math" panose="02040503050406030204" pitchFamily="18" charset="0"/>
+                                  </a:rPr>
                                   <m:t>−</m:t>
                                 </m:r>
                                 <m:sSub>
                                   <m:sSubPr>
                                     <m:ctrlPr>
-                                      <a:rPr lang="en-US" sz="1900" i="1"/>
+                                      <a:rPr lang="en-US" sz="1900" i="1">
+                                        <a:latin typeface="Cambria Math" panose="02040503050406030204" pitchFamily="18" charset="0"/>
+                                      </a:rPr>
                                     </m:ctrlPr>
                                   </m:sSubPr>
                                   <m:e>
                                     <m:r>
-                                      <a:rPr lang="en-US" sz="1900" i="1"/>
+                                      <a:rPr lang="en-US" sz="1900" i="1">
+                                        <a:latin typeface="Cambria Math" panose="02040503050406030204" pitchFamily="18" charset="0"/>
+                                      </a:rPr>
                                       <m:t>𝜇</m:t>
                                     </m:r>
                                   </m:e>
                                   <m:sub>
                                     <m:r>
-                                      <a:rPr lang="en-US" sz="1900" i="1"/>
+                                      <a:rPr lang="en-US" sz="1900" i="1">
+                                        <a:latin typeface="Cambria Math" panose="02040503050406030204" pitchFamily="18" charset="0"/>
+                                      </a:rPr>
                                       <m:t>𝑖</m:t>
                                     </m:r>
                                   </m:sub>
                                 </m:sSub>
                                 <m:r>
-                                  <a:rPr lang="en-US" sz="1900" i="1"/>
+                                  <a:rPr lang="en-US" sz="1900" i="1">
+                                    <a:latin typeface="Cambria Math" panose="02040503050406030204" pitchFamily="18" charset="0"/>
+                                  </a:rPr>
                                   <m:t>,∀</m:t>
                                 </m:r>
                                 <m:r>
-                                  <a:rPr lang="en-US" sz="1900" i="1"/>
+                                  <a:rPr lang="en-US" sz="1900" i="1">
+                                    <a:latin typeface="Cambria Math" panose="02040503050406030204" pitchFamily="18" charset="0"/>
+                                  </a:rPr>
                                   <m:t>𝑖</m:t>
                                 </m:r>
                                 <m:r>
-                                  <a:rPr lang="en-US" sz="1900" i="1"/>
+                                  <a:rPr lang="en-US" sz="1900" i="1">
+                                    <a:latin typeface="Cambria Math" panose="02040503050406030204" pitchFamily="18" charset="0"/>
+                                  </a:rPr>
                                   <m:t>=</m:t>
                                 </m:r>
                                 <m:acc>
                                   <m:accPr>
                                     <m:chr m:val="̅"/>
                                     <m:ctrlPr>
-                                      <a:rPr lang="en-US" sz="1900" i="1"/>
+                                      <a:rPr lang="en-US" sz="1900" i="1">
+                                        <a:latin typeface="Cambria Math" panose="02040503050406030204" pitchFamily="18" charset="0"/>
+                                      </a:rPr>
                                     </m:ctrlPr>
                                   </m:accPr>
                                   <m:e>
                                     <m:r>
-                                      <a:rPr lang="en-US" sz="1900" i="1"/>
+                                      <a:rPr lang="en-US" sz="1900" i="1">
+                                        <a:latin typeface="Cambria Math" panose="02040503050406030204" pitchFamily="18" charset="0"/>
+                                      </a:rPr>
                                       <m:t>1,</m:t>
                                     </m:r>
                                     <m:r>
-                                      <a:rPr lang="en-US" sz="1900" i="1"/>
+                                      <a:rPr lang="en-US" sz="1900" i="1">
+                                        <a:latin typeface="Cambria Math" panose="02040503050406030204" pitchFamily="18" charset="0"/>
+                                      </a:rPr>
                                       <m:t>𝑛</m:t>
                                     </m:r>
                                   </m:e>
@@ -15610,71 +15835,97 @@
                                 <m:sSub>
                                   <m:sSubPr>
                                     <m:ctrlPr>
-                                      <a:rPr lang="en-US" sz="1900" i="1"/>
+                                      <a:rPr lang="en-US" sz="1900" i="1">
+                                        <a:latin typeface="Cambria Math" panose="02040503050406030204" pitchFamily="18" charset="0"/>
+                                      </a:rPr>
                                     </m:ctrlPr>
                                   </m:sSubPr>
                                   <m:e>
                                     <m:r>
-                                      <a:rPr lang="en-US" sz="1900" i="1"/>
+                                      <a:rPr lang="en-US" sz="1900" i="1">
+                                        <a:latin typeface="Cambria Math" panose="02040503050406030204" pitchFamily="18" charset="0"/>
+                                      </a:rPr>
                                       <m:t>𝜆</m:t>
                                     </m:r>
                                   </m:e>
                                   <m:sub>
                                     <m:r>
-                                      <a:rPr lang="en-US" sz="1900" i="1"/>
+                                      <a:rPr lang="en-US" sz="1900" i="1">
+                                        <a:latin typeface="Cambria Math" panose="02040503050406030204" pitchFamily="18" charset="0"/>
+                                      </a:rPr>
                                       <m:t>𝑖</m:t>
                                     </m:r>
                                   </m:sub>
                                 </m:sSub>
                                 <m:r>
-                                  <a:rPr lang="en-US" sz="1900" i="1"/>
+                                  <a:rPr lang="en-US" sz="1900" i="1">
+                                    <a:latin typeface="Cambria Math" panose="02040503050406030204" pitchFamily="18" charset="0"/>
+                                  </a:rPr>
                                   <m:t>≥0,</m:t>
                                 </m:r>
                                 <m:sSub>
                                   <m:sSubPr>
                                     <m:ctrlPr>
-                                      <a:rPr lang="en-US" sz="1900" i="1"/>
+                                      <a:rPr lang="en-US" sz="1900" i="1">
+                                        <a:latin typeface="Cambria Math" panose="02040503050406030204" pitchFamily="18" charset="0"/>
+                                      </a:rPr>
                                     </m:ctrlPr>
                                   </m:sSubPr>
                                   <m:e>
                                     <m:r>
-                                      <a:rPr lang="en-US" sz="1900" i="1"/>
+                                      <a:rPr lang="en-US" sz="1900" i="1">
+                                        <a:latin typeface="Cambria Math" panose="02040503050406030204" pitchFamily="18" charset="0"/>
+                                      </a:rPr>
                                       <m:t>𝜇</m:t>
                                     </m:r>
                                   </m:e>
                                   <m:sub>
                                     <m:r>
-                                      <a:rPr lang="en-US" sz="1900" i="1"/>
+                                      <a:rPr lang="en-US" sz="1900" i="1">
+                                        <a:latin typeface="Cambria Math" panose="02040503050406030204" pitchFamily="18" charset="0"/>
+                                      </a:rPr>
                                       <m:t>𝑖</m:t>
                                     </m:r>
                                   </m:sub>
                                 </m:sSub>
                                 <m:r>
-                                  <a:rPr lang="en-US" sz="1900" i="1"/>
+                                  <a:rPr lang="en-US" sz="1900" i="1">
+                                    <a:latin typeface="Cambria Math" panose="02040503050406030204" pitchFamily="18" charset="0"/>
+                                  </a:rPr>
                                   <m:t>≥0,∀</m:t>
                                 </m:r>
                                 <m:r>
-                                  <a:rPr lang="en-US" sz="1900" i="1"/>
+                                  <a:rPr lang="en-US" sz="1900" i="1">
+                                    <a:latin typeface="Cambria Math" panose="02040503050406030204" pitchFamily="18" charset="0"/>
+                                  </a:rPr>
                                   <m:t>𝑖</m:t>
                                 </m:r>
                                 <m:r>
-                                  <a:rPr lang="en-US" sz="1900" i="1"/>
+                                  <a:rPr lang="en-US" sz="1900" i="1">
+                                    <a:latin typeface="Cambria Math" panose="02040503050406030204" pitchFamily="18" charset="0"/>
+                                  </a:rPr>
                                   <m:t>=</m:t>
                                 </m:r>
                                 <m:acc>
                                   <m:accPr>
                                     <m:chr m:val="̅"/>
                                     <m:ctrlPr>
-                                      <a:rPr lang="en-US" sz="1900" i="1"/>
+                                      <a:rPr lang="en-US" sz="1900" i="1">
+                                        <a:latin typeface="Cambria Math" panose="02040503050406030204" pitchFamily="18" charset="0"/>
+                                      </a:rPr>
                                     </m:ctrlPr>
                                   </m:accPr>
                                   <m:e>
                                     <m:r>
-                                      <a:rPr lang="en-US" sz="1900" i="1"/>
+                                      <a:rPr lang="en-US" sz="1900" i="1">
+                                        <a:latin typeface="Cambria Math" panose="02040503050406030204" pitchFamily="18" charset="0"/>
+                                      </a:rPr>
                                       <m:t>1,</m:t>
                                     </m:r>
                                     <m:r>
-                                      <a:rPr lang="en-US" sz="1900" i="1"/>
+                                      <a:rPr lang="en-US" sz="1900" i="1">
+                                        <a:latin typeface="Cambria Math" panose="02040503050406030204" pitchFamily="18" charset="0"/>
+                                      </a:rPr>
                                       <m:t>𝑛</m:t>
                                     </m:r>
                                   </m:e>
@@ -15709,7 +15960,7 @@
             </p:txBody>
           </p:sp>
         </mc:Choice>
-        <mc:Fallback>
+        <mc:Fallback xmlns="">
           <p:sp>
             <p:nvSpPr>
               <p:cNvPr id="3" name="Content Placeholder 2">
@@ -15839,8 +16090,8 @@
           </a:p>
         </p:txBody>
       </p:sp>
-      <mc:AlternateContent xmlns:mc="http://schemas.openxmlformats.org/markup-compatibility/2006">
-        <mc:Choice xmlns:a14="http://schemas.microsoft.com/office/drawing/2010/main" Requires="a14">
+      <mc:AlternateContent xmlns:mc="http://schemas.openxmlformats.org/markup-compatibility/2006" xmlns:a14="http://schemas.microsoft.com/office/drawing/2010/main">
+        <mc:Choice Requires="a14">
           <p:sp>
             <p:nvSpPr>
               <p:cNvPr id="7" name="TextBox 6">
@@ -16332,7 +16583,7 @@
             </p:txBody>
           </p:sp>
         </mc:Choice>
-        <mc:Fallback>
+        <mc:Fallback xmlns="">
           <p:sp>
             <p:nvSpPr>
               <p:cNvPr id="7" name="TextBox 6">
@@ -16436,8 +16687,8 @@
           </a:p>
         </p:txBody>
       </p:sp>
-      <mc:AlternateContent xmlns:mc="http://schemas.openxmlformats.org/markup-compatibility/2006">
-        <mc:Choice xmlns:a14="http://schemas.microsoft.com/office/drawing/2010/main" Requires="a14">
+      <mc:AlternateContent xmlns:mc="http://schemas.openxmlformats.org/markup-compatibility/2006" xmlns:a14="http://schemas.microsoft.com/office/drawing/2010/main">
+        <mc:Choice Requires="a14">
           <p:sp>
             <p:nvSpPr>
               <p:cNvPr id="3" name="Content Placeholder 2">
@@ -19342,7 +19593,7 @@
             </p:txBody>
           </p:sp>
         </mc:Choice>
-        <mc:Fallback>
+        <mc:Fallback xmlns="">
           <p:sp>
             <p:nvSpPr>
               <p:cNvPr id="3" name="Content Placeholder 2">
@@ -19530,8 +19781,8 @@
           </a:p>
         </p:txBody>
       </p:sp>
-      <mc:AlternateContent xmlns:mc="http://schemas.openxmlformats.org/markup-compatibility/2006">
-        <mc:Choice xmlns:a14="http://schemas.microsoft.com/office/drawing/2010/main" Requires="a14">
+      <mc:AlternateContent xmlns:mc="http://schemas.openxmlformats.org/markup-compatibility/2006" xmlns:a14="http://schemas.microsoft.com/office/drawing/2010/main">
+        <mc:Choice Requires="a14">
           <p:sp>
             <p:nvSpPr>
               <p:cNvPr id="3" name="Content Placeholder 2">
@@ -20806,7 +21057,7 @@
             </p:txBody>
           </p:sp>
         </mc:Choice>
-        <mc:Fallback>
+        <mc:Fallback xmlns="">
           <p:sp>
             <p:nvSpPr>
               <p:cNvPr id="3" name="Content Placeholder 2">
@@ -20994,8 +21245,8 @@
           </a:p>
         </p:txBody>
       </p:sp>
-      <mc:AlternateContent xmlns:mc="http://schemas.openxmlformats.org/markup-compatibility/2006">
-        <mc:Choice xmlns:a14="http://schemas.microsoft.com/office/drawing/2010/main" Requires="a14">
+      <mc:AlternateContent xmlns:mc="http://schemas.openxmlformats.org/markup-compatibility/2006" xmlns:a14="http://schemas.microsoft.com/office/drawing/2010/main">
+        <mc:Choice Requires="a14">
           <p:sp>
             <p:nvSpPr>
               <p:cNvPr id="3" name="Content Placeholder 2">
@@ -21638,7 +21889,7 @@
             </p:txBody>
           </p:sp>
         </mc:Choice>
-        <mc:Fallback>
+        <mc:Fallback xmlns="">
           <p:sp>
             <p:nvSpPr>
               <p:cNvPr id="3" name="Content Placeholder 2">
@@ -22409,8 +22660,8 @@
           </a:p>
         </p:txBody>
       </p:sp>
-      <mc:AlternateContent xmlns:mc="http://schemas.openxmlformats.org/markup-compatibility/2006">
-        <mc:Choice xmlns:a14="http://schemas.microsoft.com/office/drawing/2010/main" Requires="a14">
+      <mc:AlternateContent xmlns:mc="http://schemas.openxmlformats.org/markup-compatibility/2006" xmlns:a14="http://schemas.microsoft.com/office/drawing/2010/main">
+        <mc:Choice Requires="a14">
           <p:sp>
             <p:nvSpPr>
               <p:cNvPr id="3" name="Content Placeholder 2">
@@ -22514,7 +22765,9 @@
                           <m:begChr m:val="{"/>
                           <m:endChr m:val=""/>
                           <m:ctrlPr>
-                            <a:rPr lang="en-US" sz="2000" i="1"/>
+                            <a:rPr lang="en-US" sz="2000" i="1">
+                              <a:latin typeface="Cambria Math" panose="02040503050406030204" pitchFamily="18" charset="0"/>
+                            </a:rPr>
                           </m:ctrlPr>
                         </m:dPr>
                         <m:e>
@@ -22529,17 +22782,23 @@
                                 </m:mc>
                               </m:mcs>
                               <m:ctrlPr>
-                                <a:rPr lang="en-US" sz="2000" i="1"/>
+                                <a:rPr lang="en-US" sz="2000" i="1">
+                                  <a:latin typeface="Cambria Math" panose="02040503050406030204" pitchFamily="18" charset="0"/>
+                                </a:rPr>
                               </m:ctrlPr>
                             </m:mPr>
                             <m:mr>
                               <m:e>
                                 <m:r>
-                                  <a:rPr lang="en-US" sz="2000" i="1"/>
+                                  <a:rPr lang="en-US" sz="2000" i="1">
+                                    <a:latin typeface="Cambria Math" panose="02040503050406030204" pitchFamily="18" charset="0"/>
+                                  </a:rPr>
                                   <m:t>𝑊</m:t>
                                 </m:r>
                                 <m:r>
-                                  <a:rPr lang="en-US" sz="2000" i="1"/>
+                                  <a:rPr lang="en-US" sz="2000" i="1">
+                                    <a:latin typeface="Cambria Math" panose="02040503050406030204" pitchFamily="18" charset="0"/>
+                                  </a:rPr>
                                   <m:t>=</m:t>
                                 </m:r>
                                 <m:nary>
@@ -22547,22 +22806,30 @@
                                     <m:chr m:val="∑"/>
                                     <m:limLoc m:val="undOvr"/>
                                     <m:ctrlPr>
-                                      <a:rPr lang="en-US" sz="2000" i="1"/>
+                                      <a:rPr lang="en-US" sz="2000" i="1">
+                                        <a:latin typeface="Cambria Math" panose="02040503050406030204" pitchFamily="18" charset="0"/>
+                                      </a:rPr>
                                     </m:ctrlPr>
                                   </m:naryPr>
                                   <m:sub>
                                     <m:r>
-                                      <a:rPr lang="en-US" sz="2000" i="1"/>
+                                      <a:rPr lang="en-US" sz="2000" i="1">
+                                        <a:latin typeface="Cambria Math" panose="02040503050406030204" pitchFamily="18" charset="0"/>
+                                      </a:rPr>
                                       <m:t>𝑖</m:t>
                                     </m:r>
                                     <m:r>
-                                      <a:rPr lang="en-US" sz="2000" i="1"/>
+                                      <a:rPr lang="en-US" sz="2000" i="1">
+                                        <a:latin typeface="Cambria Math" panose="02040503050406030204" pitchFamily="18" charset="0"/>
+                                      </a:rPr>
                                       <m:t>=1</m:t>
                                     </m:r>
                                   </m:sub>
                                   <m:sup>
                                     <m:r>
-                                      <a:rPr lang="en-US" sz="2000" i="1"/>
+                                      <a:rPr lang="en-US" sz="2000" i="1">
+                                        <a:latin typeface="Cambria Math" panose="02040503050406030204" pitchFamily="18" charset="0"/>
+                                      </a:rPr>
                                       <m:t>𝑛</m:t>
                                     </m:r>
                                   </m:sup>
@@ -22570,18 +22837,24 @@
                                     <m:sSub>
                                       <m:sSubPr>
                                         <m:ctrlPr>
-                                          <a:rPr lang="en-US" sz="2000" i="1"/>
+                                          <a:rPr lang="en-US" sz="2000" i="1">
+                                            <a:latin typeface="Cambria Math" panose="02040503050406030204" pitchFamily="18" charset="0"/>
+                                          </a:rPr>
                                         </m:ctrlPr>
                                       </m:sSubPr>
                                       <m:e>
                                         <m:r>
-                                          <a:rPr lang="en-US" sz="2000" i="1"/>
+                                          <a:rPr lang="en-US" sz="2000" i="1">
+                                            <a:latin typeface="Cambria Math" panose="02040503050406030204" pitchFamily="18" charset="0"/>
+                                          </a:rPr>
                                           <m:t>𝜆</m:t>
                                         </m:r>
                                       </m:e>
                                       <m:sub>
                                         <m:r>
-                                          <a:rPr lang="en-US" sz="2000" i="1"/>
+                                          <a:rPr lang="en-US" sz="2000" i="1">
+                                            <a:latin typeface="Cambria Math" panose="02040503050406030204" pitchFamily="18" charset="0"/>
+                                          </a:rPr>
                                           <m:t>𝑖</m:t>
                                         </m:r>
                                       </m:sub>
@@ -22589,18 +22862,24 @@
                                     <m:sSub>
                                       <m:sSubPr>
                                         <m:ctrlPr>
-                                          <a:rPr lang="en-US" sz="2000" i="1"/>
+                                          <a:rPr lang="en-US" sz="2000" i="1">
+                                            <a:latin typeface="Cambria Math" panose="02040503050406030204" pitchFamily="18" charset="0"/>
+                                          </a:rPr>
                                         </m:ctrlPr>
                                       </m:sSubPr>
                                       <m:e>
                                         <m:r>
-                                          <a:rPr lang="en-US" sz="2000" i="1"/>
+                                          <a:rPr lang="en-US" sz="2000" i="1">
+                                            <a:latin typeface="Cambria Math" panose="02040503050406030204" pitchFamily="18" charset="0"/>
+                                          </a:rPr>
                                           <m:t>𝑦</m:t>
                                         </m:r>
                                       </m:e>
                                       <m:sub>
                                         <m:r>
-                                          <a:rPr lang="en-US" sz="2000" i="1"/>
+                                          <a:rPr lang="en-US" sz="2000" i="1">
+                                            <a:latin typeface="Cambria Math" panose="02040503050406030204" pitchFamily="18" charset="0"/>
+                                          </a:rPr>
                                           <m:t>𝑖</m:t>
                                         </m:r>
                                       </m:sub>
@@ -22608,18 +22887,24 @@
                                     <m:sSub>
                                       <m:sSubPr>
                                         <m:ctrlPr>
-                                          <a:rPr lang="en-US" sz="2000" i="1"/>
+                                          <a:rPr lang="en-US" sz="2000" i="1">
+                                            <a:latin typeface="Cambria Math" panose="02040503050406030204" pitchFamily="18" charset="0"/>
+                                          </a:rPr>
                                         </m:ctrlPr>
                                       </m:sSubPr>
                                       <m:e>
                                         <m:r>
-                                          <a:rPr lang="en-US" sz="2000" i="1"/>
+                                          <a:rPr lang="en-US" sz="2000" i="1">
+                                            <a:latin typeface="Cambria Math" panose="02040503050406030204" pitchFamily="18" charset="0"/>
+                                          </a:rPr>
                                           <m:t>𝑋</m:t>
                                         </m:r>
                                       </m:e>
                                       <m:sub>
                                         <m:r>
-                                          <a:rPr lang="en-US" sz="2000" i="1"/>
+                                          <a:rPr lang="en-US" sz="2000" i="1">
+                                            <a:latin typeface="Cambria Math" panose="02040503050406030204" pitchFamily="18" charset="0"/>
+                                          </a:rPr>
                                           <m:t>𝑖</m:t>
                                         </m:r>
                                       </m:sub>
@@ -22635,22 +22920,30 @@
                                     <m:chr m:val="∑"/>
                                     <m:limLoc m:val="undOvr"/>
                                     <m:ctrlPr>
-                                      <a:rPr lang="en-US" sz="2000" i="1"/>
+                                      <a:rPr lang="en-US" sz="2000" i="1">
+                                        <a:latin typeface="Cambria Math" panose="02040503050406030204" pitchFamily="18" charset="0"/>
+                                      </a:rPr>
                                     </m:ctrlPr>
                                   </m:naryPr>
                                   <m:sub>
                                     <m:r>
-                                      <a:rPr lang="en-US" sz="2000" i="1"/>
+                                      <a:rPr lang="en-US" sz="2000" i="1">
+                                        <a:latin typeface="Cambria Math" panose="02040503050406030204" pitchFamily="18" charset="0"/>
+                                      </a:rPr>
                                       <m:t>𝑖</m:t>
                                     </m:r>
                                     <m:r>
-                                      <a:rPr lang="en-US" sz="2000" i="1"/>
+                                      <a:rPr lang="en-US" sz="2000" i="1">
+                                        <a:latin typeface="Cambria Math" panose="02040503050406030204" pitchFamily="18" charset="0"/>
+                                      </a:rPr>
                                       <m:t>=1</m:t>
                                     </m:r>
                                   </m:sub>
                                   <m:sup>
                                     <m:r>
-                                      <a:rPr lang="en-US" sz="2000" i="1"/>
+                                      <a:rPr lang="en-US" sz="2000" i="1">
+                                        <a:latin typeface="Cambria Math" panose="02040503050406030204" pitchFamily="18" charset="0"/>
+                                      </a:rPr>
                                       <m:t>𝑛</m:t>
                                     </m:r>
                                   </m:sup>
@@ -22658,18 +22951,24 @@
                                     <m:sSub>
                                       <m:sSubPr>
                                         <m:ctrlPr>
-                                          <a:rPr lang="en-US" sz="2000" i="1"/>
+                                          <a:rPr lang="en-US" sz="2000" i="1">
+                                            <a:latin typeface="Cambria Math" panose="02040503050406030204" pitchFamily="18" charset="0"/>
+                                          </a:rPr>
                                         </m:ctrlPr>
                                       </m:sSubPr>
                                       <m:e>
                                         <m:r>
-                                          <a:rPr lang="en-US" sz="2000" i="1"/>
+                                          <a:rPr lang="en-US" sz="2000" i="1">
+                                            <a:latin typeface="Cambria Math" panose="02040503050406030204" pitchFamily="18" charset="0"/>
+                                          </a:rPr>
                                           <m:t>𝜆</m:t>
                                         </m:r>
                                       </m:e>
                                       <m:sub>
                                         <m:r>
-                                          <a:rPr lang="en-US" sz="2000" i="1"/>
+                                          <a:rPr lang="en-US" sz="2000" i="1">
+                                            <a:latin typeface="Cambria Math" panose="02040503050406030204" pitchFamily="18" charset="0"/>
+                                          </a:rPr>
                                           <m:t>𝑖</m:t>
                                         </m:r>
                                       </m:sub>
@@ -22677,18 +22976,24 @@
                                     <m:sSub>
                                       <m:sSubPr>
                                         <m:ctrlPr>
-                                          <a:rPr lang="en-US" sz="2000" i="1"/>
+                                          <a:rPr lang="en-US" sz="2000" i="1">
+                                            <a:latin typeface="Cambria Math" panose="02040503050406030204" pitchFamily="18" charset="0"/>
+                                          </a:rPr>
                                         </m:ctrlPr>
                                       </m:sSubPr>
                                       <m:e>
                                         <m:r>
-                                          <a:rPr lang="en-US" sz="2000" i="1"/>
+                                          <a:rPr lang="en-US" sz="2000" i="1">
+                                            <a:latin typeface="Cambria Math" panose="02040503050406030204" pitchFamily="18" charset="0"/>
+                                          </a:rPr>
                                           <m:t>𝑦</m:t>
                                         </m:r>
                                       </m:e>
                                       <m:sub>
                                         <m:r>
-                                          <a:rPr lang="en-US" sz="2000" i="1"/>
+                                          <a:rPr lang="en-US" sz="2000" i="1">
+                                            <a:latin typeface="Cambria Math" panose="02040503050406030204" pitchFamily="18" charset="0"/>
+                                          </a:rPr>
                                           <m:t>𝑖</m:t>
                                         </m:r>
                                       </m:sub>
@@ -22696,7 +23001,9 @@
                                   </m:e>
                                 </m:nary>
                                 <m:r>
-                                  <a:rPr lang="en-US" sz="2000" i="1"/>
+                                  <a:rPr lang="en-US" sz="2000" i="1">
+                                    <a:latin typeface="Cambria Math" panose="02040503050406030204" pitchFamily="18" charset="0"/>
+                                  </a:rPr>
                                   <m:t>=0</m:t>
                                 </m:r>
                               </m:e>
@@ -22706,49 +23013,67 @@
                                 <m:sSub>
                                   <m:sSubPr>
                                     <m:ctrlPr>
-                                      <a:rPr lang="en-US" sz="2000" i="1"/>
+                                      <a:rPr lang="en-US" sz="2000" i="1">
+                                        <a:latin typeface="Cambria Math" panose="02040503050406030204" pitchFamily="18" charset="0"/>
+                                      </a:rPr>
                                     </m:ctrlPr>
                                   </m:sSubPr>
                                   <m:e>
                                     <m:r>
-                                      <a:rPr lang="en-US" sz="2000" i="1"/>
+                                      <a:rPr lang="en-US" sz="2000" i="1">
+                                        <a:latin typeface="Cambria Math" panose="02040503050406030204" pitchFamily="18" charset="0"/>
+                                      </a:rPr>
                                       <m:t>𝜆</m:t>
                                     </m:r>
                                   </m:e>
                                   <m:sub>
                                     <m:r>
-                                      <a:rPr lang="en-US" sz="2000" i="1"/>
+                                      <a:rPr lang="en-US" sz="2000" i="1">
+                                        <a:latin typeface="Cambria Math" panose="02040503050406030204" pitchFamily="18" charset="0"/>
+                                      </a:rPr>
                                       <m:t>𝑖</m:t>
                                     </m:r>
                                   </m:sub>
                                 </m:sSub>
                                 <m:r>
-                                  <a:rPr lang="en-US" sz="2000" i="1"/>
+                                  <a:rPr lang="en-US" sz="2000" i="1">
+                                    <a:latin typeface="Cambria Math" panose="02040503050406030204" pitchFamily="18" charset="0"/>
+                                  </a:rPr>
                                   <m:t>=</m:t>
                                 </m:r>
                                 <m:r>
-                                  <a:rPr lang="en-US" sz="2000" i="1"/>
+                                  <a:rPr lang="en-US" sz="2000" i="1">
+                                    <a:latin typeface="Cambria Math" panose="02040503050406030204" pitchFamily="18" charset="0"/>
+                                  </a:rPr>
                                   <m:t>𝐶</m:t>
                                 </m:r>
                                 <m:r>
-                                  <a:rPr lang="en-US" sz="2000" i="1"/>
+                                  <a:rPr lang="en-US" sz="2000" i="1">
+                                    <a:latin typeface="Cambria Math" panose="02040503050406030204" pitchFamily="18" charset="0"/>
+                                  </a:rPr>
                                   <m:t>−</m:t>
                                 </m:r>
                                 <m:sSub>
                                   <m:sSubPr>
                                     <m:ctrlPr>
-                                      <a:rPr lang="en-US" sz="2000" i="1"/>
+                                      <a:rPr lang="en-US" sz="2000" i="1">
+                                        <a:latin typeface="Cambria Math" panose="02040503050406030204" pitchFamily="18" charset="0"/>
+                                      </a:rPr>
                                     </m:ctrlPr>
                                   </m:sSubPr>
                                   <m:e>
                                     <m:r>
-                                      <a:rPr lang="en-US" sz="2000" i="1"/>
+                                      <a:rPr lang="en-US" sz="2000" i="1">
+                                        <a:latin typeface="Cambria Math" panose="02040503050406030204" pitchFamily="18" charset="0"/>
+                                      </a:rPr>
                                       <m:t>𝜇</m:t>
                                     </m:r>
                                   </m:e>
                                   <m:sub>
                                     <m:r>
-                                      <a:rPr lang="en-US" sz="2000" i="1"/>
+                                      <a:rPr lang="en-US" sz="2000" i="1">
+                                        <a:latin typeface="Cambria Math" panose="02040503050406030204" pitchFamily="18" charset="0"/>
+                                      </a:rPr>
                                       <m:t>𝑖</m:t>
                                     </m:r>
                                   </m:sub>
@@ -22770,24 +23095,32 @@
                             <m:mr>
                               <m:e>
                                 <m:r>
-                                  <a:rPr lang="en-US" sz="2000" i="1"/>
+                                  <a:rPr lang="en-US" sz="2000" i="1">
+                                    <a:latin typeface="Cambria Math" panose="02040503050406030204" pitchFamily="18" charset="0"/>
+                                  </a:rPr>
                                   <m:t>1−</m:t>
                                 </m:r>
                                 <m:sSub>
                                   <m:sSubPr>
                                     <m:ctrlPr>
-                                      <a:rPr lang="en-US" sz="2000" i="1"/>
+                                      <a:rPr lang="en-US" sz="2000" i="1">
+                                        <a:latin typeface="Cambria Math" panose="02040503050406030204" pitchFamily="18" charset="0"/>
+                                      </a:rPr>
                                     </m:ctrlPr>
                                   </m:sSubPr>
                                   <m:e>
                                     <m:r>
-                                      <a:rPr lang="en-US" sz="2000" i="1"/>
+                                      <a:rPr lang="en-US" sz="2000" i="1">
+                                        <a:latin typeface="Cambria Math" panose="02040503050406030204" pitchFamily="18" charset="0"/>
+                                      </a:rPr>
                                       <m:t>𝑦</m:t>
                                     </m:r>
                                   </m:e>
                                   <m:sub>
                                     <m:r>
-                                      <a:rPr lang="en-US" sz="2000" i="1"/>
+                                      <a:rPr lang="en-US" sz="2000" i="1">
+                                        <a:latin typeface="Cambria Math" panose="02040503050406030204" pitchFamily="18" charset="0"/>
+                                      </a:rPr>
                                       <m:t>𝑖</m:t>
                                     </m:r>
                                   </m:sub>
@@ -22795,76 +23128,104 @@
                                 <m:d>
                                   <m:dPr>
                                     <m:ctrlPr>
-                                      <a:rPr lang="en-US" sz="2000" i="1"/>
+                                      <a:rPr lang="en-US" sz="2000" i="1">
+                                        <a:latin typeface="Cambria Math" panose="02040503050406030204" pitchFamily="18" charset="0"/>
+                                      </a:rPr>
                                     </m:ctrlPr>
                                   </m:dPr>
                                   <m:e>
                                     <m:r>
-                                      <a:rPr lang="en-US" sz="2000" i="1"/>
+                                      <a:rPr lang="en-US" sz="2000" i="1">
+                                        <a:latin typeface="Cambria Math" panose="02040503050406030204" pitchFamily="18" charset="0"/>
+                                      </a:rPr>
                                       <m:t>𝑊</m:t>
                                     </m:r>
                                     <m:r>
-                                      <a:rPr lang="en-US" sz="2000" i="1"/>
+                                      <a:rPr lang="en-US" sz="2000" i="1">
+                                        <a:latin typeface="Cambria Math" panose="02040503050406030204" pitchFamily="18" charset="0"/>
+                                      </a:rPr>
                                       <m:t>∘</m:t>
                                     </m:r>
                                     <m:sSub>
                                       <m:sSubPr>
                                         <m:ctrlPr>
-                                          <a:rPr lang="en-US" sz="2000" i="1"/>
+                                          <a:rPr lang="en-US" sz="2000" i="1">
+                                            <a:latin typeface="Cambria Math" panose="02040503050406030204" pitchFamily="18" charset="0"/>
+                                          </a:rPr>
                                         </m:ctrlPr>
                                       </m:sSubPr>
                                       <m:e>
                                         <m:r>
-                                          <a:rPr lang="en-US" sz="2000" i="1"/>
+                                          <a:rPr lang="en-US" sz="2000" i="1">
+                                            <a:latin typeface="Cambria Math" panose="02040503050406030204" pitchFamily="18" charset="0"/>
+                                          </a:rPr>
                                           <m:t>𝑋</m:t>
                                         </m:r>
                                       </m:e>
                                       <m:sub>
                                         <m:r>
-                                          <a:rPr lang="en-US" sz="2000" i="1"/>
+                                          <a:rPr lang="en-US" sz="2000" i="1">
+                                            <a:latin typeface="Cambria Math" panose="02040503050406030204" pitchFamily="18" charset="0"/>
+                                          </a:rPr>
                                           <m:t>𝑖</m:t>
                                         </m:r>
                                       </m:sub>
                                     </m:sSub>
                                     <m:r>
-                                      <a:rPr lang="en-US" sz="2000" i="1"/>
+                                      <a:rPr lang="en-US" sz="2000" i="1">
+                                        <a:latin typeface="Cambria Math" panose="02040503050406030204" pitchFamily="18" charset="0"/>
+                                      </a:rPr>
                                       <m:t>−</m:t>
                                     </m:r>
                                     <m:r>
-                                      <a:rPr lang="en-US" sz="2000" i="1"/>
+                                      <a:rPr lang="en-US" sz="2000" i="1">
+                                        <a:latin typeface="Cambria Math" panose="02040503050406030204" pitchFamily="18" charset="0"/>
+                                      </a:rPr>
                                       <m:t>𝑏</m:t>
                                     </m:r>
                                   </m:e>
                                 </m:d>
                                 <m:r>
-                                  <a:rPr lang="en-US" sz="2000" i="1"/>
+                                  <a:rPr lang="en-US" sz="2000" i="1">
+                                    <a:latin typeface="Cambria Math" panose="02040503050406030204" pitchFamily="18" charset="0"/>
+                                  </a:rPr>
                                   <m:t>−</m:t>
                                 </m:r>
                                 <m:sSub>
                                   <m:sSubPr>
                                     <m:ctrlPr>
-                                      <a:rPr lang="en-US" sz="2000" i="1"/>
+                                      <a:rPr lang="en-US" sz="2000" i="1">
+                                        <a:latin typeface="Cambria Math" panose="02040503050406030204" pitchFamily="18" charset="0"/>
+                                      </a:rPr>
                                     </m:ctrlPr>
                                   </m:sSubPr>
                                   <m:e>
                                     <m:r>
-                                      <a:rPr lang="en-US" sz="2000" i="1"/>
+                                      <a:rPr lang="en-US" sz="2000" i="1">
+                                        <a:latin typeface="Cambria Math" panose="02040503050406030204" pitchFamily="18" charset="0"/>
+                                      </a:rPr>
                                       <m:t>𝜉</m:t>
                                     </m:r>
                                   </m:e>
                                   <m:sub>
                                     <m:r>
-                                      <a:rPr lang="en-US" sz="2000" i="1"/>
+                                      <a:rPr lang="en-US" sz="2000" i="1">
+                                        <a:latin typeface="Cambria Math" panose="02040503050406030204" pitchFamily="18" charset="0"/>
+                                      </a:rPr>
                                       <m:t>𝑖</m:t>
                                     </m:r>
                                   </m:sub>
                                 </m:sSub>
                                 <m:r>
-                                  <a:rPr lang="en-US" sz="2000" i="1"/>
+                                  <a:rPr lang="en-US" sz="2000" i="1">
+                                    <a:latin typeface="Cambria Math" panose="02040503050406030204" pitchFamily="18" charset="0"/>
+                                  </a:rPr>
                                   <m:t>≤0,∀</m:t>
                                 </m:r>
                                 <m:r>
-                                  <a:rPr lang="en-US" sz="2000" i="1"/>
+                                  <a:rPr lang="en-US" sz="2000" i="1">
+                                    <a:latin typeface="Cambria Math" panose="02040503050406030204" pitchFamily="18" charset="0"/>
+                                  </a:rPr>
                                   <m:t>𝑖</m:t>
                                 </m:r>
                               </m:e>
@@ -22872,34 +23233,46 @@
                             <m:mr>
                               <m:e>
                                 <m:r>
-                                  <a:rPr lang="en-US" sz="2000" i="1"/>
+                                  <a:rPr lang="en-US" sz="2000" i="1">
+                                    <a:latin typeface="Cambria Math" panose="02040503050406030204" pitchFamily="18" charset="0"/>
+                                  </a:rPr>
                                   <m:t>−</m:t>
                                 </m:r>
                                 <m:sSub>
                                   <m:sSubPr>
                                     <m:ctrlPr>
-                                      <a:rPr lang="en-US" sz="2000" i="1"/>
+                                      <a:rPr lang="en-US" sz="2000" i="1">
+                                        <a:latin typeface="Cambria Math" panose="02040503050406030204" pitchFamily="18" charset="0"/>
+                                      </a:rPr>
                                     </m:ctrlPr>
                                   </m:sSubPr>
                                   <m:e>
                                     <m:r>
-                                      <a:rPr lang="en-US" sz="2000" i="1"/>
+                                      <a:rPr lang="en-US" sz="2000" i="1">
+                                        <a:latin typeface="Cambria Math" panose="02040503050406030204" pitchFamily="18" charset="0"/>
+                                      </a:rPr>
                                       <m:t>𝜉</m:t>
                                     </m:r>
                                   </m:e>
                                   <m:sub>
                                     <m:r>
-                                      <a:rPr lang="en-US" sz="2000" i="1"/>
+                                      <a:rPr lang="en-US" sz="2000" i="1">
+                                        <a:latin typeface="Cambria Math" panose="02040503050406030204" pitchFamily="18" charset="0"/>
+                                      </a:rPr>
                                       <m:t>𝑖</m:t>
                                     </m:r>
                                   </m:sub>
                                 </m:sSub>
                                 <m:r>
-                                  <a:rPr lang="en-US" sz="2000" i="1"/>
+                                  <a:rPr lang="en-US" sz="2000" i="1">
+                                    <a:latin typeface="Cambria Math" panose="02040503050406030204" pitchFamily="18" charset="0"/>
+                                  </a:rPr>
                                   <m:t>≤0,∀</m:t>
                                 </m:r>
                                 <m:r>
-                                  <a:rPr lang="en-US" sz="2000" i="1"/>
+                                  <a:rPr lang="en-US" sz="2000" i="1">
+                                    <a:latin typeface="Cambria Math" panose="02040503050406030204" pitchFamily="18" charset="0"/>
+                                  </a:rPr>
                                   <m:t>𝑖</m:t>
                                 </m:r>
                               </m:e>
@@ -22909,51 +23282,69 @@
                                 <m:sSub>
                                   <m:sSubPr>
                                     <m:ctrlPr>
-                                      <a:rPr lang="en-US" sz="2000" i="1"/>
+                                      <a:rPr lang="en-US" sz="2000" i="1">
+                                        <a:latin typeface="Cambria Math" panose="02040503050406030204" pitchFamily="18" charset="0"/>
+                                      </a:rPr>
                                     </m:ctrlPr>
                                   </m:sSubPr>
                                   <m:e>
                                     <m:r>
-                                      <a:rPr lang="en-US" sz="2000" i="1"/>
+                                      <a:rPr lang="en-US" sz="2000" i="1">
+                                        <a:latin typeface="Cambria Math" panose="02040503050406030204" pitchFamily="18" charset="0"/>
+                                      </a:rPr>
                                       <m:t>𝜆</m:t>
                                     </m:r>
                                   </m:e>
                                   <m:sub>
                                     <m:r>
-                                      <a:rPr lang="en-US" sz="2000" i="1"/>
+                                      <a:rPr lang="en-US" sz="2000" i="1">
+                                        <a:latin typeface="Cambria Math" panose="02040503050406030204" pitchFamily="18" charset="0"/>
+                                      </a:rPr>
                                       <m:t>𝑖</m:t>
                                     </m:r>
                                   </m:sub>
                                 </m:sSub>
                                 <m:r>
-                                  <a:rPr lang="en-US" sz="2000" i="1"/>
+                                  <a:rPr lang="en-US" sz="2000" i="1">
+                                    <a:latin typeface="Cambria Math" panose="02040503050406030204" pitchFamily="18" charset="0"/>
+                                  </a:rPr>
                                   <m:t>≥0,</m:t>
                                 </m:r>
                                 <m:sSub>
                                   <m:sSubPr>
                                     <m:ctrlPr>
-                                      <a:rPr lang="en-US" sz="2000" i="1"/>
+                                      <a:rPr lang="en-US" sz="2000" i="1">
+                                        <a:latin typeface="Cambria Math" panose="02040503050406030204" pitchFamily="18" charset="0"/>
+                                      </a:rPr>
                                     </m:ctrlPr>
                                   </m:sSubPr>
                                   <m:e>
                                     <m:r>
-                                      <a:rPr lang="en-US" sz="2000" i="1"/>
+                                      <a:rPr lang="en-US" sz="2000" i="1">
+                                        <a:latin typeface="Cambria Math" panose="02040503050406030204" pitchFamily="18" charset="0"/>
+                                      </a:rPr>
                                       <m:t>𝜇</m:t>
                                     </m:r>
                                   </m:e>
                                   <m:sub>
                                     <m:r>
-                                      <a:rPr lang="en-US" sz="2000" i="1"/>
+                                      <a:rPr lang="en-US" sz="2000" i="1">
+                                        <a:latin typeface="Cambria Math" panose="02040503050406030204" pitchFamily="18" charset="0"/>
+                                      </a:rPr>
                                       <m:t>𝑖</m:t>
                                     </m:r>
                                   </m:sub>
                                 </m:sSub>
                                 <m:r>
-                                  <a:rPr lang="en-US" sz="2000" i="1"/>
+                                  <a:rPr lang="en-US" sz="2000" i="1">
+                                    <a:latin typeface="Cambria Math" panose="02040503050406030204" pitchFamily="18" charset="0"/>
+                                  </a:rPr>
                                   <m:t>≥0,∀</m:t>
                                 </m:r>
                                 <m:r>
-                                  <a:rPr lang="en-US" sz="2000" i="1"/>
+                                  <a:rPr lang="en-US" sz="2000" i="1">
+                                    <a:latin typeface="Cambria Math" panose="02040503050406030204" pitchFamily="18" charset="0"/>
+                                  </a:rPr>
                                   <m:t>𝑖</m:t>
                                 </m:r>
                               </m:e>
@@ -22963,18 +23354,24 @@
                                 <m:sSub>
                                   <m:sSubPr>
                                     <m:ctrlPr>
-                                      <a:rPr lang="en-US" sz="2000" i="1"/>
+                                      <a:rPr lang="en-US" sz="2000" i="1">
+                                        <a:latin typeface="Cambria Math" panose="02040503050406030204" pitchFamily="18" charset="0"/>
+                                      </a:rPr>
                                     </m:ctrlPr>
                                   </m:sSubPr>
                                   <m:e>
                                     <m:r>
-                                      <a:rPr lang="en-US" sz="2000" i="1"/>
+                                      <a:rPr lang="en-US" sz="2000" i="1">
+                                        <a:latin typeface="Cambria Math" panose="02040503050406030204" pitchFamily="18" charset="0"/>
+                                      </a:rPr>
                                       <m:t>𝜆</m:t>
                                     </m:r>
                                   </m:e>
                                   <m:sub>
                                     <m:r>
-                                      <a:rPr lang="en-US" sz="2000" i="1"/>
+                                      <a:rPr lang="en-US" sz="2000" i="1">
+                                        <a:latin typeface="Cambria Math" panose="02040503050406030204" pitchFamily="18" charset="0"/>
+                                      </a:rPr>
                                       <m:t>𝑖</m:t>
                                     </m:r>
                                   </m:sub>
@@ -22982,29 +23379,39 @@
                                 <m:d>
                                   <m:dPr>
                                     <m:ctrlPr>
-                                      <a:rPr lang="en-US" sz="2000" i="1"/>
+                                      <a:rPr lang="en-US" sz="2000" i="1">
+                                        <a:latin typeface="Cambria Math" panose="02040503050406030204" pitchFamily="18" charset="0"/>
+                                      </a:rPr>
                                     </m:ctrlPr>
                                   </m:dPr>
                                   <m:e>
                                     <m:r>
-                                      <a:rPr lang="en-US" sz="2000" i="1"/>
+                                      <a:rPr lang="en-US" sz="2000" i="1">
+                                        <a:latin typeface="Cambria Math" panose="02040503050406030204" pitchFamily="18" charset="0"/>
+                                      </a:rPr>
                                       <m:t>1−</m:t>
                                     </m:r>
                                     <m:sSub>
                                       <m:sSubPr>
                                         <m:ctrlPr>
-                                          <a:rPr lang="en-US" sz="2000" i="1"/>
+                                          <a:rPr lang="en-US" sz="2000" i="1">
+                                            <a:latin typeface="Cambria Math" panose="02040503050406030204" pitchFamily="18" charset="0"/>
+                                          </a:rPr>
                                         </m:ctrlPr>
                                       </m:sSubPr>
                                       <m:e>
                                         <m:r>
-                                          <a:rPr lang="en-US" sz="2000" i="1"/>
+                                          <a:rPr lang="en-US" sz="2000" i="1">
+                                            <a:latin typeface="Cambria Math" panose="02040503050406030204" pitchFamily="18" charset="0"/>
+                                          </a:rPr>
                                           <m:t>𝑦</m:t>
                                         </m:r>
                                       </m:e>
                                       <m:sub>
                                         <m:r>
-                                          <a:rPr lang="en-US" sz="2000" i="1"/>
+                                          <a:rPr lang="en-US" sz="2000" i="1">
+                                            <a:latin typeface="Cambria Math" panose="02040503050406030204" pitchFamily="18" charset="0"/>
+                                          </a:rPr>
                                           <m:t>𝑖</m:t>
                                         </m:r>
                                       </m:sub>
@@ -23012,66 +23419,90 @@
                                     <m:d>
                                       <m:dPr>
                                         <m:ctrlPr>
-                                          <a:rPr lang="en-US" sz="2000" i="1"/>
+                                          <a:rPr lang="en-US" sz="2000" i="1">
+                                            <a:latin typeface="Cambria Math" panose="02040503050406030204" pitchFamily="18" charset="0"/>
+                                          </a:rPr>
                                         </m:ctrlPr>
                                       </m:dPr>
                                       <m:e>
                                         <m:r>
-                                          <a:rPr lang="en-US" sz="2000" i="1"/>
+                                          <a:rPr lang="en-US" sz="2000" i="1">
+                                            <a:latin typeface="Cambria Math" panose="02040503050406030204" pitchFamily="18" charset="0"/>
+                                          </a:rPr>
                                           <m:t>𝑊</m:t>
                                         </m:r>
                                         <m:r>
-                                          <a:rPr lang="en-US" sz="2000" i="1"/>
+                                          <a:rPr lang="en-US" sz="2000" i="1">
+                                            <a:latin typeface="Cambria Math" panose="02040503050406030204" pitchFamily="18" charset="0"/>
+                                          </a:rPr>
                                           <m:t>∘</m:t>
                                         </m:r>
                                         <m:sSub>
                                           <m:sSubPr>
                                             <m:ctrlPr>
-                                              <a:rPr lang="en-US" sz="2000" i="1"/>
+                                              <a:rPr lang="en-US" sz="2000" i="1">
+                                                <a:latin typeface="Cambria Math" panose="02040503050406030204" pitchFamily="18" charset="0"/>
+                                              </a:rPr>
                                             </m:ctrlPr>
                                           </m:sSubPr>
                                           <m:e>
                                             <m:r>
-                                              <a:rPr lang="en-US" sz="2000" i="1"/>
+                                              <a:rPr lang="en-US" sz="2000" i="1">
+                                                <a:latin typeface="Cambria Math" panose="02040503050406030204" pitchFamily="18" charset="0"/>
+                                              </a:rPr>
                                               <m:t>𝑋</m:t>
                                             </m:r>
                                           </m:e>
                                           <m:sub>
                                             <m:r>
-                                              <a:rPr lang="en-US" sz="2000" i="1"/>
+                                              <a:rPr lang="en-US" sz="2000" i="1">
+                                                <a:latin typeface="Cambria Math" panose="02040503050406030204" pitchFamily="18" charset="0"/>
+                                              </a:rPr>
                                               <m:t>𝑖</m:t>
                                             </m:r>
                                           </m:sub>
                                         </m:sSub>
                                         <m:r>
-                                          <a:rPr lang="en-US" sz="2000" i="1"/>
+                                          <a:rPr lang="en-US" sz="2000" i="1">
+                                            <a:latin typeface="Cambria Math" panose="02040503050406030204" pitchFamily="18" charset="0"/>
+                                          </a:rPr>
                                           <m:t>−</m:t>
                                         </m:r>
                                         <m:r>
-                                          <a:rPr lang="en-US" sz="2000" i="1"/>
+                                          <a:rPr lang="en-US" sz="2000" i="1">
+                                            <a:latin typeface="Cambria Math" panose="02040503050406030204" pitchFamily="18" charset="0"/>
+                                          </a:rPr>
                                           <m:t>𝑏</m:t>
                                         </m:r>
                                       </m:e>
                                     </m:d>
                                     <m:r>
-                                      <a:rPr lang="en-US" sz="2000" i="1"/>
+                                      <a:rPr lang="en-US" sz="2000" i="1">
+                                        <a:latin typeface="Cambria Math" panose="02040503050406030204" pitchFamily="18" charset="0"/>
+                                      </a:rPr>
                                       <m:t>−</m:t>
                                     </m:r>
                                     <m:sSub>
                                       <m:sSubPr>
                                         <m:ctrlPr>
-                                          <a:rPr lang="en-US" sz="2000" i="1"/>
+                                          <a:rPr lang="en-US" sz="2000" i="1">
+                                            <a:latin typeface="Cambria Math" panose="02040503050406030204" pitchFamily="18" charset="0"/>
+                                          </a:rPr>
                                         </m:ctrlPr>
                                       </m:sSubPr>
                                       <m:e>
                                         <m:r>
-                                          <a:rPr lang="en-US" sz="2000" i="1"/>
+                                          <a:rPr lang="en-US" sz="2000" i="1">
+                                            <a:latin typeface="Cambria Math" panose="02040503050406030204" pitchFamily="18" charset="0"/>
+                                          </a:rPr>
                                           <m:t>𝜉</m:t>
                                         </m:r>
                                       </m:e>
                                       <m:sub>
                                         <m:r>
-                                          <a:rPr lang="en-US" sz="2000" i="1"/>
+                                          <a:rPr lang="en-US" sz="2000" i="1">
+                                            <a:latin typeface="Cambria Math" panose="02040503050406030204" pitchFamily="18" charset="0"/>
+                                          </a:rPr>
                                           <m:t>𝑖</m:t>
                                         </m:r>
                                       </m:sub>
@@ -23079,11 +23510,15 @@
                                   </m:e>
                                 </m:d>
                                 <m:r>
-                                  <a:rPr lang="en-US" sz="2000" i="1"/>
+                                  <a:rPr lang="en-US" sz="2000" i="1">
+                                    <a:latin typeface="Cambria Math" panose="02040503050406030204" pitchFamily="18" charset="0"/>
+                                  </a:rPr>
                                   <m:t>=0,∀</m:t>
                                 </m:r>
                                 <m:r>
-                                  <a:rPr lang="en-US" sz="2000" i="1"/>
+                                  <a:rPr lang="en-US" sz="2000" i="1">
+                                    <a:latin typeface="Cambria Math" panose="02040503050406030204" pitchFamily="18" charset="0"/>
+                                  </a:rPr>
                                   <m:t>𝑖</m:t>
                                 </m:r>
                               </m:e>
@@ -23091,53 +23526,71 @@
                             <m:mr>
                               <m:e>
                                 <m:r>
-                                  <a:rPr lang="en-US" sz="2000" i="1"/>
+                                  <a:rPr lang="en-US" sz="2000" i="1">
+                                    <a:latin typeface="Cambria Math" panose="02040503050406030204" pitchFamily="18" charset="0"/>
+                                  </a:rPr>
                                   <m:t>−</m:t>
                                 </m:r>
                                 <m:sSub>
                                   <m:sSubPr>
                                     <m:ctrlPr>
-                                      <a:rPr lang="en-US" sz="2000" i="1"/>
+                                      <a:rPr lang="en-US" sz="2000" i="1">
+                                        <a:latin typeface="Cambria Math" panose="02040503050406030204" pitchFamily="18" charset="0"/>
+                                      </a:rPr>
                                     </m:ctrlPr>
                                   </m:sSubPr>
                                   <m:e>
                                     <m:sSub>
                                       <m:sSubPr>
                                         <m:ctrlPr>
-                                          <a:rPr lang="en-US" sz="2000" i="1"/>
+                                          <a:rPr lang="en-US" sz="2000" i="1">
+                                            <a:latin typeface="Cambria Math" panose="02040503050406030204" pitchFamily="18" charset="0"/>
+                                          </a:rPr>
                                         </m:ctrlPr>
                                       </m:sSubPr>
                                       <m:e>
                                         <m:r>
-                                          <a:rPr lang="en-US" sz="2000" i="1"/>
+                                          <a:rPr lang="en-US" sz="2000" i="1">
+                                            <a:latin typeface="Cambria Math" panose="02040503050406030204" pitchFamily="18" charset="0"/>
+                                          </a:rPr>
                                           <m:t>𝜇</m:t>
                                         </m:r>
                                       </m:e>
                                       <m:sub>
                                         <m:r>
-                                          <a:rPr lang="en-US" sz="2000" i="1"/>
+                                          <a:rPr lang="en-US" sz="2000" i="1">
+                                            <a:latin typeface="Cambria Math" panose="02040503050406030204" pitchFamily="18" charset="0"/>
+                                          </a:rPr>
                                           <m:t>𝑖</m:t>
                                         </m:r>
                                       </m:sub>
                                     </m:sSub>
                                     <m:r>
-                                      <a:rPr lang="en-US" sz="2000" i="1"/>
+                                      <a:rPr lang="en-US" sz="2000" i="1">
+                                        <a:latin typeface="Cambria Math" panose="02040503050406030204" pitchFamily="18" charset="0"/>
+                                      </a:rPr>
                                       <m:t>𝜉</m:t>
                                     </m:r>
                                   </m:e>
                                   <m:sub>
                                     <m:r>
-                                      <a:rPr lang="en-US" sz="2000" i="1"/>
+                                      <a:rPr lang="en-US" sz="2000" i="1">
+                                        <a:latin typeface="Cambria Math" panose="02040503050406030204" pitchFamily="18" charset="0"/>
+                                      </a:rPr>
                                       <m:t>𝑖</m:t>
                                     </m:r>
                                   </m:sub>
                                 </m:sSub>
                                 <m:r>
-                                  <a:rPr lang="en-US" sz="2000" i="1"/>
+                                  <a:rPr lang="en-US" sz="2000" i="1">
+                                    <a:latin typeface="Cambria Math" panose="02040503050406030204" pitchFamily="18" charset="0"/>
+                                  </a:rPr>
                                   <m:t>=0,∀</m:t>
                                 </m:r>
                                 <m:r>
-                                  <a:rPr lang="en-US" sz="2000" i="1"/>
+                                  <a:rPr lang="en-US" sz="2000" i="1">
+                                    <a:latin typeface="Cambria Math" panose="02040503050406030204" pitchFamily="18" charset="0"/>
+                                  </a:rPr>
                                   <m:t>𝑖</m:t>
                                 </m:r>
                               </m:e>
@@ -23162,7 +23615,7 @@
             </p:txBody>
           </p:sp>
         </mc:Choice>
-        <mc:Fallback>
+        <mc:Fallback xmlns="">
           <p:sp>
             <p:nvSpPr>
               <p:cNvPr id="3" name="Content Placeholder 2">
@@ -24082,6 +24535,4011 @@
           <p:cNvPr id="2" name="Title 1">
             <a:extLst>
               <a:ext uri="{FF2B5EF4-FFF2-40B4-BE49-F238E27FC236}">
+                <a16:creationId xmlns:a16="http://schemas.microsoft.com/office/drawing/2014/main" id="{3FF7C5A0-CCDA-8C04-0232-049E5D4A476B}"/>
+              </a:ext>
+            </a:extLst>
+          </p:cNvPr>
+          <p:cNvSpPr>
+            <a:spLocks noGrp="1"/>
+          </p:cNvSpPr>
+          <p:nvPr>
+            <p:ph type="title"/>
+          </p:nvPr>
+        </p:nvSpPr>
+        <p:spPr/>
+        <p:txBody>
+          <a:bodyPr/>
+          <a:lstStyle/>
+          <a:p>
+            <a:r>
+              <a:rPr lang="en-US" dirty="0"/>
+              <a:t>2. Sequential minimal optimization</a:t>
+            </a:r>
+          </a:p>
+        </p:txBody>
+      </p:sp>
+      <mc:AlternateContent xmlns:mc="http://schemas.openxmlformats.org/markup-compatibility/2006">
+        <mc:Choice xmlns:a14="http://schemas.microsoft.com/office/drawing/2010/main" Requires="a14">
+          <p:sp>
+            <p:nvSpPr>
+              <p:cNvPr id="3" name="Content Placeholder 2">
+                <a:extLst>
+                  <a:ext uri="{FF2B5EF4-FFF2-40B4-BE49-F238E27FC236}">
+                    <a16:creationId xmlns:a16="http://schemas.microsoft.com/office/drawing/2014/main" id="{6F4E41F3-50E6-4EE8-36E3-585601AABDBF}"/>
+                  </a:ext>
+                </a:extLst>
+              </p:cNvPr>
+              <p:cNvSpPr>
+                <a:spLocks noGrp="1"/>
+              </p:cNvSpPr>
+              <p:nvPr>
+                <p:ph idx="1"/>
+              </p:nvPr>
+            </p:nvSpPr>
+            <p:spPr>
+              <a:xfrm>
+                <a:off x="295422" y="914399"/>
+                <a:ext cx="11591778" cy="5176066"/>
+              </a:xfrm>
+            </p:spPr>
+            <p:txBody>
+              <a:bodyPr>
+                <a:noAutofit/>
+              </a:bodyPr>
+              <a:lstStyle/>
+              <a:p>
+                <a:pPr marL="0" indent="0">
+                  <a:buNone/>
+                </a:pPr>
+                <a:r>
+                  <a:rPr lang="en-US" sz="2000" dirty="0">
+                    <a:effectLst/>
+                    <a:latin typeface="Times New Roman" panose="02020603050405020304" pitchFamily="18" charset="0"/>
+                    <a:ea typeface="SimSun" panose="02010600030101010101" pitchFamily="2" charset="-122"/>
+                  </a:rPr>
+                  <a:t>KKT condition for SVM is analyzed into three following cases (</a:t>
+                </a:r>
+                <a:r>
+                  <a:rPr lang="en-US" sz="2000" dirty="0" err="1">
+                    <a:effectLst/>
+                    <a:latin typeface="Times New Roman" panose="02020603050405020304" pitchFamily="18" charset="0"/>
+                    <a:ea typeface="SimSun" panose="02010600030101010101" pitchFamily="2" charset="-122"/>
+                  </a:rPr>
+                  <a:t>Honavar</a:t>
+                </a:r>
+                <a:r>
+                  <a:rPr lang="en-US" sz="2000" dirty="0">
+                    <a:effectLst/>
+                    <a:latin typeface="Times New Roman" panose="02020603050405020304" pitchFamily="18" charset="0"/>
+                    <a:ea typeface="SimSun" panose="02010600030101010101" pitchFamily="2" charset="-122"/>
+                  </a:rPr>
+                  <a:t>, p. 7):</a:t>
+                </a:r>
+              </a:p>
+              <a:p>
+                <a:pPr marL="342900" indent="-342900">
+                  <a:buFont typeface="+mj-lt"/>
+                  <a:buAutoNum type="arabicPeriod"/>
+                </a:pPr>
+                <a:r>
+                  <a:rPr lang="en-US" sz="2000" dirty="0">
+                    <a:effectLst/>
+                    <a:latin typeface="Times New Roman" panose="02020603050405020304" pitchFamily="18" charset="0"/>
+                    <a:ea typeface="SimSun" panose="02010600030101010101" pitchFamily="2" charset="-122"/>
+                    <a:cs typeface="Times New Roman" panose="02020603050405020304" pitchFamily="18" charset="0"/>
+                  </a:rPr>
+                  <a:t>If </a:t>
+                </a:r>
+                <a:r>
+                  <a:rPr lang="en-US" sz="2000" i="1" dirty="0" err="1">
+                    <a:effectLst/>
+                    <a:latin typeface="Times New Roman" panose="02020603050405020304" pitchFamily="18" charset="0"/>
+                    <a:ea typeface="SimSun" panose="02010600030101010101" pitchFamily="2" charset="-122"/>
+                    <a:cs typeface="Times New Roman" panose="02020603050405020304" pitchFamily="18" charset="0"/>
+                  </a:rPr>
+                  <a:t>λ</a:t>
+                </a:r>
+                <a:r>
+                  <a:rPr lang="en-US" sz="2000" i="1" baseline="-25000" dirty="0" err="1">
+                    <a:effectLst/>
+                    <a:latin typeface="Times New Roman" panose="02020603050405020304" pitchFamily="18" charset="0"/>
+                    <a:ea typeface="SimSun" panose="02010600030101010101" pitchFamily="2" charset="-122"/>
+                    <a:cs typeface="Times New Roman" panose="02020603050405020304" pitchFamily="18" charset="0"/>
+                  </a:rPr>
+                  <a:t>i</a:t>
+                </a:r>
+                <a:r>
+                  <a:rPr lang="en-US" sz="2000" i="1" dirty="0">
+                    <a:effectLst/>
+                    <a:latin typeface="Times New Roman" panose="02020603050405020304" pitchFamily="18" charset="0"/>
+                    <a:ea typeface="SimSun" panose="02010600030101010101" pitchFamily="2" charset="-122"/>
+                    <a:cs typeface="Times New Roman" panose="02020603050405020304" pitchFamily="18" charset="0"/>
+                  </a:rPr>
+                  <a:t>=</a:t>
+                </a:r>
+                <a:r>
+                  <a:rPr lang="en-US" sz="2000" dirty="0">
+                    <a:effectLst/>
+                    <a:latin typeface="Times New Roman" panose="02020603050405020304" pitchFamily="18" charset="0"/>
+                    <a:ea typeface="SimSun" panose="02010600030101010101" pitchFamily="2" charset="-122"/>
+                    <a:cs typeface="Times New Roman" panose="02020603050405020304" pitchFamily="18" charset="0"/>
+                  </a:rPr>
+                  <a:t>0 then, </a:t>
+                </a:r>
+                <a:r>
+                  <a:rPr lang="en-US" sz="2000" i="1" dirty="0" err="1">
+                    <a:effectLst/>
+                    <a:latin typeface="Times New Roman" panose="02020603050405020304" pitchFamily="18" charset="0"/>
+                    <a:ea typeface="SimSun" panose="02010600030101010101" pitchFamily="2" charset="-122"/>
+                    <a:cs typeface="Times New Roman" panose="02020603050405020304" pitchFamily="18" charset="0"/>
+                  </a:rPr>
+                  <a:t>μ</a:t>
+                </a:r>
+                <a:r>
+                  <a:rPr lang="en-US" sz="2000" i="1" baseline="-25000" dirty="0" err="1">
+                    <a:effectLst/>
+                    <a:latin typeface="Times New Roman" panose="02020603050405020304" pitchFamily="18" charset="0"/>
+                    <a:ea typeface="SimSun" panose="02010600030101010101" pitchFamily="2" charset="-122"/>
+                    <a:cs typeface="Times New Roman" panose="02020603050405020304" pitchFamily="18" charset="0"/>
+                  </a:rPr>
+                  <a:t>i</a:t>
+                </a:r>
+                <a:r>
+                  <a:rPr lang="en-US" sz="2000" dirty="0">
+                    <a:effectLst/>
+                    <a:latin typeface="Times New Roman" panose="02020603050405020304" pitchFamily="18" charset="0"/>
+                    <a:ea typeface="SimSun" panose="02010600030101010101" pitchFamily="2" charset="-122"/>
+                    <a:cs typeface="Times New Roman" panose="02020603050405020304" pitchFamily="18" charset="0"/>
+                  </a:rPr>
+                  <a:t> = </a:t>
+                </a:r>
+                <a:r>
+                  <a:rPr lang="en-US" sz="2000" i="1" dirty="0">
+                    <a:effectLst/>
+                    <a:latin typeface="Times New Roman" panose="02020603050405020304" pitchFamily="18" charset="0"/>
+                    <a:ea typeface="SimSun" panose="02010600030101010101" pitchFamily="2" charset="-122"/>
+                    <a:cs typeface="Times New Roman" panose="02020603050405020304" pitchFamily="18" charset="0"/>
+                  </a:rPr>
+                  <a:t>C</a:t>
+                </a:r>
+                <a:r>
+                  <a:rPr lang="en-US" sz="2000" dirty="0">
+                    <a:effectLst/>
+                    <a:latin typeface="Times New Roman" panose="02020603050405020304" pitchFamily="18" charset="0"/>
+                    <a:ea typeface="SimSun" panose="02010600030101010101" pitchFamily="2" charset="-122"/>
+                    <a:cs typeface="Times New Roman" panose="02020603050405020304" pitchFamily="18" charset="0"/>
+                  </a:rPr>
+                  <a:t> – </a:t>
+                </a:r>
+                <a:r>
+                  <a:rPr lang="en-US" sz="2000" i="1" dirty="0" err="1">
+                    <a:effectLst/>
+                    <a:latin typeface="Times New Roman" panose="02020603050405020304" pitchFamily="18" charset="0"/>
+                    <a:ea typeface="SimSun" panose="02010600030101010101" pitchFamily="2" charset="-122"/>
+                    <a:cs typeface="Times New Roman" panose="02020603050405020304" pitchFamily="18" charset="0"/>
+                  </a:rPr>
+                  <a:t>λ</a:t>
+                </a:r>
+                <a:r>
+                  <a:rPr lang="en-US" sz="2000" i="1" baseline="-25000" dirty="0" err="1">
+                    <a:effectLst/>
+                    <a:latin typeface="Times New Roman" panose="02020603050405020304" pitchFamily="18" charset="0"/>
+                    <a:ea typeface="SimSun" panose="02010600030101010101" pitchFamily="2" charset="-122"/>
+                    <a:cs typeface="Times New Roman" panose="02020603050405020304" pitchFamily="18" charset="0"/>
+                  </a:rPr>
+                  <a:t>i</a:t>
+                </a:r>
+                <a:r>
+                  <a:rPr lang="en-US" sz="2000" dirty="0">
+                    <a:effectLst/>
+                    <a:latin typeface="Times New Roman" panose="02020603050405020304" pitchFamily="18" charset="0"/>
+                    <a:ea typeface="SimSun" panose="02010600030101010101" pitchFamily="2" charset="-122"/>
+                    <a:cs typeface="Times New Roman" panose="02020603050405020304" pitchFamily="18" charset="0"/>
+                  </a:rPr>
+                  <a:t> = </a:t>
+                </a:r>
+                <a:r>
+                  <a:rPr lang="en-US" sz="2000" i="1" dirty="0">
+                    <a:effectLst/>
+                    <a:latin typeface="Times New Roman" panose="02020603050405020304" pitchFamily="18" charset="0"/>
+                    <a:ea typeface="SimSun" panose="02010600030101010101" pitchFamily="2" charset="-122"/>
+                    <a:cs typeface="Times New Roman" panose="02020603050405020304" pitchFamily="18" charset="0"/>
+                  </a:rPr>
+                  <a:t>C</a:t>
+                </a:r>
+                <a:r>
+                  <a:rPr lang="en-US" sz="2000" dirty="0">
+                    <a:effectLst/>
+                    <a:latin typeface="Times New Roman" panose="02020603050405020304" pitchFamily="18" charset="0"/>
+                    <a:ea typeface="SimSun" panose="02010600030101010101" pitchFamily="2" charset="-122"/>
+                    <a:cs typeface="Times New Roman" panose="02020603050405020304" pitchFamily="18" charset="0"/>
+                  </a:rPr>
+                  <a:t>. It implies </a:t>
+                </a:r>
+                <a:r>
+                  <a:rPr lang="en-US" sz="2000" i="1" dirty="0" err="1">
+                    <a:effectLst/>
+                    <a:latin typeface="Times New Roman" panose="02020603050405020304" pitchFamily="18" charset="0"/>
+                    <a:ea typeface="SimSun" panose="02010600030101010101" pitchFamily="2" charset="-122"/>
+                    <a:cs typeface="Times New Roman" panose="02020603050405020304" pitchFamily="18" charset="0"/>
+                  </a:rPr>
+                  <a:t>ξ</a:t>
+                </a:r>
+                <a:r>
+                  <a:rPr lang="en-US" sz="2000" i="1" baseline="-25000" dirty="0" err="1">
+                    <a:effectLst/>
+                    <a:latin typeface="Times New Roman" panose="02020603050405020304" pitchFamily="18" charset="0"/>
+                    <a:ea typeface="SimSun" panose="02010600030101010101" pitchFamily="2" charset="-122"/>
+                    <a:cs typeface="Times New Roman" panose="02020603050405020304" pitchFamily="18" charset="0"/>
+                  </a:rPr>
+                  <a:t>i</a:t>
+                </a:r>
+                <a:r>
+                  <a:rPr lang="en-US" sz="2000" i="1" dirty="0">
+                    <a:effectLst/>
+                    <a:latin typeface="Times New Roman" panose="02020603050405020304" pitchFamily="18" charset="0"/>
+                    <a:ea typeface="SimSun" panose="02010600030101010101" pitchFamily="2" charset="-122"/>
+                    <a:cs typeface="Times New Roman" panose="02020603050405020304" pitchFamily="18" charset="0"/>
+                  </a:rPr>
+                  <a:t>=</a:t>
+                </a:r>
+                <a:r>
+                  <a:rPr lang="en-US" sz="2000" dirty="0">
+                    <a:effectLst/>
+                    <a:latin typeface="Times New Roman" panose="02020603050405020304" pitchFamily="18" charset="0"/>
+                    <a:ea typeface="SimSun" panose="02010600030101010101" pitchFamily="2" charset="-122"/>
+                    <a:cs typeface="Times New Roman" panose="02020603050405020304" pitchFamily="18" charset="0"/>
+                  </a:rPr>
+                  <a:t>0 from equation </a:t>
+                </a:r>
+                <a14:m>
+                  <m:oMath xmlns:m="http://schemas.openxmlformats.org/officeDocument/2006/math">
+                    <m:sSub>
+                      <m:sSubPr>
+                        <m:ctrlPr>
+                          <a:rPr lang="en-US" sz="2000" i="1">
+                            <a:effectLst/>
+                            <a:latin typeface="Cambria Math" panose="02040503050406030204" pitchFamily="18" charset="0"/>
+                            <a:ea typeface="SimSun" panose="02010600030101010101" pitchFamily="2" charset="-122"/>
+                            <a:cs typeface="Times New Roman" panose="02020603050405020304" pitchFamily="18" charset="0"/>
+                          </a:rPr>
+                        </m:ctrlPr>
+                      </m:sSubPr>
+                      <m:e>
+                        <m:sSub>
+                          <m:sSubPr>
+                            <m:ctrlPr>
+                              <a:rPr lang="en-US" sz="2000" i="1">
+                                <a:effectLst/>
+                                <a:latin typeface="Cambria Math" panose="02040503050406030204" pitchFamily="18" charset="0"/>
+                                <a:ea typeface="PMingLiU" panose="02020500000000000000" pitchFamily="18" charset="-120"/>
+                                <a:cs typeface="Times New Roman" panose="02020603050405020304" pitchFamily="18" charset="0"/>
+                              </a:rPr>
+                            </m:ctrlPr>
+                          </m:sSubPr>
+                          <m:e>
+                            <m:r>
+                              <a:rPr lang="en-US" sz="2000" i="1">
+                                <a:effectLst/>
+                                <a:latin typeface="Cambria Math" panose="02040503050406030204" pitchFamily="18" charset="0"/>
+                                <a:ea typeface="SimSun" panose="02010600030101010101" pitchFamily="2" charset="-122"/>
+                                <a:cs typeface="Times New Roman" panose="02020603050405020304" pitchFamily="18" charset="0"/>
+                              </a:rPr>
+                              <m:t>𝜇</m:t>
+                            </m:r>
+                          </m:e>
+                          <m:sub>
+                            <m:r>
+                              <a:rPr lang="en-US" sz="2000" i="1">
+                                <a:effectLst/>
+                                <a:latin typeface="Cambria Math" panose="02040503050406030204" pitchFamily="18" charset="0"/>
+                                <a:ea typeface="SimSun" panose="02010600030101010101" pitchFamily="2" charset="-122"/>
+                                <a:cs typeface="Times New Roman" panose="02020603050405020304" pitchFamily="18" charset="0"/>
+                              </a:rPr>
+                              <m:t>𝑖</m:t>
+                            </m:r>
+                          </m:sub>
+                        </m:sSub>
+                        <m:r>
+                          <a:rPr lang="en-US" sz="2000" i="1">
+                            <a:effectLst/>
+                            <a:latin typeface="Cambria Math" panose="02040503050406030204" pitchFamily="18" charset="0"/>
+                            <a:ea typeface="SimSun" panose="02010600030101010101" pitchFamily="2" charset="-122"/>
+                            <a:cs typeface="Times New Roman" panose="02020603050405020304" pitchFamily="18" charset="0"/>
+                          </a:rPr>
+                          <m:t>𝜉</m:t>
+                        </m:r>
+                      </m:e>
+                      <m:sub>
+                        <m:r>
+                          <a:rPr lang="en-US" sz="2000" i="1">
+                            <a:effectLst/>
+                            <a:latin typeface="Cambria Math" panose="02040503050406030204" pitchFamily="18" charset="0"/>
+                            <a:ea typeface="SimSun" panose="02010600030101010101" pitchFamily="2" charset="-122"/>
+                            <a:cs typeface="Times New Roman" panose="02020603050405020304" pitchFamily="18" charset="0"/>
+                          </a:rPr>
+                          <m:t>𝑖</m:t>
+                        </m:r>
+                      </m:sub>
+                    </m:sSub>
+                    <m:r>
+                      <a:rPr lang="en-US" sz="2000" i="1">
+                        <a:effectLst/>
+                        <a:latin typeface="Cambria Math" panose="02040503050406030204" pitchFamily="18" charset="0"/>
+                        <a:ea typeface="SimSun" panose="02010600030101010101" pitchFamily="2" charset="-122"/>
+                        <a:cs typeface="Times New Roman" panose="02020603050405020304" pitchFamily="18" charset="0"/>
+                      </a:rPr>
+                      <m:t>=0</m:t>
+                    </m:r>
+                  </m:oMath>
+                </a14:m>
+                <a:r>
+                  <a:rPr lang="en-US" sz="2000" dirty="0">
+                    <a:effectLst/>
+                    <a:latin typeface="Times New Roman" panose="02020603050405020304" pitchFamily="18" charset="0"/>
+                    <a:ea typeface="SimSun" panose="02010600030101010101" pitchFamily="2" charset="-122"/>
+                    <a:cs typeface="Times New Roman" panose="02020603050405020304" pitchFamily="18" charset="0"/>
+                  </a:rPr>
+                  <a:t>. Then, from inequation </a:t>
+                </a:r>
+                <a14:m>
+                  <m:oMath xmlns:m="http://schemas.openxmlformats.org/officeDocument/2006/math">
+                    <m:r>
+                      <a:rPr lang="en-US" sz="2000" i="1">
+                        <a:effectLst/>
+                        <a:latin typeface="Cambria Math" panose="02040503050406030204" pitchFamily="18" charset="0"/>
+                        <a:ea typeface="SimSun" panose="02010600030101010101" pitchFamily="2" charset="-122"/>
+                        <a:cs typeface="Times New Roman" panose="02020603050405020304" pitchFamily="18" charset="0"/>
+                      </a:rPr>
+                      <m:t>1−</m:t>
+                    </m:r>
+                    <m:sSub>
+                      <m:sSubPr>
+                        <m:ctrlPr>
+                          <a:rPr lang="en-US" sz="2000" i="1">
+                            <a:effectLst/>
+                            <a:latin typeface="Cambria Math" panose="02040503050406030204" pitchFamily="18" charset="0"/>
+                            <a:ea typeface="SimSun" panose="02010600030101010101" pitchFamily="2" charset="-122"/>
+                            <a:cs typeface="Times New Roman" panose="02020603050405020304" pitchFamily="18" charset="0"/>
+                          </a:rPr>
+                        </m:ctrlPr>
+                      </m:sSubPr>
+                      <m:e>
+                        <m:r>
+                          <a:rPr lang="en-US" sz="2000" i="1">
+                            <a:effectLst/>
+                            <a:latin typeface="Cambria Math" panose="02040503050406030204" pitchFamily="18" charset="0"/>
+                            <a:ea typeface="SimSun" panose="02010600030101010101" pitchFamily="2" charset="-122"/>
+                            <a:cs typeface="Times New Roman" panose="02020603050405020304" pitchFamily="18" charset="0"/>
+                          </a:rPr>
+                          <m:t>𝑦</m:t>
+                        </m:r>
+                      </m:e>
+                      <m:sub>
+                        <m:r>
+                          <a:rPr lang="en-US" sz="2000" i="1">
+                            <a:effectLst/>
+                            <a:latin typeface="Cambria Math" panose="02040503050406030204" pitchFamily="18" charset="0"/>
+                            <a:ea typeface="SimSun" panose="02010600030101010101" pitchFamily="2" charset="-122"/>
+                            <a:cs typeface="Times New Roman" panose="02020603050405020304" pitchFamily="18" charset="0"/>
+                          </a:rPr>
+                          <m:t>𝑖</m:t>
+                        </m:r>
+                      </m:sub>
+                    </m:sSub>
+                    <m:d>
+                      <m:dPr>
+                        <m:ctrlPr>
+                          <a:rPr lang="en-US" sz="2000" i="1">
+                            <a:effectLst/>
+                            <a:latin typeface="Cambria Math" panose="02040503050406030204" pitchFamily="18" charset="0"/>
+                            <a:ea typeface="SimSun" panose="02010600030101010101" pitchFamily="2" charset="-122"/>
+                            <a:cs typeface="Times New Roman" panose="02020603050405020304" pitchFamily="18" charset="0"/>
+                          </a:rPr>
+                        </m:ctrlPr>
+                      </m:dPr>
+                      <m:e>
+                        <m:r>
+                          <a:rPr lang="en-US" sz="2000" i="1">
+                            <a:effectLst/>
+                            <a:latin typeface="Cambria Math" panose="02040503050406030204" pitchFamily="18" charset="0"/>
+                            <a:ea typeface="SimSun" panose="02010600030101010101" pitchFamily="2" charset="-122"/>
+                            <a:cs typeface="Times New Roman" panose="02020603050405020304" pitchFamily="18" charset="0"/>
+                          </a:rPr>
+                          <m:t>𝑊</m:t>
+                        </m:r>
+                        <m:r>
+                          <a:rPr lang="en-US" sz="2000" i="1">
+                            <a:effectLst/>
+                            <a:latin typeface="Cambria Math" panose="02040503050406030204" pitchFamily="18" charset="0"/>
+                            <a:ea typeface="SimSun" panose="02010600030101010101" pitchFamily="2" charset="-122"/>
+                            <a:cs typeface="Times New Roman" panose="02020603050405020304" pitchFamily="18" charset="0"/>
+                          </a:rPr>
+                          <m:t>∘</m:t>
+                        </m:r>
+                        <m:sSub>
+                          <m:sSubPr>
+                            <m:ctrlPr>
+                              <a:rPr lang="en-US" sz="2000" i="1">
+                                <a:effectLst/>
+                                <a:latin typeface="Cambria Math" panose="02040503050406030204" pitchFamily="18" charset="0"/>
+                                <a:ea typeface="SimSun" panose="02010600030101010101" pitchFamily="2" charset="-122"/>
+                                <a:cs typeface="Times New Roman" panose="02020603050405020304" pitchFamily="18" charset="0"/>
+                              </a:rPr>
+                            </m:ctrlPr>
+                          </m:sSubPr>
+                          <m:e>
+                            <m:r>
+                              <a:rPr lang="en-US" sz="2000" i="1">
+                                <a:effectLst/>
+                                <a:latin typeface="Cambria Math" panose="02040503050406030204" pitchFamily="18" charset="0"/>
+                                <a:ea typeface="SimSun" panose="02010600030101010101" pitchFamily="2" charset="-122"/>
+                                <a:cs typeface="Times New Roman" panose="02020603050405020304" pitchFamily="18" charset="0"/>
+                              </a:rPr>
+                              <m:t>𝑋</m:t>
+                            </m:r>
+                          </m:e>
+                          <m:sub>
+                            <m:r>
+                              <a:rPr lang="en-US" sz="2000" i="1">
+                                <a:effectLst/>
+                                <a:latin typeface="Cambria Math" panose="02040503050406030204" pitchFamily="18" charset="0"/>
+                                <a:ea typeface="SimSun" panose="02010600030101010101" pitchFamily="2" charset="-122"/>
+                                <a:cs typeface="Times New Roman" panose="02020603050405020304" pitchFamily="18" charset="0"/>
+                              </a:rPr>
+                              <m:t>𝑖</m:t>
+                            </m:r>
+                          </m:sub>
+                        </m:sSub>
+                        <m:r>
+                          <a:rPr lang="en-US" sz="2000" i="1">
+                            <a:effectLst/>
+                            <a:latin typeface="Cambria Math" panose="02040503050406030204" pitchFamily="18" charset="0"/>
+                            <a:ea typeface="SimSun" panose="02010600030101010101" pitchFamily="2" charset="-122"/>
+                            <a:cs typeface="Times New Roman" panose="02020603050405020304" pitchFamily="18" charset="0"/>
+                          </a:rPr>
+                          <m:t>−</m:t>
+                        </m:r>
+                        <m:r>
+                          <a:rPr lang="en-US" sz="2000" i="1">
+                            <a:effectLst/>
+                            <a:latin typeface="Cambria Math" panose="02040503050406030204" pitchFamily="18" charset="0"/>
+                            <a:ea typeface="SimSun" panose="02010600030101010101" pitchFamily="2" charset="-122"/>
+                            <a:cs typeface="Times New Roman" panose="02020603050405020304" pitchFamily="18" charset="0"/>
+                          </a:rPr>
+                          <m:t>𝑏</m:t>
+                        </m:r>
+                      </m:e>
+                    </m:d>
+                    <m:r>
+                      <a:rPr lang="en-US" sz="2000" i="1">
+                        <a:effectLst/>
+                        <a:latin typeface="Cambria Math" panose="02040503050406030204" pitchFamily="18" charset="0"/>
+                        <a:ea typeface="SimSun" panose="02010600030101010101" pitchFamily="2" charset="-122"/>
+                        <a:cs typeface="Times New Roman" panose="02020603050405020304" pitchFamily="18" charset="0"/>
+                      </a:rPr>
+                      <m:t>−</m:t>
+                    </m:r>
+                    <m:sSub>
+                      <m:sSubPr>
+                        <m:ctrlPr>
+                          <a:rPr lang="en-US" sz="2000" i="1">
+                            <a:effectLst/>
+                            <a:latin typeface="Cambria Math" panose="02040503050406030204" pitchFamily="18" charset="0"/>
+                            <a:ea typeface="SimSun" panose="02010600030101010101" pitchFamily="2" charset="-122"/>
+                            <a:cs typeface="Times New Roman" panose="02020603050405020304" pitchFamily="18" charset="0"/>
+                          </a:rPr>
+                        </m:ctrlPr>
+                      </m:sSubPr>
+                      <m:e>
+                        <m:r>
+                          <a:rPr lang="en-US" sz="2000" i="1">
+                            <a:effectLst/>
+                            <a:latin typeface="Cambria Math" panose="02040503050406030204" pitchFamily="18" charset="0"/>
+                            <a:ea typeface="SimSun" panose="02010600030101010101" pitchFamily="2" charset="-122"/>
+                            <a:cs typeface="Times New Roman" panose="02020603050405020304" pitchFamily="18" charset="0"/>
+                          </a:rPr>
+                          <m:t>𝜉</m:t>
+                        </m:r>
+                      </m:e>
+                      <m:sub>
+                        <m:r>
+                          <a:rPr lang="en-US" sz="2000" i="1">
+                            <a:effectLst/>
+                            <a:latin typeface="Cambria Math" panose="02040503050406030204" pitchFamily="18" charset="0"/>
+                            <a:ea typeface="SimSun" panose="02010600030101010101" pitchFamily="2" charset="-122"/>
+                            <a:cs typeface="Times New Roman" panose="02020603050405020304" pitchFamily="18" charset="0"/>
+                          </a:rPr>
+                          <m:t>𝑖</m:t>
+                        </m:r>
+                      </m:sub>
+                    </m:sSub>
+                    <m:r>
+                      <a:rPr lang="en-US" sz="2000" i="1">
+                        <a:effectLst/>
+                        <a:latin typeface="Cambria Math" panose="02040503050406030204" pitchFamily="18" charset="0"/>
+                        <a:ea typeface="SimSun" panose="02010600030101010101" pitchFamily="2" charset="-122"/>
+                        <a:cs typeface="Times New Roman" panose="02020603050405020304" pitchFamily="18" charset="0"/>
+                      </a:rPr>
+                      <m:t>≤0</m:t>
+                    </m:r>
+                  </m:oMath>
+                </a14:m>
+                <a:r>
+                  <a:rPr lang="en-US" sz="2000" dirty="0">
+                    <a:effectLst/>
+                    <a:latin typeface="Times New Roman" panose="02020603050405020304" pitchFamily="18" charset="0"/>
+                    <a:ea typeface="SimSun" panose="02010600030101010101" pitchFamily="2" charset="-122"/>
+                    <a:cs typeface="Times New Roman" panose="02020603050405020304" pitchFamily="18" charset="0"/>
+                  </a:rPr>
+                  <a:t> we have:</a:t>
+                </a:r>
+              </a:p>
+              <a:p>
+                <a:pPr marL="0" indent="0">
+                  <a:buNone/>
+                </a:pPr>
+                <a14:m>
+                  <m:oMathPara xmlns:m="http://schemas.openxmlformats.org/officeDocument/2006/math">
+                    <m:oMathParaPr>
+                      <m:jc m:val="centerGroup"/>
+                    </m:oMathParaPr>
+                    <m:oMath xmlns:m="http://schemas.openxmlformats.org/officeDocument/2006/math">
+                      <m:r>
+                        <a:rPr lang="en-US" sz="2000" smtClean="0">
+                          <a:effectLst/>
+                          <a:latin typeface="Cambria Math" panose="02040503050406030204" pitchFamily="18" charset="0"/>
+                          <a:ea typeface="SimSun" panose="02010600030101010101" pitchFamily="2" charset="-122"/>
+                          <a:cs typeface="Times New Roman" panose="02020603050405020304" pitchFamily="18" charset="0"/>
+                        </a:rPr>
+                        <m:t>1</m:t>
+                      </m:r>
+                      <m:r>
+                        <a:rPr lang="en-US" sz="2000" i="1">
+                          <a:effectLst/>
+                          <a:latin typeface="Cambria Math" panose="02040503050406030204" pitchFamily="18" charset="0"/>
+                          <a:ea typeface="SimSun" panose="02010600030101010101" pitchFamily="2" charset="-122"/>
+                          <a:cs typeface="Times New Roman" panose="02020603050405020304" pitchFamily="18" charset="0"/>
+                        </a:rPr>
+                        <m:t>−</m:t>
+                      </m:r>
+                      <m:sSub>
+                        <m:sSubPr>
+                          <m:ctrlPr>
+                            <a:rPr lang="en-US" sz="2000" i="1">
+                              <a:effectLst/>
+                              <a:latin typeface="Cambria Math" panose="02040503050406030204" pitchFamily="18" charset="0"/>
+                            </a:rPr>
+                          </m:ctrlPr>
+                        </m:sSubPr>
+                        <m:e>
+                          <m:r>
+                            <a:rPr lang="en-US" sz="2000" i="1">
+                              <a:effectLst/>
+                              <a:latin typeface="Cambria Math" panose="02040503050406030204" pitchFamily="18" charset="0"/>
+                              <a:ea typeface="SimSun" panose="02010600030101010101" pitchFamily="2" charset="-122"/>
+                              <a:cs typeface="Times New Roman" panose="02020603050405020304" pitchFamily="18" charset="0"/>
+                            </a:rPr>
+                            <m:t>𝑦</m:t>
+                          </m:r>
+                        </m:e>
+                        <m:sub>
+                          <m:r>
+                            <a:rPr lang="en-US" sz="2000" i="1">
+                              <a:effectLst/>
+                              <a:latin typeface="Cambria Math" panose="02040503050406030204" pitchFamily="18" charset="0"/>
+                              <a:ea typeface="SimSun" panose="02010600030101010101" pitchFamily="2" charset="-122"/>
+                              <a:cs typeface="Times New Roman" panose="02020603050405020304" pitchFamily="18" charset="0"/>
+                            </a:rPr>
+                            <m:t>𝑖</m:t>
+                          </m:r>
+                        </m:sub>
+                      </m:sSub>
+                      <m:d>
+                        <m:dPr>
+                          <m:ctrlPr>
+                            <a:rPr lang="en-US" sz="2000" i="1">
+                              <a:effectLst/>
+                              <a:latin typeface="Cambria Math" panose="02040503050406030204" pitchFamily="18" charset="0"/>
+                            </a:rPr>
+                          </m:ctrlPr>
+                        </m:dPr>
+                        <m:e>
+                          <m:r>
+                            <a:rPr lang="en-US" sz="2000" i="1">
+                              <a:effectLst/>
+                              <a:latin typeface="Cambria Math" panose="02040503050406030204" pitchFamily="18" charset="0"/>
+                              <a:ea typeface="SimSun" panose="02010600030101010101" pitchFamily="2" charset="-122"/>
+                              <a:cs typeface="Times New Roman" panose="02020603050405020304" pitchFamily="18" charset="0"/>
+                            </a:rPr>
+                            <m:t>𝑊</m:t>
+                          </m:r>
+                          <m:r>
+                            <a:rPr lang="en-US" sz="2000">
+                              <a:effectLst/>
+                              <a:latin typeface="Cambria Math" panose="02040503050406030204" pitchFamily="18" charset="0"/>
+                              <a:ea typeface="SimSun" panose="02010600030101010101" pitchFamily="2" charset="-122"/>
+                              <a:cs typeface="Times New Roman" panose="02020603050405020304" pitchFamily="18" charset="0"/>
+                            </a:rPr>
+                            <m:t>∘</m:t>
+                          </m:r>
+                          <m:sSub>
+                            <m:sSubPr>
+                              <m:ctrlPr>
+                                <a:rPr lang="en-US" sz="2000" i="1">
+                                  <a:effectLst/>
+                                  <a:latin typeface="Cambria Math" panose="02040503050406030204" pitchFamily="18" charset="0"/>
+                                </a:rPr>
+                              </m:ctrlPr>
+                            </m:sSubPr>
+                            <m:e>
+                              <m:r>
+                                <a:rPr lang="en-US" sz="2000" i="1">
+                                  <a:effectLst/>
+                                  <a:latin typeface="Cambria Math" panose="02040503050406030204" pitchFamily="18" charset="0"/>
+                                  <a:ea typeface="SimSun" panose="02010600030101010101" pitchFamily="2" charset="-122"/>
+                                  <a:cs typeface="Times New Roman" panose="02020603050405020304" pitchFamily="18" charset="0"/>
+                                </a:rPr>
+                                <m:t>𝑋</m:t>
+                              </m:r>
+                            </m:e>
+                            <m:sub>
+                              <m:r>
+                                <a:rPr lang="en-US" sz="2000" i="1">
+                                  <a:effectLst/>
+                                  <a:latin typeface="Cambria Math" panose="02040503050406030204" pitchFamily="18" charset="0"/>
+                                  <a:ea typeface="SimSun" panose="02010600030101010101" pitchFamily="2" charset="-122"/>
+                                  <a:cs typeface="Times New Roman" panose="02020603050405020304" pitchFamily="18" charset="0"/>
+                                </a:rPr>
+                                <m:t>𝑖</m:t>
+                              </m:r>
+                            </m:sub>
+                          </m:sSub>
+                          <m:r>
+                            <a:rPr lang="en-US" sz="2000" i="1">
+                              <a:effectLst/>
+                              <a:latin typeface="Cambria Math" panose="02040503050406030204" pitchFamily="18" charset="0"/>
+                              <a:ea typeface="SimSun" panose="02010600030101010101" pitchFamily="2" charset="-122"/>
+                              <a:cs typeface="Times New Roman" panose="02020603050405020304" pitchFamily="18" charset="0"/>
+                            </a:rPr>
+                            <m:t>−</m:t>
+                          </m:r>
+                          <m:r>
+                            <a:rPr lang="en-US" sz="2000" i="1">
+                              <a:effectLst/>
+                              <a:latin typeface="Cambria Math" panose="02040503050406030204" pitchFamily="18" charset="0"/>
+                              <a:ea typeface="SimSun" panose="02010600030101010101" pitchFamily="2" charset="-122"/>
+                              <a:cs typeface="Times New Roman" panose="02020603050405020304" pitchFamily="18" charset="0"/>
+                            </a:rPr>
+                            <m:t>𝑏</m:t>
+                          </m:r>
+                        </m:e>
+                      </m:d>
+                      <m:r>
+                        <a:rPr lang="en-US" sz="2000">
+                          <a:effectLst/>
+                          <a:latin typeface="Cambria Math" panose="02040503050406030204" pitchFamily="18" charset="0"/>
+                          <a:ea typeface="SimSun" panose="02010600030101010101" pitchFamily="2" charset="-122"/>
+                          <a:cs typeface="Times New Roman" panose="02020603050405020304" pitchFamily="18" charset="0"/>
+                        </a:rPr>
+                        <m:t>≤0</m:t>
+                      </m:r>
+                    </m:oMath>
+                  </m:oMathPara>
+                </a14:m>
+                <a:endParaRPr lang="en-US" sz="2000" dirty="0">
+                  <a:effectLst/>
+                  <a:latin typeface="Times New Roman" panose="02020603050405020304" pitchFamily="18" charset="0"/>
+                  <a:ea typeface="SimSun" panose="02010600030101010101" pitchFamily="2" charset="-122"/>
+                  <a:cs typeface="Times New Roman" panose="02020603050405020304" pitchFamily="18" charset="0"/>
+                </a:endParaRPr>
+              </a:p>
+              <a:p>
+                <a:pPr marL="342900" marR="0" lvl="0" indent="-342900" algn="just">
+                  <a:spcBef>
+                    <a:spcPts val="0"/>
+                  </a:spcBef>
+                  <a:spcAft>
+                    <a:spcPts val="0"/>
+                  </a:spcAft>
+                  <a:buFont typeface="+mj-lt"/>
+                  <a:buAutoNum type="arabicPeriod" startAt="2"/>
+                </a:pPr>
+                <a:r>
+                  <a:rPr lang="en-US" sz="2000" dirty="0">
+                    <a:effectLst/>
+                    <a:latin typeface="Times New Roman" panose="02020603050405020304" pitchFamily="18" charset="0"/>
+                    <a:ea typeface="SimSun" panose="02010600030101010101" pitchFamily="2" charset="-122"/>
+                    <a:cs typeface="Times New Roman" panose="02020603050405020304" pitchFamily="18" charset="0"/>
+                  </a:rPr>
+                  <a:t>If 0 &lt; </a:t>
+                </a:r>
+                <a:r>
+                  <a:rPr lang="en-US" sz="2000" i="1" dirty="0" err="1">
+                    <a:effectLst/>
+                    <a:latin typeface="Times New Roman" panose="02020603050405020304" pitchFamily="18" charset="0"/>
+                    <a:ea typeface="SimSun" panose="02010600030101010101" pitchFamily="2" charset="-122"/>
+                    <a:cs typeface="Times New Roman" panose="02020603050405020304" pitchFamily="18" charset="0"/>
+                  </a:rPr>
+                  <a:t>λ</a:t>
+                </a:r>
+                <a:r>
+                  <a:rPr lang="en-US" sz="2000" i="1" baseline="-25000" dirty="0" err="1">
+                    <a:effectLst/>
+                    <a:latin typeface="Times New Roman" panose="02020603050405020304" pitchFamily="18" charset="0"/>
+                    <a:ea typeface="SimSun" panose="02010600030101010101" pitchFamily="2" charset="-122"/>
+                    <a:cs typeface="Times New Roman" panose="02020603050405020304" pitchFamily="18" charset="0"/>
+                  </a:rPr>
+                  <a:t>i</a:t>
+                </a:r>
+                <a:r>
+                  <a:rPr lang="en-US" sz="2000" dirty="0">
+                    <a:effectLst/>
+                    <a:latin typeface="Times New Roman" panose="02020603050405020304" pitchFamily="18" charset="0"/>
+                    <a:ea typeface="SimSun" panose="02010600030101010101" pitchFamily="2" charset="-122"/>
+                    <a:cs typeface="Times New Roman" panose="02020603050405020304" pitchFamily="18" charset="0"/>
+                  </a:rPr>
+                  <a:t> &lt; </a:t>
+                </a:r>
+                <a:r>
+                  <a:rPr lang="en-US" sz="2000" i="1" dirty="0">
+                    <a:effectLst/>
+                    <a:latin typeface="Times New Roman" panose="02020603050405020304" pitchFamily="18" charset="0"/>
+                    <a:ea typeface="SimSun" panose="02010600030101010101" pitchFamily="2" charset="-122"/>
+                    <a:cs typeface="Times New Roman" panose="02020603050405020304" pitchFamily="18" charset="0"/>
+                  </a:rPr>
+                  <a:t>C</a:t>
+                </a:r>
+                <a:r>
+                  <a:rPr lang="en-US" sz="2000" dirty="0">
+                    <a:effectLst/>
+                    <a:latin typeface="Times New Roman" panose="02020603050405020304" pitchFamily="18" charset="0"/>
+                    <a:ea typeface="SimSun" panose="02010600030101010101" pitchFamily="2" charset="-122"/>
+                    <a:cs typeface="Times New Roman" panose="02020603050405020304" pitchFamily="18" charset="0"/>
+                  </a:rPr>
+                  <a:t> then, we have </a:t>
+                </a:r>
+                <a14:m>
+                  <m:oMath xmlns:m="http://schemas.openxmlformats.org/officeDocument/2006/math">
+                    <m:r>
+                      <a:rPr lang="en-US" sz="2000" i="1">
+                        <a:effectLst/>
+                        <a:latin typeface="Cambria Math" panose="02040503050406030204" pitchFamily="18" charset="0"/>
+                        <a:ea typeface="SimSun" panose="02010600030101010101" pitchFamily="2" charset="-122"/>
+                        <a:cs typeface="Times New Roman" panose="02020603050405020304" pitchFamily="18" charset="0"/>
+                      </a:rPr>
+                      <m:t>1−</m:t>
+                    </m:r>
+                    <m:sSub>
+                      <m:sSubPr>
+                        <m:ctrlPr>
+                          <a:rPr lang="en-US" sz="2000" i="1">
+                            <a:effectLst/>
+                            <a:latin typeface="Cambria Math" panose="02040503050406030204" pitchFamily="18" charset="0"/>
+                            <a:ea typeface="SimSun" panose="02010600030101010101" pitchFamily="2" charset="-122"/>
+                            <a:cs typeface="Times New Roman" panose="02020603050405020304" pitchFamily="18" charset="0"/>
+                          </a:rPr>
+                        </m:ctrlPr>
+                      </m:sSubPr>
+                      <m:e>
+                        <m:r>
+                          <a:rPr lang="en-US" sz="2000" i="1">
+                            <a:effectLst/>
+                            <a:latin typeface="Cambria Math" panose="02040503050406030204" pitchFamily="18" charset="0"/>
+                            <a:ea typeface="SimSun" panose="02010600030101010101" pitchFamily="2" charset="-122"/>
+                            <a:cs typeface="Times New Roman" panose="02020603050405020304" pitchFamily="18" charset="0"/>
+                          </a:rPr>
+                          <m:t>𝑦</m:t>
+                        </m:r>
+                      </m:e>
+                      <m:sub>
+                        <m:r>
+                          <a:rPr lang="en-US" sz="2000" i="1">
+                            <a:effectLst/>
+                            <a:latin typeface="Cambria Math" panose="02040503050406030204" pitchFamily="18" charset="0"/>
+                            <a:ea typeface="SimSun" panose="02010600030101010101" pitchFamily="2" charset="-122"/>
+                            <a:cs typeface="Times New Roman" panose="02020603050405020304" pitchFamily="18" charset="0"/>
+                          </a:rPr>
+                          <m:t>𝑖</m:t>
+                        </m:r>
+                      </m:sub>
+                    </m:sSub>
+                    <m:d>
+                      <m:dPr>
+                        <m:ctrlPr>
+                          <a:rPr lang="en-US" sz="2000" i="1">
+                            <a:effectLst/>
+                            <a:latin typeface="Cambria Math" panose="02040503050406030204" pitchFamily="18" charset="0"/>
+                            <a:ea typeface="SimSun" panose="02010600030101010101" pitchFamily="2" charset="-122"/>
+                            <a:cs typeface="Times New Roman" panose="02020603050405020304" pitchFamily="18" charset="0"/>
+                          </a:rPr>
+                        </m:ctrlPr>
+                      </m:dPr>
+                      <m:e>
+                        <m:r>
+                          <a:rPr lang="en-US" sz="2000" i="1">
+                            <a:effectLst/>
+                            <a:latin typeface="Cambria Math" panose="02040503050406030204" pitchFamily="18" charset="0"/>
+                            <a:ea typeface="SimSun" panose="02010600030101010101" pitchFamily="2" charset="-122"/>
+                            <a:cs typeface="Times New Roman" panose="02020603050405020304" pitchFamily="18" charset="0"/>
+                          </a:rPr>
+                          <m:t>𝑊</m:t>
+                        </m:r>
+                        <m:r>
+                          <a:rPr lang="en-US" sz="2000" i="1">
+                            <a:effectLst/>
+                            <a:latin typeface="Cambria Math" panose="02040503050406030204" pitchFamily="18" charset="0"/>
+                            <a:ea typeface="SimSun" panose="02010600030101010101" pitchFamily="2" charset="-122"/>
+                            <a:cs typeface="Times New Roman" panose="02020603050405020304" pitchFamily="18" charset="0"/>
+                          </a:rPr>
+                          <m:t>∘</m:t>
+                        </m:r>
+                        <m:sSub>
+                          <m:sSubPr>
+                            <m:ctrlPr>
+                              <a:rPr lang="en-US" sz="2000" i="1">
+                                <a:effectLst/>
+                                <a:latin typeface="Cambria Math" panose="02040503050406030204" pitchFamily="18" charset="0"/>
+                                <a:ea typeface="SimSun" panose="02010600030101010101" pitchFamily="2" charset="-122"/>
+                                <a:cs typeface="Times New Roman" panose="02020603050405020304" pitchFamily="18" charset="0"/>
+                              </a:rPr>
+                            </m:ctrlPr>
+                          </m:sSubPr>
+                          <m:e>
+                            <m:r>
+                              <a:rPr lang="en-US" sz="2000" i="1">
+                                <a:effectLst/>
+                                <a:latin typeface="Cambria Math" panose="02040503050406030204" pitchFamily="18" charset="0"/>
+                                <a:ea typeface="SimSun" panose="02010600030101010101" pitchFamily="2" charset="-122"/>
+                                <a:cs typeface="Times New Roman" panose="02020603050405020304" pitchFamily="18" charset="0"/>
+                              </a:rPr>
+                              <m:t>𝑋</m:t>
+                            </m:r>
+                          </m:e>
+                          <m:sub>
+                            <m:r>
+                              <a:rPr lang="en-US" sz="2000" i="1">
+                                <a:effectLst/>
+                                <a:latin typeface="Cambria Math" panose="02040503050406030204" pitchFamily="18" charset="0"/>
+                                <a:ea typeface="SimSun" panose="02010600030101010101" pitchFamily="2" charset="-122"/>
+                                <a:cs typeface="Times New Roman" panose="02020603050405020304" pitchFamily="18" charset="0"/>
+                              </a:rPr>
+                              <m:t>𝑖</m:t>
+                            </m:r>
+                          </m:sub>
+                        </m:sSub>
+                        <m:r>
+                          <a:rPr lang="en-US" sz="2000" i="1">
+                            <a:effectLst/>
+                            <a:latin typeface="Cambria Math" panose="02040503050406030204" pitchFamily="18" charset="0"/>
+                            <a:ea typeface="SimSun" panose="02010600030101010101" pitchFamily="2" charset="-122"/>
+                            <a:cs typeface="Times New Roman" panose="02020603050405020304" pitchFamily="18" charset="0"/>
+                          </a:rPr>
+                          <m:t>−</m:t>
+                        </m:r>
+                        <m:r>
+                          <a:rPr lang="en-US" sz="2000" i="1">
+                            <a:effectLst/>
+                            <a:latin typeface="Cambria Math" panose="02040503050406030204" pitchFamily="18" charset="0"/>
+                            <a:ea typeface="SimSun" panose="02010600030101010101" pitchFamily="2" charset="-122"/>
+                            <a:cs typeface="Times New Roman" panose="02020603050405020304" pitchFamily="18" charset="0"/>
+                          </a:rPr>
+                          <m:t>𝑏</m:t>
+                        </m:r>
+                      </m:e>
+                    </m:d>
+                    <m:r>
+                      <a:rPr lang="en-US" sz="2000" i="1">
+                        <a:effectLst/>
+                        <a:latin typeface="Cambria Math" panose="02040503050406030204" pitchFamily="18" charset="0"/>
+                        <a:ea typeface="SimSun" panose="02010600030101010101" pitchFamily="2" charset="-122"/>
+                        <a:cs typeface="Times New Roman" panose="02020603050405020304" pitchFamily="18" charset="0"/>
+                      </a:rPr>
+                      <m:t>−</m:t>
+                    </m:r>
+                    <m:sSub>
+                      <m:sSubPr>
+                        <m:ctrlPr>
+                          <a:rPr lang="en-US" sz="2000" i="1">
+                            <a:effectLst/>
+                            <a:latin typeface="Cambria Math" panose="02040503050406030204" pitchFamily="18" charset="0"/>
+                            <a:ea typeface="SimSun" panose="02010600030101010101" pitchFamily="2" charset="-122"/>
+                            <a:cs typeface="Times New Roman" panose="02020603050405020304" pitchFamily="18" charset="0"/>
+                          </a:rPr>
+                        </m:ctrlPr>
+                      </m:sSubPr>
+                      <m:e>
+                        <m:r>
+                          <a:rPr lang="en-US" sz="2000" i="1">
+                            <a:effectLst/>
+                            <a:latin typeface="Cambria Math" panose="02040503050406030204" pitchFamily="18" charset="0"/>
+                            <a:ea typeface="SimSun" panose="02010600030101010101" pitchFamily="2" charset="-122"/>
+                            <a:cs typeface="Times New Roman" panose="02020603050405020304" pitchFamily="18" charset="0"/>
+                          </a:rPr>
+                          <m:t>𝜉</m:t>
+                        </m:r>
+                      </m:e>
+                      <m:sub>
+                        <m:r>
+                          <a:rPr lang="en-US" sz="2000" i="1">
+                            <a:effectLst/>
+                            <a:latin typeface="Cambria Math" panose="02040503050406030204" pitchFamily="18" charset="0"/>
+                            <a:ea typeface="SimSun" panose="02010600030101010101" pitchFamily="2" charset="-122"/>
+                            <a:cs typeface="Times New Roman" panose="02020603050405020304" pitchFamily="18" charset="0"/>
+                          </a:rPr>
+                          <m:t>𝑖</m:t>
+                        </m:r>
+                      </m:sub>
+                    </m:sSub>
+                    <m:r>
+                      <a:rPr lang="en-US" sz="2000" i="1">
+                        <a:effectLst/>
+                        <a:latin typeface="Cambria Math" panose="02040503050406030204" pitchFamily="18" charset="0"/>
+                        <a:ea typeface="SimSun" panose="02010600030101010101" pitchFamily="2" charset="-122"/>
+                        <a:cs typeface="Times New Roman" panose="02020603050405020304" pitchFamily="18" charset="0"/>
+                      </a:rPr>
+                      <m:t>=0</m:t>
+                    </m:r>
+                  </m:oMath>
+                </a14:m>
+                <a:r>
+                  <a:rPr lang="en-US" sz="2000" dirty="0">
+                    <a:effectLst/>
+                    <a:latin typeface="Times New Roman" panose="02020603050405020304" pitchFamily="18" charset="0"/>
+                    <a:ea typeface="SimSun" panose="02010600030101010101" pitchFamily="2" charset="-122"/>
+                    <a:cs typeface="Times New Roman" panose="02020603050405020304" pitchFamily="18" charset="0"/>
+                  </a:rPr>
+                  <a:t> due to the complementary slackness </a:t>
+                </a:r>
+                <a14:m>
+                  <m:oMath xmlns:m="http://schemas.openxmlformats.org/officeDocument/2006/math">
+                    <m:sSub>
+                      <m:sSubPr>
+                        <m:ctrlPr>
+                          <a:rPr lang="en-US" sz="2000" i="1">
+                            <a:effectLst/>
+                            <a:latin typeface="Cambria Math" panose="02040503050406030204" pitchFamily="18" charset="0"/>
+                            <a:ea typeface="SimSun" panose="02010600030101010101" pitchFamily="2" charset="-122"/>
+                            <a:cs typeface="Times New Roman" panose="02020603050405020304" pitchFamily="18" charset="0"/>
+                          </a:rPr>
+                        </m:ctrlPr>
+                      </m:sSubPr>
+                      <m:e>
+                        <m:r>
+                          <a:rPr lang="en-US" sz="2000" i="1">
+                            <a:effectLst/>
+                            <a:latin typeface="Cambria Math" panose="02040503050406030204" pitchFamily="18" charset="0"/>
+                            <a:ea typeface="SimSun" panose="02010600030101010101" pitchFamily="2" charset="-122"/>
+                            <a:cs typeface="Times New Roman" panose="02020603050405020304" pitchFamily="18" charset="0"/>
+                          </a:rPr>
+                          <m:t>𝜆</m:t>
+                        </m:r>
+                      </m:e>
+                      <m:sub>
+                        <m:r>
+                          <a:rPr lang="en-US" sz="2000" i="1">
+                            <a:effectLst/>
+                            <a:latin typeface="Cambria Math" panose="02040503050406030204" pitchFamily="18" charset="0"/>
+                            <a:ea typeface="SimSun" panose="02010600030101010101" pitchFamily="2" charset="-122"/>
+                            <a:cs typeface="Times New Roman" panose="02020603050405020304" pitchFamily="18" charset="0"/>
+                          </a:rPr>
+                          <m:t>𝑖</m:t>
+                        </m:r>
+                      </m:sub>
+                    </m:sSub>
+                    <m:d>
+                      <m:dPr>
+                        <m:ctrlPr>
+                          <a:rPr lang="en-US" sz="2000" i="1">
+                            <a:effectLst/>
+                            <a:latin typeface="Cambria Math" panose="02040503050406030204" pitchFamily="18" charset="0"/>
+                            <a:ea typeface="SimSun" panose="02010600030101010101" pitchFamily="2" charset="-122"/>
+                            <a:cs typeface="Times New Roman" panose="02020603050405020304" pitchFamily="18" charset="0"/>
+                          </a:rPr>
+                        </m:ctrlPr>
+                      </m:dPr>
+                      <m:e>
+                        <m:r>
+                          <a:rPr lang="en-US" sz="2000" i="1">
+                            <a:effectLst/>
+                            <a:latin typeface="Cambria Math" panose="02040503050406030204" pitchFamily="18" charset="0"/>
+                            <a:ea typeface="SimSun" panose="02010600030101010101" pitchFamily="2" charset="-122"/>
+                            <a:cs typeface="Times New Roman" panose="02020603050405020304" pitchFamily="18" charset="0"/>
+                          </a:rPr>
+                          <m:t>1−</m:t>
+                        </m:r>
+                        <m:sSub>
+                          <m:sSubPr>
+                            <m:ctrlPr>
+                              <a:rPr lang="en-US" sz="2000" i="1">
+                                <a:effectLst/>
+                                <a:latin typeface="Cambria Math" panose="02040503050406030204" pitchFamily="18" charset="0"/>
+                                <a:ea typeface="SimSun" panose="02010600030101010101" pitchFamily="2" charset="-122"/>
+                                <a:cs typeface="Times New Roman" panose="02020603050405020304" pitchFamily="18" charset="0"/>
+                              </a:rPr>
+                            </m:ctrlPr>
+                          </m:sSubPr>
+                          <m:e>
+                            <m:r>
+                              <a:rPr lang="en-US" sz="2000" i="1">
+                                <a:effectLst/>
+                                <a:latin typeface="Cambria Math" panose="02040503050406030204" pitchFamily="18" charset="0"/>
+                                <a:ea typeface="SimSun" panose="02010600030101010101" pitchFamily="2" charset="-122"/>
+                                <a:cs typeface="Times New Roman" panose="02020603050405020304" pitchFamily="18" charset="0"/>
+                              </a:rPr>
+                              <m:t>𝑦</m:t>
+                            </m:r>
+                          </m:e>
+                          <m:sub>
+                            <m:r>
+                              <a:rPr lang="en-US" sz="2000" i="1">
+                                <a:effectLst/>
+                                <a:latin typeface="Cambria Math" panose="02040503050406030204" pitchFamily="18" charset="0"/>
+                                <a:ea typeface="SimSun" panose="02010600030101010101" pitchFamily="2" charset="-122"/>
+                                <a:cs typeface="Times New Roman" panose="02020603050405020304" pitchFamily="18" charset="0"/>
+                              </a:rPr>
+                              <m:t>𝑖</m:t>
+                            </m:r>
+                          </m:sub>
+                        </m:sSub>
+                        <m:d>
+                          <m:dPr>
+                            <m:ctrlPr>
+                              <a:rPr lang="en-US" sz="2000" i="1">
+                                <a:effectLst/>
+                                <a:latin typeface="Cambria Math" panose="02040503050406030204" pitchFamily="18" charset="0"/>
+                                <a:ea typeface="SimSun" panose="02010600030101010101" pitchFamily="2" charset="-122"/>
+                                <a:cs typeface="Times New Roman" panose="02020603050405020304" pitchFamily="18" charset="0"/>
+                              </a:rPr>
+                            </m:ctrlPr>
+                          </m:dPr>
+                          <m:e>
+                            <m:r>
+                              <a:rPr lang="en-US" sz="2000" i="1">
+                                <a:effectLst/>
+                                <a:latin typeface="Cambria Math" panose="02040503050406030204" pitchFamily="18" charset="0"/>
+                                <a:ea typeface="SimSun" panose="02010600030101010101" pitchFamily="2" charset="-122"/>
+                                <a:cs typeface="Times New Roman" panose="02020603050405020304" pitchFamily="18" charset="0"/>
+                              </a:rPr>
+                              <m:t>𝑊</m:t>
+                            </m:r>
+                            <m:r>
+                              <a:rPr lang="en-US" sz="2000" i="1">
+                                <a:effectLst/>
+                                <a:latin typeface="Cambria Math" panose="02040503050406030204" pitchFamily="18" charset="0"/>
+                                <a:ea typeface="SimSun" panose="02010600030101010101" pitchFamily="2" charset="-122"/>
+                                <a:cs typeface="Times New Roman" panose="02020603050405020304" pitchFamily="18" charset="0"/>
+                              </a:rPr>
+                              <m:t>∘</m:t>
+                            </m:r>
+                            <m:sSub>
+                              <m:sSubPr>
+                                <m:ctrlPr>
+                                  <a:rPr lang="en-US" sz="2000" i="1">
+                                    <a:effectLst/>
+                                    <a:latin typeface="Cambria Math" panose="02040503050406030204" pitchFamily="18" charset="0"/>
+                                    <a:ea typeface="SimSun" panose="02010600030101010101" pitchFamily="2" charset="-122"/>
+                                    <a:cs typeface="Times New Roman" panose="02020603050405020304" pitchFamily="18" charset="0"/>
+                                  </a:rPr>
+                                </m:ctrlPr>
+                              </m:sSubPr>
+                              <m:e>
+                                <m:r>
+                                  <a:rPr lang="en-US" sz="2000" i="1">
+                                    <a:effectLst/>
+                                    <a:latin typeface="Cambria Math" panose="02040503050406030204" pitchFamily="18" charset="0"/>
+                                    <a:ea typeface="SimSun" panose="02010600030101010101" pitchFamily="2" charset="-122"/>
+                                    <a:cs typeface="Times New Roman" panose="02020603050405020304" pitchFamily="18" charset="0"/>
+                                  </a:rPr>
+                                  <m:t>𝑋</m:t>
+                                </m:r>
+                              </m:e>
+                              <m:sub>
+                                <m:r>
+                                  <a:rPr lang="en-US" sz="2000" i="1">
+                                    <a:effectLst/>
+                                    <a:latin typeface="Cambria Math" panose="02040503050406030204" pitchFamily="18" charset="0"/>
+                                    <a:ea typeface="SimSun" panose="02010600030101010101" pitchFamily="2" charset="-122"/>
+                                    <a:cs typeface="Times New Roman" panose="02020603050405020304" pitchFamily="18" charset="0"/>
+                                  </a:rPr>
+                                  <m:t>𝑖</m:t>
+                                </m:r>
+                              </m:sub>
+                            </m:sSub>
+                            <m:r>
+                              <a:rPr lang="en-US" sz="2000" i="1">
+                                <a:effectLst/>
+                                <a:latin typeface="Cambria Math" panose="02040503050406030204" pitchFamily="18" charset="0"/>
+                                <a:ea typeface="SimSun" panose="02010600030101010101" pitchFamily="2" charset="-122"/>
+                                <a:cs typeface="Times New Roman" panose="02020603050405020304" pitchFamily="18" charset="0"/>
+                              </a:rPr>
+                              <m:t>−</m:t>
+                            </m:r>
+                            <m:r>
+                              <a:rPr lang="en-US" sz="2000" i="1">
+                                <a:effectLst/>
+                                <a:latin typeface="Cambria Math" panose="02040503050406030204" pitchFamily="18" charset="0"/>
+                                <a:ea typeface="SimSun" panose="02010600030101010101" pitchFamily="2" charset="-122"/>
+                                <a:cs typeface="Times New Roman" panose="02020603050405020304" pitchFamily="18" charset="0"/>
+                              </a:rPr>
+                              <m:t>𝑏</m:t>
+                            </m:r>
+                          </m:e>
+                        </m:d>
+                        <m:r>
+                          <a:rPr lang="en-US" sz="2000" i="1">
+                            <a:effectLst/>
+                            <a:latin typeface="Cambria Math" panose="02040503050406030204" pitchFamily="18" charset="0"/>
+                            <a:ea typeface="SimSun" panose="02010600030101010101" pitchFamily="2" charset="-122"/>
+                            <a:cs typeface="Times New Roman" panose="02020603050405020304" pitchFamily="18" charset="0"/>
+                          </a:rPr>
+                          <m:t>−</m:t>
+                        </m:r>
+                        <m:sSub>
+                          <m:sSubPr>
+                            <m:ctrlPr>
+                              <a:rPr lang="en-US" sz="2000" i="1">
+                                <a:effectLst/>
+                                <a:latin typeface="Cambria Math" panose="02040503050406030204" pitchFamily="18" charset="0"/>
+                                <a:ea typeface="SimSun" panose="02010600030101010101" pitchFamily="2" charset="-122"/>
+                                <a:cs typeface="Times New Roman" panose="02020603050405020304" pitchFamily="18" charset="0"/>
+                              </a:rPr>
+                            </m:ctrlPr>
+                          </m:sSubPr>
+                          <m:e>
+                            <m:r>
+                              <a:rPr lang="en-US" sz="2000" i="1">
+                                <a:effectLst/>
+                                <a:latin typeface="Cambria Math" panose="02040503050406030204" pitchFamily="18" charset="0"/>
+                                <a:ea typeface="SimSun" panose="02010600030101010101" pitchFamily="2" charset="-122"/>
+                                <a:cs typeface="Times New Roman" panose="02020603050405020304" pitchFamily="18" charset="0"/>
+                              </a:rPr>
+                              <m:t>𝜉</m:t>
+                            </m:r>
+                          </m:e>
+                          <m:sub>
+                            <m:r>
+                              <a:rPr lang="en-US" sz="2000" i="1">
+                                <a:effectLst/>
+                                <a:latin typeface="Cambria Math" panose="02040503050406030204" pitchFamily="18" charset="0"/>
+                                <a:ea typeface="SimSun" panose="02010600030101010101" pitchFamily="2" charset="-122"/>
+                                <a:cs typeface="Times New Roman" panose="02020603050405020304" pitchFamily="18" charset="0"/>
+                              </a:rPr>
+                              <m:t>𝑖</m:t>
+                            </m:r>
+                          </m:sub>
+                        </m:sSub>
+                      </m:e>
+                    </m:d>
+                    <m:r>
+                      <a:rPr lang="en-US" sz="2000" i="1">
+                        <a:effectLst/>
+                        <a:latin typeface="Cambria Math" panose="02040503050406030204" pitchFamily="18" charset="0"/>
+                        <a:ea typeface="SimSun" panose="02010600030101010101" pitchFamily="2" charset="-122"/>
+                        <a:cs typeface="Times New Roman" panose="02020603050405020304" pitchFamily="18" charset="0"/>
+                      </a:rPr>
+                      <m:t>=0</m:t>
+                    </m:r>
+                  </m:oMath>
+                </a14:m>
+                <a:r>
+                  <a:rPr lang="en-US" sz="2000" dirty="0">
+                    <a:effectLst/>
+                    <a:latin typeface="Times New Roman" panose="02020603050405020304" pitchFamily="18" charset="0"/>
+                    <a:ea typeface="SimSun" panose="02010600030101010101" pitchFamily="2" charset="-122"/>
+                    <a:cs typeface="Times New Roman" panose="02020603050405020304" pitchFamily="18" charset="0"/>
+                  </a:rPr>
+                  <a:t>. Due to </a:t>
+                </a:r>
+                <a:r>
+                  <a:rPr lang="en-US" sz="2000" i="1" dirty="0" err="1">
+                    <a:effectLst/>
+                    <a:latin typeface="Times New Roman" panose="02020603050405020304" pitchFamily="18" charset="0"/>
+                    <a:ea typeface="SimSun" panose="02010600030101010101" pitchFamily="2" charset="-122"/>
+                    <a:cs typeface="Times New Roman" panose="02020603050405020304" pitchFamily="18" charset="0"/>
+                  </a:rPr>
+                  <a:t>μ</a:t>
+                </a:r>
+                <a:r>
+                  <a:rPr lang="en-US" sz="2000" i="1" baseline="-25000" dirty="0" err="1">
+                    <a:effectLst/>
+                    <a:latin typeface="Times New Roman" panose="02020603050405020304" pitchFamily="18" charset="0"/>
+                    <a:ea typeface="SimSun" panose="02010600030101010101" pitchFamily="2" charset="-122"/>
+                    <a:cs typeface="Times New Roman" panose="02020603050405020304" pitchFamily="18" charset="0"/>
+                  </a:rPr>
+                  <a:t>i</a:t>
+                </a:r>
+                <a:r>
+                  <a:rPr lang="en-US" sz="2000" dirty="0">
+                    <a:effectLst/>
+                    <a:latin typeface="Times New Roman" panose="02020603050405020304" pitchFamily="18" charset="0"/>
+                    <a:ea typeface="SimSun" panose="02010600030101010101" pitchFamily="2" charset="-122"/>
+                    <a:cs typeface="Times New Roman" panose="02020603050405020304" pitchFamily="18" charset="0"/>
+                  </a:rPr>
+                  <a:t> = </a:t>
+                </a:r>
+                <a:r>
+                  <a:rPr lang="en-US" sz="2000" i="1" dirty="0">
+                    <a:effectLst/>
+                    <a:latin typeface="Times New Roman" panose="02020603050405020304" pitchFamily="18" charset="0"/>
+                    <a:ea typeface="SimSun" panose="02010600030101010101" pitchFamily="2" charset="-122"/>
+                    <a:cs typeface="Times New Roman" panose="02020603050405020304" pitchFamily="18" charset="0"/>
+                  </a:rPr>
+                  <a:t>C</a:t>
+                </a:r>
+                <a:r>
+                  <a:rPr lang="en-US" sz="2000" dirty="0">
+                    <a:effectLst/>
+                    <a:latin typeface="Times New Roman" panose="02020603050405020304" pitchFamily="18" charset="0"/>
+                    <a:ea typeface="SimSun" panose="02010600030101010101" pitchFamily="2" charset="-122"/>
+                    <a:cs typeface="Times New Roman" panose="02020603050405020304" pitchFamily="18" charset="0"/>
+                  </a:rPr>
+                  <a:t> – </a:t>
+                </a:r>
+                <a:r>
+                  <a:rPr lang="en-US" sz="2000" i="1" dirty="0" err="1">
+                    <a:effectLst/>
+                    <a:latin typeface="Times New Roman" panose="02020603050405020304" pitchFamily="18" charset="0"/>
+                    <a:ea typeface="SimSun" panose="02010600030101010101" pitchFamily="2" charset="-122"/>
+                    <a:cs typeface="Times New Roman" panose="02020603050405020304" pitchFamily="18" charset="0"/>
+                  </a:rPr>
+                  <a:t>λ</a:t>
+                </a:r>
+                <a:r>
+                  <a:rPr lang="en-US" sz="2000" i="1" baseline="-25000" dirty="0" err="1">
+                    <a:effectLst/>
+                    <a:latin typeface="Times New Roman" panose="02020603050405020304" pitchFamily="18" charset="0"/>
+                    <a:ea typeface="SimSun" panose="02010600030101010101" pitchFamily="2" charset="-122"/>
+                    <a:cs typeface="Times New Roman" panose="02020603050405020304" pitchFamily="18" charset="0"/>
+                  </a:rPr>
+                  <a:t>i</a:t>
+                </a:r>
+                <a:r>
+                  <a:rPr lang="en-US" sz="2000" dirty="0">
+                    <a:effectLst/>
+                    <a:latin typeface="Times New Roman" panose="02020603050405020304" pitchFamily="18" charset="0"/>
+                    <a:ea typeface="SimSun" panose="02010600030101010101" pitchFamily="2" charset="-122"/>
+                    <a:cs typeface="Times New Roman" panose="02020603050405020304" pitchFamily="18" charset="0"/>
+                  </a:rPr>
+                  <a:t> &gt; 0, it implies </a:t>
+                </a:r>
+                <a:r>
+                  <a:rPr lang="en-US" sz="2000" i="1" dirty="0" err="1">
+                    <a:effectLst/>
+                    <a:latin typeface="Times New Roman" panose="02020603050405020304" pitchFamily="18" charset="0"/>
+                    <a:ea typeface="SimSun" panose="02010600030101010101" pitchFamily="2" charset="-122"/>
+                    <a:cs typeface="Times New Roman" panose="02020603050405020304" pitchFamily="18" charset="0"/>
+                  </a:rPr>
+                  <a:t>ξ</a:t>
+                </a:r>
+                <a:r>
+                  <a:rPr lang="en-US" sz="2000" i="1" baseline="-25000" dirty="0" err="1">
+                    <a:effectLst/>
+                    <a:latin typeface="Times New Roman" panose="02020603050405020304" pitchFamily="18" charset="0"/>
+                    <a:ea typeface="SimSun" panose="02010600030101010101" pitchFamily="2" charset="-122"/>
+                    <a:cs typeface="Times New Roman" panose="02020603050405020304" pitchFamily="18" charset="0"/>
+                  </a:rPr>
+                  <a:t>i</a:t>
+                </a:r>
+                <a:r>
+                  <a:rPr lang="en-US" sz="2000" i="1" dirty="0">
+                    <a:effectLst/>
+                    <a:latin typeface="Times New Roman" panose="02020603050405020304" pitchFamily="18" charset="0"/>
+                    <a:ea typeface="SimSun" panose="02010600030101010101" pitchFamily="2" charset="-122"/>
+                    <a:cs typeface="Times New Roman" panose="02020603050405020304" pitchFamily="18" charset="0"/>
+                  </a:rPr>
+                  <a:t>=</a:t>
+                </a:r>
+                <a:r>
+                  <a:rPr lang="en-US" sz="2000" dirty="0">
+                    <a:effectLst/>
+                    <a:latin typeface="Times New Roman" panose="02020603050405020304" pitchFamily="18" charset="0"/>
+                    <a:ea typeface="SimSun" panose="02010600030101010101" pitchFamily="2" charset="-122"/>
+                    <a:cs typeface="Times New Roman" panose="02020603050405020304" pitchFamily="18" charset="0"/>
+                  </a:rPr>
+                  <a:t>0 from equation </a:t>
+                </a:r>
+                <a14:m>
+                  <m:oMath xmlns:m="http://schemas.openxmlformats.org/officeDocument/2006/math">
+                    <m:sSub>
+                      <m:sSubPr>
+                        <m:ctrlPr>
+                          <a:rPr lang="en-US" sz="2000" i="1">
+                            <a:effectLst/>
+                            <a:latin typeface="Cambria Math" panose="02040503050406030204" pitchFamily="18" charset="0"/>
+                            <a:ea typeface="SimSun" panose="02010600030101010101" pitchFamily="2" charset="-122"/>
+                            <a:cs typeface="Times New Roman" panose="02020603050405020304" pitchFamily="18" charset="0"/>
+                          </a:rPr>
+                        </m:ctrlPr>
+                      </m:sSubPr>
+                      <m:e>
+                        <m:sSub>
+                          <m:sSubPr>
+                            <m:ctrlPr>
+                              <a:rPr lang="en-US" sz="2000" i="1">
+                                <a:effectLst/>
+                                <a:latin typeface="Cambria Math" panose="02040503050406030204" pitchFamily="18" charset="0"/>
+                                <a:ea typeface="PMingLiU" panose="02020500000000000000" pitchFamily="18" charset="-120"/>
+                                <a:cs typeface="Times New Roman" panose="02020603050405020304" pitchFamily="18" charset="0"/>
+                              </a:rPr>
+                            </m:ctrlPr>
+                          </m:sSubPr>
+                          <m:e>
+                            <m:r>
+                              <a:rPr lang="en-US" sz="2000" i="1">
+                                <a:effectLst/>
+                                <a:latin typeface="Cambria Math" panose="02040503050406030204" pitchFamily="18" charset="0"/>
+                                <a:ea typeface="SimSun" panose="02010600030101010101" pitchFamily="2" charset="-122"/>
+                                <a:cs typeface="Times New Roman" panose="02020603050405020304" pitchFamily="18" charset="0"/>
+                              </a:rPr>
+                              <m:t>𝜇</m:t>
+                            </m:r>
+                          </m:e>
+                          <m:sub>
+                            <m:r>
+                              <a:rPr lang="en-US" sz="2000" i="1">
+                                <a:effectLst/>
+                                <a:latin typeface="Cambria Math" panose="02040503050406030204" pitchFamily="18" charset="0"/>
+                                <a:ea typeface="SimSun" panose="02010600030101010101" pitchFamily="2" charset="-122"/>
+                                <a:cs typeface="Times New Roman" panose="02020603050405020304" pitchFamily="18" charset="0"/>
+                              </a:rPr>
+                              <m:t>𝑖</m:t>
+                            </m:r>
+                          </m:sub>
+                        </m:sSub>
+                        <m:r>
+                          <a:rPr lang="en-US" sz="2000" i="1">
+                            <a:effectLst/>
+                            <a:latin typeface="Cambria Math" panose="02040503050406030204" pitchFamily="18" charset="0"/>
+                            <a:ea typeface="SimSun" panose="02010600030101010101" pitchFamily="2" charset="-122"/>
+                            <a:cs typeface="Times New Roman" panose="02020603050405020304" pitchFamily="18" charset="0"/>
+                          </a:rPr>
+                          <m:t>𝜉</m:t>
+                        </m:r>
+                      </m:e>
+                      <m:sub>
+                        <m:r>
+                          <a:rPr lang="en-US" sz="2000" i="1">
+                            <a:effectLst/>
+                            <a:latin typeface="Cambria Math" panose="02040503050406030204" pitchFamily="18" charset="0"/>
+                            <a:ea typeface="SimSun" panose="02010600030101010101" pitchFamily="2" charset="-122"/>
+                            <a:cs typeface="Times New Roman" panose="02020603050405020304" pitchFamily="18" charset="0"/>
+                          </a:rPr>
+                          <m:t>𝑖</m:t>
+                        </m:r>
+                      </m:sub>
+                    </m:sSub>
+                    <m:r>
+                      <a:rPr lang="en-US" sz="2000" i="1">
+                        <a:effectLst/>
+                        <a:latin typeface="Cambria Math" panose="02040503050406030204" pitchFamily="18" charset="0"/>
+                        <a:ea typeface="SimSun" panose="02010600030101010101" pitchFamily="2" charset="-122"/>
+                        <a:cs typeface="Times New Roman" panose="02020603050405020304" pitchFamily="18" charset="0"/>
+                      </a:rPr>
+                      <m:t>=0</m:t>
+                    </m:r>
+                  </m:oMath>
+                </a14:m>
+                <a:r>
+                  <a:rPr lang="en-US" sz="2000" dirty="0">
+                    <a:effectLst/>
+                    <a:latin typeface="Times New Roman" panose="02020603050405020304" pitchFamily="18" charset="0"/>
+                    <a:ea typeface="SimSun" panose="02010600030101010101" pitchFamily="2" charset="-122"/>
+                    <a:cs typeface="Times New Roman" panose="02020603050405020304" pitchFamily="18" charset="0"/>
+                  </a:rPr>
+                  <a:t>. It is easy to infer that:</a:t>
+                </a:r>
+              </a:p>
+              <a:p>
+                <a:pPr marL="0" marR="0" lvl="0" indent="0" algn="just">
+                  <a:spcBef>
+                    <a:spcPts val="0"/>
+                  </a:spcBef>
+                  <a:spcAft>
+                    <a:spcPts val="0"/>
+                  </a:spcAft>
+                  <a:buNone/>
+                </a:pPr>
+                <a14:m>
+                  <m:oMathPara xmlns:m="http://schemas.openxmlformats.org/officeDocument/2006/math">
+                    <m:oMathParaPr>
+                      <m:jc m:val="centerGroup"/>
+                    </m:oMathParaPr>
+                    <m:oMath xmlns:m="http://schemas.openxmlformats.org/officeDocument/2006/math">
+                      <m:r>
+                        <a:rPr lang="en-US" sz="2000" smtClean="0">
+                          <a:effectLst/>
+                          <a:latin typeface="Cambria Math" panose="02040503050406030204" pitchFamily="18" charset="0"/>
+                          <a:ea typeface="SimSun" panose="02010600030101010101" pitchFamily="2" charset="-122"/>
+                          <a:cs typeface="Times New Roman" panose="02020603050405020304" pitchFamily="18" charset="0"/>
+                        </a:rPr>
+                        <m:t>1</m:t>
+                      </m:r>
+                      <m:r>
+                        <a:rPr lang="en-US" sz="2000" i="1">
+                          <a:effectLst/>
+                          <a:latin typeface="Cambria Math" panose="02040503050406030204" pitchFamily="18" charset="0"/>
+                          <a:ea typeface="SimSun" panose="02010600030101010101" pitchFamily="2" charset="-122"/>
+                          <a:cs typeface="Times New Roman" panose="02020603050405020304" pitchFamily="18" charset="0"/>
+                        </a:rPr>
+                        <m:t>−</m:t>
+                      </m:r>
+                      <m:sSub>
+                        <m:sSubPr>
+                          <m:ctrlPr>
+                            <a:rPr lang="en-US" sz="2000" i="1">
+                              <a:effectLst/>
+                              <a:latin typeface="Cambria Math" panose="02040503050406030204" pitchFamily="18" charset="0"/>
+                            </a:rPr>
+                          </m:ctrlPr>
+                        </m:sSubPr>
+                        <m:e>
+                          <m:r>
+                            <a:rPr lang="en-US" sz="2000" i="1">
+                              <a:effectLst/>
+                              <a:latin typeface="Cambria Math" panose="02040503050406030204" pitchFamily="18" charset="0"/>
+                              <a:ea typeface="SimSun" panose="02010600030101010101" pitchFamily="2" charset="-122"/>
+                              <a:cs typeface="Times New Roman" panose="02020603050405020304" pitchFamily="18" charset="0"/>
+                            </a:rPr>
+                            <m:t>𝑦</m:t>
+                          </m:r>
+                        </m:e>
+                        <m:sub>
+                          <m:r>
+                            <a:rPr lang="en-US" sz="2000" i="1">
+                              <a:effectLst/>
+                              <a:latin typeface="Cambria Math" panose="02040503050406030204" pitchFamily="18" charset="0"/>
+                              <a:ea typeface="SimSun" panose="02010600030101010101" pitchFamily="2" charset="-122"/>
+                              <a:cs typeface="Times New Roman" panose="02020603050405020304" pitchFamily="18" charset="0"/>
+                            </a:rPr>
+                            <m:t>𝑖</m:t>
+                          </m:r>
+                        </m:sub>
+                      </m:sSub>
+                      <m:d>
+                        <m:dPr>
+                          <m:ctrlPr>
+                            <a:rPr lang="en-US" sz="2000" i="1">
+                              <a:effectLst/>
+                              <a:latin typeface="Cambria Math" panose="02040503050406030204" pitchFamily="18" charset="0"/>
+                            </a:rPr>
+                          </m:ctrlPr>
+                        </m:dPr>
+                        <m:e>
+                          <m:r>
+                            <a:rPr lang="en-US" sz="2000" i="1">
+                              <a:effectLst/>
+                              <a:latin typeface="Cambria Math" panose="02040503050406030204" pitchFamily="18" charset="0"/>
+                              <a:ea typeface="SimSun" panose="02010600030101010101" pitchFamily="2" charset="-122"/>
+                              <a:cs typeface="Times New Roman" panose="02020603050405020304" pitchFamily="18" charset="0"/>
+                            </a:rPr>
+                            <m:t>𝑊</m:t>
+                          </m:r>
+                          <m:r>
+                            <a:rPr lang="en-US" sz="2000">
+                              <a:effectLst/>
+                              <a:latin typeface="Cambria Math" panose="02040503050406030204" pitchFamily="18" charset="0"/>
+                              <a:ea typeface="SimSun" panose="02010600030101010101" pitchFamily="2" charset="-122"/>
+                              <a:cs typeface="Times New Roman" panose="02020603050405020304" pitchFamily="18" charset="0"/>
+                            </a:rPr>
+                            <m:t>∘</m:t>
+                          </m:r>
+                          <m:sSub>
+                            <m:sSubPr>
+                              <m:ctrlPr>
+                                <a:rPr lang="en-US" sz="2000" i="1">
+                                  <a:effectLst/>
+                                  <a:latin typeface="Cambria Math" panose="02040503050406030204" pitchFamily="18" charset="0"/>
+                                </a:rPr>
+                              </m:ctrlPr>
+                            </m:sSubPr>
+                            <m:e>
+                              <m:r>
+                                <a:rPr lang="en-US" sz="2000" i="1">
+                                  <a:effectLst/>
+                                  <a:latin typeface="Cambria Math" panose="02040503050406030204" pitchFamily="18" charset="0"/>
+                                  <a:ea typeface="SimSun" panose="02010600030101010101" pitchFamily="2" charset="-122"/>
+                                  <a:cs typeface="Times New Roman" panose="02020603050405020304" pitchFamily="18" charset="0"/>
+                                </a:rPr>
+                                <m:t>𝑋</m:t>
+                              </m:r>
+                            </m:e>
+                            <m:sub>
+                              <m:r>
+                                <a:rPr lang="en-US" sz="2000" i="1">
+                                  <a:effectLst/>
+                                  <a:latin typeface="Cambria Math" panose="02040503050406030204" pitchFamily="18" charset="0"/>
+                                  <a:ea typeface="SimSun" panose="02010600030101010101" pitchFamily="2" charset="-122"/>
+                                  <a:cs typeface="Times New Roman" panose="02020603050405020304" pitchFamily="18" charset="0"/>
+                                </a:rPr>
+                                <m:t>𝑖</m:t>
+                              </m:r>
+                            </m:sub>
+                          </m:sSub>
+                          <m:r>
+                            <a:rPr lang="en-US" sz="2000" i="1">
+                              <a:effectLst/>
+                              <a:latin typeface="Cambria Math" panose="02040503050406030204" pitchFamily="18" charset="0"/>
+                              <a:ea typeface="SimSun" panose="02010600030101010101" pitchFamily="2" charset="-122"/>
+                              <a:cs typeface="Times New Roman" panose="02020603050405020304" pitchFamily="18" charset="0"/>
+                            </a:rPr>
+                            <m:t>−</m:t>
+                          </m:r>
+                          <m:r>
+                            <a:rPr lang="en-US" sz="2000" i="1">
+                              <a:effectLst/>
+                              <a:latin typeface="Cambria Math" panose="02040503050406030204" pitchFamily="18" charset="0"/>
+                              <a:ea typeface="SimSun" panose="02010600030101010101" pitchFamily="2" charset="-122"/>
+                              <a:cs typeface="Times New Roman" panose="02020603050405020304" pitchFamily="18" charset="0"/>
+                            </a:rPr>
+                            <m:t>𝑏</m:t>
+                          </m:r>
+                        </m:e>
+                      </m:d>
+                      <m:r>
+                        <a:rPr lang="en-US" sz="2000">
+                          <a:effectLst/>
+                          <a:latin typeface="Cambria Math" panose="02040503050406030204" pitchFamily="18" charset="0"/>
+                          <a:ea typeface="SimSun" panose="02010600030101010101" pitchFamily="2" charset="-122"/>
+                          <a:cs typeface="Times New Roman" panose="02020603050405020304" pitchFamily="18" charset="0"/>
+                        </a:rPr>
+                        <m:t>=0</m:t>
+                      </m:r>
+                    </m:oMath>
+                  </m:oMathPara>
+                </a14:m>
+                <a:endParaRPr lang="en-US" sz="2000" dirty="0">
+                  <a:effectLst/>
+                  <a:latin typeface="Times New Roman" panose="02020603050405020304" pitchFamily="18" charset="0"/>
+                  <a:ea typeface="SimSun" panose="02010600030101010101" pitchFamily="2" charset="-122"/>
+                  <a:cs typeface="Times New Roman" panose="02020603050405020304" pitchFamily="18" charset="0"/>
+                </a:endParaRPr>
+              </a:p>
+              <a:p>
+                <a:pPr marL="342900" marR="0" lvl="0" indent="-342900" algn="just">
+                  <a:spcBef>
+                    <a:spcPts val="0"/>
+                  </a:spcBef>
+                  <a:spcAft>
+                    <a:spcPts val="0"/>
+                  </a:spcAft>
+                  <a:buFont typeface="+mj-lt"/>
+                  <a:buAutoNum type="arabicPeriod" startAt="3"/>
+                </a:pPr>
+                <a:r>
+                  <a:rPr lang="en-US" sz="2000" dirty="0">
+                    <a:effectLst/>
+                    <a:latin typeface="Times New Roman" panose="02020603050405020304" pitchFamily="18" charset="0"/>
+                    <a:ea typeface="SimSun" panose="02010600030101010101" pitchFamily="2" charset="-122"/>
+                    <a:cs typeface="Times New Roman" panose="02020603050405020304" pitchFamily="18" charset="0"/>
+                  </a:rPr>
+                  <a:t>If </a:t>
+                </a:r>
+                <a:r>
+                  <a:rPr lang="en-US" sz="2000" i="1" dirty="0" err="1">
+                    <a:effectLst/>
+                    <a:latin typeface="Times New Roman" panose="02020603050405020304" pitchFamily="18" charset="0"/>
+                    <a:ea typeface="SimSun" panose="02010600030101010101" pitchFamily="2" charset="-122"/>
+                    <a:cs typeface="Times New Roman" panose="02020603050405020304" pitchFamily="18" charset="0"/>
+                  </a:rPr>
+                  <a:t>λ</a:t>
+                </a:r>
+                <a:r>
+                  <a:rPr lang="en-US" sz="2000" i="1" baseline="-25000" dirty="0" err="1">
+                    <a:effectLst/>
+                    <a:latin typeface="Times New Roman" panose="02020603050405020304" pitchFamily="18" charset="0"/>
+                    <a:ea typeface="SimSun" panose="02010600030101010101" pitchFamily="2" charset="-122"/>
+                    <a:cs typeface="Times New Roman" panose="02020603050405020304" pitchFamily="18" charset="0"/>
+                  </a:rPr>
+                  <a:t>i</a:t>
+                </a:r>
+                <a:r>
+                  <a:rPr lang="en-US" sz="2000" i="1" dirty="0">
+                    <a:effectLst/>
+                    <a:latin typeface="Times New Roman" panose="02020603050405020304" pitchFamily="18" charset="0"/>
+                    <a:ea typeface="SimSun" panose="02010600030101010101" pitchFamily="2" charset="-122"/>
+                    <a:cs typeface="Times New Roman" panose="02020603050405020304" pitchFamily="18" charset="0"/>
+                  </a:rPr>
+                  <a:t>=C</a:t>
+                </a:r>
+                <a:r>
+                  <a:rPr lang="en-US" sz="2000" dirty="0">
+                    <a:effectLst/>
+                    <a:latin typeface="Times New Roman" panose="02020603050405020304" pitchFamily="18" charset="0"/>
+                    <a:ea typeface="SimSun" panose="02010600030101010101" pitchFamily="2" charset="-122"/>
+                    <a:cs typeface="Times New Roman" panose="02020603050405020304" pitchFamily="18" charset="0"/>
+                  </a:rPr>
+                  <a:t> then, we have </a:t>
+                </a:r>
+                <a:r>
+                  <a:rPr lang="en-US" sz="2000" i="1" dirty="0" err="1">
+                    <a:effectLst/>
+                    <a:latin typeface="Times New Roman" panose="02020603050405020304" pitchFamily="18" charset="0"/>
+                    <a:ea typeface="SimSun" panose="02010600030101010101" pitchFamily="2" charset="-122"/>
+                    <a:cs typeface="Times New Roman" panose="02020603050405020304" pitchFamily="18" charset="0"/>
+                  </a:rPr>
+                  <a:t>μ</a:t>
+                </a:r>
+                <a:r>
+                  <a:rPr lang="en-US" sz="2000" i="1" baseline="-25000" dirty="0" err="1">
+                    <a:effectLst/>
+                    <a:latin typeface="Times New Roman" panose="02020603050405020304" pitchFamily="18" charset="0"/>
+                    <a:ea typeface="SimSun" panose="02010600030101010101" pitchFamily="2" charset="-122"/>
+                    <a:cs typeface="Times New Roman" panose="02020603050405020304" pitchFamily="18" charset="0"/>
+                  </a:rPr>
+                  <a:t>i</a:t>
+                </a:r>
+                <a:r>
+                  <a:rPr lang="en-US" sz="2000" dirty="0">
+                    <a:effectLst/>
+                    <a:latin typeface="Times New Roman" panose="02020603050405020304" pitchFamily="18" charset="0"/>
+                    <a:ea typeface="SimSun" panose="02010600030101010101" pitchFamily="2" charset="-122"/>
+                    <a:cs typeface="Times New Roman" panose="02020603050405020304" pitchFamily="18" charset="0"/>
+                  </a:rPr>
+                  <a:t> = </a:t>
+                </a:r>
+                <a:r>
+                  <a:rPr lang="en-US" sz="2000" i="1" dirty="0">
+                    <a:effectLst/>
+                    <a:latin typeface="Times New Roman" panose="02020603050405020304" pitchFamily="18" charset="0"/>
+                    <a:ea typeface="SimSun" panose="02010600030101010101" pitchFamily="2" charset="-122"/>
+                    <a:cs typeface="Times New Roman" panose="02020603050405020304" pitchFamily="18" charset="0"/>
+                  </a:rPr>
+                  <a:t>C</a:t>
+                </a:r>
+                <a:r>
+                  <a:rPr lang="en-US" sz="2000" dirty="0">
+                    <a:effectLst/>
+                    <a:latin typeface="Times New Roman" panose="02020603050405020304" pitchFamily="18" charset="0"/>
+                    <a:ea typeface="SimSun" panose="02010600030101010101" pitchFamily="2" charset="-122"/>
+                    <a:cs typeface="Times New Roman" panose="02020603050405020304" pitchFamily="18" charset="0"/>
+                  </a:rPr>
+                  <a:t> – </a:t>
+                </a:r>
+                <a:r>
+                  <a:rPr lang="en-US" sz="2000" i="1" dirty="0" err="1">
+                    <a:effectLst/>
+                    <a:latin typeface="Times New Roman" panose="02020603050405020304" pitchFamily="18" charset="0"/>
+                    <a:ea typeface="SimSun" panose="02010600030101010101" pitchFamily="2" charset="-122"/>
+                    <a:cs typeface="Times New Roman" panose="02020603050405020304" pitchFamily="18" charset="0"/>
+                  </a:rPr>
+                  <a:t>λ</a:t>
+                </a:r>
+                <a:r>
+                  <a:rPr lang="en-US" sz="2000" i="1" baseline="-25000" dirty="0" err="1">
+                    <a:effectLst/>
+                    <a:latin typeface="Times New Roman" panose="02020603050405020304" pitchFamily="18" charset="0"/>
+                    <a:ea typeface="SimSun" panose="02010600030101010101" pitchFamily="2" charset="-122"/>
+                    <a:cs typeface="Times New Roman" panose="02020603050405020304" pitchFamily="18" charset="0"/>
+                  </a:rPr>
+                  <a:t>i</a:t>
+                </a:r>
+                <a:r>
+                  <a:rPr lang="en-US" sz="2000" dirty="0">
+                    <a:effectLst/>
+                    <a:latin typeface="Times New Roman" panose="02020603050405020304" pitchFamily="18" charset="0"/>
+                    <a:ea typeface="SimSun" panose="02010600030101010101" pitchFamily="2" charset="-122"/>
+                    <a:cs typeface="Times New Roman" panose="02020603050405020304" pitchFamily="18" charset="0"/>
+                  </a:rPr>
+                  <a:t> = 0 and </a:t>
+                </a:r>
+                <a14:m>
+                  <m:oMath xmlns:m="http://schemas.openxmlformats.org/officeDocument/2006/math">
+                    <m:r>
+                      <a:rPr lang="en-US" sz="2000" i="1">
+                        <a:effectLst/>
+                        <a:latin typeface="Cambria Math" panose="02040503050406030204" pitchFamily="18" charset="0"/>
+                        <a:ea typeface="SimSun" panose="02010600030101010101" pitchFamily="2" charset="-122"/>
+                        <a:cs typeface="Times New Roman" panose="02020603050405020304" pitchFamily="18" charset="0"/>
+                      </a:rPr>
+                      <m:t>1−</m:t>
+                    </m:r>
+                    <m:sSub>
+                      <m:sSubPr>
+                        <m:ctrlPr>
+                          <a:rPr lang="en-US" sz="2000" i="1">
+                            <a:effectLst/>
+                            <a:latin typeface="Cambria Math" panose="02040503050406030204" pitchFamily="18" charset="0"/>
+                            <a:ea typeface="SimSun" panose="02010600030101010101" pitchFamily="2" charset="-122"/>
+                            <a:cs typeface="Times New Roman" panose="02020603050405020304" pitchFamily="18" charset="0"/>
+                          </a:rPr>
+                        </m:ctrlPr>
+                      </m:sSubPr>
+                      <m:e>
+                        <m:r>
+                          <a:rPr lang="en-US" sz="2000" i="1">
+                            <a:effectLst/>
+                            <a:latin typeface="Cambria Math" panose="02040503050406030204" pitchFamily="18" charset="0"/>
+                            <a:ea typeface="SimSun" panose="02010600030101010101" pitchFamily="2" charset="-122"/>
+                            <a:cs typeface="Times New Roman" panose="02020603050405020304" pitchFamily="18" charset="0"/>
+                          </a:rPr>
+                          <m:t>𝑦</m:t>
+                        </m:r>
+                      </m:e>
+                      <m:sub>
+                        <m:r>
+                          <a:rPr lang="en-US" sz="2000" i="1">
+                            <a:effectLst/>
+                            <a:latin typeface="Cambria Math" panose="02040503050406030204" pitchFamily="18" charset="0"/>
+                            <a:ea typeface="SimSun" panose="02010600030101010101" pitchFamily="2" charset="-122"/>
+                            <a:cs typeface="Times New Roman" panose="02020603050405020304" pitchFamily="18" charset="0"/>
+                          </a:rPr>
+                          <m:t>𝑖</m:t>
+                        </m:r>
+                      </m:sub>
+                    </m:sSub>
+                    <m:d>
+                      <m:dPr>
+                        <m:ctrlPr>
+                          <a:rPr lang="en-US" sz="2000" i="1">
+                            <a:effectLst/>
+                            <a:latin typeface="Cambria Math" panose="02040503050406030204" pitchFamily="18" charset="0"/>
+                            <a:ea typeface="SimSun" panose="02010600030101010101" pitchFamily="2" charset="-122"/>
+                            <a:cs typeface="Times New Roman" panose="02020603050405020304" pitchFamily="18" charset="0"/>
+                          </a:rPr>
+                        </m:ctrlPr>
+                      </m:dPr>
+                      <m:e>
+                        <m:r>
+                          <a:rPr lang="en-US" sz="2000" i="1">
+                            <a:effectLst/>
+                            <a:latin typeface="Cambria Math" panose="02040503050406030204" pitchFamily="18" charset="0"/>
+                            <a:ea typeface="SimSun" panose="02010600030101010101" pitchFamily="2" charset="-122"/>
+                            <a:cs typeface="Times New Roman" panose="02020603050405020304" pitchFamily="18" charset="0"/>
+                          </a:rPr>
+                          <m:t>𝑊</m:t>
+                        </m:r>
+                        <m:r>
+                          <a:rPr lang="en-US" sz="2000" i="1">
+                            <a:effectLst/>
+                            <a:latin typeface="Cambria Math" panose="02040503050406030204" pitchFamily="18" charset="0"/>
+                            <a:ea typeface="SimSun" panose="02010600030101010101" pitchFamily="2" charset="-122"/>
+                            <a:cs typeface="Times New Roman" panose="02020603050405020304" pitchFamily="18" charset="0"/>
+                          </a:rPr>
+                          <m:t>∘</m:t>
+                        </m:r>
+                        <m:sSub>
+                          <m:sSubPr>
+                            <m:ctrlPr>
+                              <a:rPr lang="en-US" sz="2000" i="1">
+                                <a:effectLst/>
+                                <a:latin typeface="Cambria Math" panose="02040503050406030204" pitchFamily="18" charset="0"/>
+                                <a:ea typeface="SimSun" panose="02010600030101010101" pitchFamily="2" charset="-122"/>
+                                <a:cs typeface="Times New Roman" panose="02020603050405020304" pitchFamily="18" charset="0"/>
+                              </a:rPr>
+                            </m:ctrlPr>
+                          </m:sSubPr>
+                          <m:e>
+                            <m:r>
+                              <a:rPr lang="en-US" sz="2000" i="1">
+                                <a:effectLst/>
+                                <a:latin typeface="Cambria Math" panose="02040503050406030204" pitchFamily="18" charset="0"/>
+                                <a:ea typeface="SimSun" panose="02010600030101010101" pitchFamily="2" charset="-122"/>
+                                <a:cs typeface="Times New Roman" panose="02020603050405020304" pitchFamily="18" charset="0"/>
+                              </a:rPr>
+                              <m:t>𝑋</m:t>
+                            </m:r>
+                          </m:e>
+                          <m:sub>
+                            <m:r>
+                              <a:rPr lang="en-US" sz="2000" i="1">
+                                <a:effectLst/>
+                                <a:latin typeface="Cambria Math" panose="02040503050406030204" pitchFamily="18" charset="0"/>
+                                <a:ea typeface="SimSun" panose="02010600030101010101" pitchFamily="2" charset="-122"/>
+                                <a:cs typeface="Times New Roman" panose="02020603050405020304" pitchFamily="18" charset="0"/>
+                              </a:rPr>
+                              <m:t>𝑖</m:t>
+                            </m:r>
+                          </m:sub>
+                        </m:sSub>
+                        <m:r>
+                          <a:rPr lang="en-US" sz="2000" i="1">
+                            <a:effectLst/>
+                            <a:latin typeface="Cambria Math" panose="02040503050406030204" pitchFamily="18" charset="0"/>
+                            <a:ea typeface="SimSun" panose="02010600030101010101" pitchFamily="2" charset="-122"/>
+                            <a:cs typeface="Times New Roman" panose="02020603050405020304" pitchFamily="18" charset="0"/>
+                          </a:rPr>
+                          <m:t>−</m:t>
+                        </m:r>
+                        <m:r>
+                          <a:rPr lang="en-US" sz="2000" i="1">
+                            <a:effectLst/>
+                            <a:latin typeface="Cambria Math" panose="02040503050406030204" pitchFamily="18" charset="0"/>
+                            <a:ea typeface="SimSun" panose="02010600030101010101" pitchFamily="2" charset="-122"/>
+                            <a:cs typeface="Times New Roman" panose="02020603050405020304" pitchFamily="18" charset="0"/>
+                          </a:rPr>
+                          <m:t>𝑏</m:t>
+                        </m:r>
+                      </m:e>
+                    </m:d>
+                    <m:r>
+                      <a:rPr lang="en-US" sz="2000" i="1">
+                        <a:effectLst/>
+                        <a:latin typeface="Cambria Math" panose="02040503050406030204" pitchFamily="18" charset="0"/>
+                        <a:ea typeface="SimSun" panose="02010600030101010101" pitchFamily="2" charset="-122"/>
+                        <a:cs typeface="Times New Roman" panose="02020603050405020304" pitchFamily="18" charset="0"/>
+                      </a:rPr>
+                      <m:t>−</m:t>
+                    </m:r>
+                    <m:sSub>
+                      <m:sSubPr>
+                        <m:ctrlPr>
+                          <a:rPr lang="en-US" sz="2000" i="1">
+                            <a:effectLst/>
+                            <a:latin typeface="Cambria Math" panose="02040503050406030204" pitchFamily="18" charset="0"/>
+                            <a:ea typeface="SimSun" panose="02010600030101010101" pitchFamily="2" charset="-122"/>
+                            <a:cs typeface="Times New Roman" panose="02020603050405020304" pitchFamily="18" charset="0"/>
+                          </a:rPr>
+                        </m:ctrlPr>
+                      </m:sSubPr>
+                      <m:e>
+                        <m:r>
+                          <a:rPr lang="en-US" sz="2000" i="1">
+                            <a:effectLst/>
+                            <a:latin typeface="Cambria Math" panose="02040503050406030204" pitchFamily="18" charset="0"/>
+                            <a:ea typeface="SimSun" panose="02010600030101010101" pitchFamily="2" charset="-122"/>
+                            <a:cs typeface="Times New Roman" panose="02020603050405020304" pitchFamily="18" charset="0"/>
+                          </a:rPr>
+                          <m:t>𝜉</m:t>
+                        </m:r>
+                      </m:e>
+                      <m:sub>
+                        <m:r>
+                          <a:rPr lang="en-US" sz="2000" i="1">
+                            <a:effectLst/>
+                            <a:latin typeface="Cambria Math" panose="02040503050406030204" pitchFamily="18" charset="0"/>
+                            <a:ea typeface="SimSun" panose="02010600030101010101" pitchFamily="2" charset="-122"/>
+                            <a:cs typeface="Times New Roman" panose="02020603050405020304" pitchFamily="18" charset="0"/>
+                          </a:rPr>
+                          <m:t>𝑖</m:t>
+                        </m:r>
+                      </m:sub>
+                    </m:sSub>
+                    <m:r>
+                      <a:rPr lang="en-US" sz="2000" i="1">
+                        <a:effectLst/>
+                        <a:latin typeface="Cambria Math" panose="02040503050406030204" pitchFamily="18" charset="0"/>
+                        <a:ea typeface="SimSun" panose="02010600030101010101" pitchFamily="2" charset="-122"/>
+                        <a:cs typeface="Times New Roman" panose="02020603050405020304" pitchFamily="18" charset="0"/>
+                      </a:rPr>
+                      <m:t>=0</m:t>
+                    </m:r>
+                  </m:oMath>
+                </a14:m>
+                <a:r>
+                  <a:rPr lang="en-US" sz="2000" dirty="0">
+                    <a:effectLst/>
+                    <a:latin typeface="Times New Roman" panose="02020603050405020304" pitchFamily="18" charset="0"/>
+                    <a:ea typeface="SimSun" panose="02010600030101010101" pitchFamily="2" charset="-122"/>
+                    <a:cs typeface="Times New Roman" panose="02020603050405020304" pitchFamily="18" charset="0"/>
+                  </a:rPr>
+                  <a:t> due to the complementary slackness </a:t>
+                </a:r>
+                <a14:m>
+                  <m:oMath xmlns:m="http://schemas.openxmlformats.org/officeDocument/2006/math">
+                    <m:sSub>
+                      <m:sSubPr>
+                        <m:ctrlPr>
+                          <a:rPr lang="en-US" sz="2000" i="1">
+                            <a:effectLst/>
+                            <a:latin typeface="Cambria Math" panose="02040503050406030204" pitchFamily="18" charset="0"/>
+                            <a:ea typeface="SimSun" panose="02010600030101010101" pitchFamily="2" charset="-122"/>
+                            <a:cs typeface="Times New Roman" panose="02020603050405020304" pitchFamily="18" charset="0"/>
+                          </a:rPr>
+                        </m:ctrlPr>
+                      </m:sSubPr>
+                      <m:e>
+                        <m:r>
+                          <a:rPr lang="en-US" sz="2000" i="1">
+                            <a:effectLst/>
+                            <a:latin typeface="Cambria Math" panose="02040503050406030204" pitchFamily="18" charset="0"/>
+                            <a:ea typeface="SimSun" panose="02010600030101010101" pitchFamily="2" charset="-122"/>
+                            <a:cs typeface="Times New Roman" panose="02020603050405020304" pitchFamily="18" charset="0"/>
+                          </a:rPr>
+                          <m:t>𝜆</m:t>
+                        </m:r>
+                      </m:e>
+                      <m:sub>
+                        <m:r>
+                          <a:rPr lang="en-US" sz="2000" i="1">
+                            <a:effectLst/>
+                            <a:latin typeface="Cambria Math" panose="02040503050406030204" pitchFamily="18" charset="0"/>
+                            <a:ea typeface="SimSun" panose="02010600030101010101" pitchFamily="2" charset="-122"/>
+                            <a:cs typeface="Times New Roman" panose="02020603050405020304" pitchFamily="18" charset="0"/>
+                          </a:rPr>
+                          <m:t>𝑖</m:t>
+                        </m:r>
+                      </m:sub>
+                    </m:sSub>
+                    <m:d>
+                      <m:dPr>
+                        <m:ctrlPr>
+                          <a:rPr lang="en-US" sz="2000" i="1">
+                            <a:effectLst/>
+                            <a:latin typeface="Cambria Math" panose="02040503050406030204" pitchFamily="18" charset="0"/>
+                            <a:ea typeface="SimSun" panose="02010600030101010101" pitchFamily="2" charset="-122"/>
+                            <a:cs typeface="Times New Roman" panose="02020603050405020304" pitchFamily="18" charset="0"/>
+                          </a:rPr>
+                        </m:ctrlPr>
+                      </m:dPr>
+                      <m:e>
+                        <m:r>
+                          <a:rPr lang="en-US" sz="2000" i="1">
+                            <a:effectLst/>
+                            <a:latin typeface="Cambria Math" panose="02040503050406030204" pitchFamily="18" charset="0"/>
+                            <a:ea typeface="SimSun" panose="02010600030101010101" pitchFamily="2" charset="-122"/>
+                            <a:cs typeface="Times New Roman" panose="02020603050405020304" pitchFamily="18" charset="0"/>
+                          </a:rPr>
+                          <m:t>1−</m:t>
+                        </m:r>
+                        <m:sSub>
+                          <m:sSubPr>
+                            <m:ctrlPr>
+                              <a:rPr lang="en-US" sz="2000" i="1">
+                                <a:effectLst/>
+                                <a:latin typeface="Cambria Math" panose="02040503050406030204" pitchFamily="18" charset="0"/>
+                                <a:ea typeface="SimSun" panose="02010600030101010101" pitchFamily="2" charset="-122"/>
+                                <a:cs typeface="Times New Roman" panose="02020603050405020304" pitchFamily="18" charset="0"/>
+                              </a:rPr>
+                            </m:ctrlPr>
+                          </m:sSubPr>
+                          <m:e>
+                            <m:r>
+                              <a:rPr lang="en-US" sz="2000" i="1">
+                                <a:effectLst/>
+                                <a:latin typeface="Cambria Math" panose="02040503050406030204" pitchFamily="18" charset="0"/>
+                                <a:ea typeface="SimSun" panose="02010600030101010101" pitchFamily="2" charset="-122"/>
+                                <a:cs typeface="Times New Roman" panose="02020603050405020304" pitchFamily="18" charset="0"/>
+                              </a:rPr>
+                              <m:t>𝑦</m:t>
+                            </m:r>
+                          </m:e>
+                          <m:sub>
+                            <m:r>
+                              <a:rPr lang="en-US" sz="2000" i="1">
+                                <a:effectLst/>
+                                <a:latin typeface="Cambria Math" panose="02040503050406030204" pitchFamily="18" charset="0"/>
+                                <a:ea typeface="SimSun" panose="02010600030101010101" pitchFamily="2" charset="-122"/>
+                                <a:cs typeface="Times New Roman" panose="02020603050405020304" pitchFamily="18" charset="0"/>
+                              </a:rPr>
+                              <m:t>𝑖</m:t>
+                            </m:r>
+                          </m:sub>
+                        </m:sSub>
+                        <m:d>
+                          <m:dPr>
+                            <m:ctrlPr>
+                              <a:rPr lang="en-US" sz="2000" i="1">
+                                <a:effectLst/>
+                                <a:latin typeface="Cambria Math" panose="02040503050406030204" pitchFamily="18" charset="0"/>
+                                <a:ea typeface="SimSun" panose="02010600030101010101" pitchFamily="2" charset="-122"/>
+                                <a:cs typeface="Times New Roman" panose="02020603050405020304" pitchFamily="18" charset="0"/>
+                              </a:rPr>
+                            </m:ctrlPr>
+                          </m:dPr>
+                          <m:e>
+                            <m:r>
+                              <a:rPr lang="en-US" sz="2000" i="1">
+                                <a:effectLst/>
+                                <a:latin typeface="Cambria Math" panose="02040503050406030204" pitchFamily="18" charset="0"/>
+                                <a:ea typeface="SimSun" panose="02010600030101010101" pitchFamily="2" charset="-122"/>
+                                <a:cs typeface="Times New Roman" panose="02020603050405020304" pitchFamily="18" charset="0"/>
+                              </a:rPr>
+                              <m:t>𝑊</m:t>
+                            </m:r>
+                            <m:r>
+                              <a:rPr lang="en-US" sz="2000" i="1">
+                                <a:effectLst/>
+                                <a:latin typeface="Cambria Math" panose="02040503050406030204" pitchFamily="18" charset="0"/>
+                                <a:ea typeface="SimSun" panose="02010600030101010101" pitchFamily="2" charset="-122"/>
+                                <a:cs typeface="Times New Roman" panose="02020603050405020304" pitchFamily="18" charset="0"/>
+                              </a:rPr>
+                              <m:t>∘</m:t>
+                            </m:r>
+                            <m:sSub>
+                              <m:sSubPr>
+                                <m:ctrlPr>
+                                  <a:rPr lang="en-US" sz="2000" i="1">
+                                    <a:effectLst/>
+                                    <a:latin typeface="Cambria Math" panose="02040503050406030204" pitchFamily="18" charset="0"/>
+                                    <a:ea typeface="SimSun" panose="02010600030101010101" pitchFamily="2" charset="-122"/>
+                                    <a:cs typeface="Times New Roman" panose="02020603050405020304" pitchFamily="18" charset="0"/>
+                                  </a:rPr>
+                                </m:ctrlPr>
+                              </m:sSubPr>
+                              <m:e>
+                                <m:r>
+                                  <a:rPr lang="en-US" sz="2000" i="1">
+                                    <a:effectLst/>
+                                    <a:latin typeface="Cambria Math" panose="02040503050406030204" pitchFamily="18" charset="0"/>
+                                    <a:ea typeface="SimSun" panose="02010600030101010101" pitchFamily="2" charset="-122"/>
+                                    <a:cs typeface="Times New Roman" panose="02020603050405020304" pitchFamily="18" charset="0"/>
+                                  </a:rPr>
+                                  <m:t>𝑋</m:t>
+                                </m:r>
+                              </m:e>
+                              <m:sub>
+                                <m:r>
+                                  <a:rPr lang="en-US" sz="2000" i="1">
+                                    <a:effectLst/>
+                                    <a:latin typeface="Cambria Math" panose="02040503050406030204" pitchFamily="18" charset="0"/>
+                                    <a:ea typeface="SimSun" panose="02010600030101010101" pitchFamily="2" charset="-122"/>
+                                    <a:cs typeface="Times New Roman" panose="02020603050405020304" pitchFamily="18" charset="0"/>
+                                  </a:rPr>
+                                  <m:t>𝑖</m:t>
+                                </m:r>
+                              </m:sub>
+                            </m:sSub>
+                            <m:r>
+                              <a:rPr lang="en-US" sz="2000" i="1">
+                                <a:effectLst/>
+                                <a:latin typeface="Cambria Math" panose="02040503050406030204" pitchFamily="18" charset="0"/>
+                                <a:ea typeface="SimSun" panose="02010600030101010101" pitchFamily="2" charset="-122"/>
+                                <a:cs typeface="Times New Roman" panose="02020603050405020304" pitchFamily="18" charset="0"/>
+                              </a:rPr>
+                              <m:t>−</m:t>
+                            </m:r>
+                            <m:r>
+                              <a:rPr lang="en-US" sz="2000" i="1">
+                                <a:effectLst/>
+                                <a:latin typeface="Cambria Math" panose="02040503050406030204" pitchFamily="18" charset="0"/>
+                                <a:ea typeface="SimSun" panose="02010600030101010101" pitchFamily="2" charset="-122"/>
+                                <a:cs typeface="Times New Roman" panose="02020603050405020304" pitchFamily="18" charset="0"/>
+                              </a:rPr>
+                              <m:t>𝑏</m:t>
+                            </m:r>
+                          </m:e>
+                        </m:d>
+                        <m:r>
+                          <a:rPr lang="en-US" sz="2000" i="1">
+                            <a:effectLst/>
+                            <a:latin typeface="Cambria Math" panose="02040503050406030204" pitchFamily="18" charset="0"/>
+                            <a:ea typeface="SimSun" panose="02010600030101010101" pitchFamily="2" charset="-122"/>
+                            <a:cs typeface="Times New Roman" panose="02020603050405020304" pitchFamily="18" charset="0"/>
+                          </a:rPr>
+                          <m:t>−</m:t>
+                        </m:r>
+                        <m:sSub>
+                          <m:sSubPr>
+                            <m:ctrlPr>
+                              <a:rPr lang="en-US" sz="2000" i="1">
+                                <a:effectLst/>
+                                <a:latin typeface="Cambria Math" panose="02040503050406030204" pitchFamily="18" charset="0"/>
+                                <a:ea typeface="SimSun" panose="02010600030101010101" pitchFamily="2" charset="-122"/>
+                                <a:cs typeface="Times New Roman" panose="02020603050405020304" pitchFamily="18" charset="0"/>
+                              </a:rPr>
+                            </m:ctrlPr>
+                          </m:sSubPr>
+                          <m:e>
+                            <m:r>
+                              <a:rPr lang="en-US" sz="2000" i="1">
+                                <a:effectLst/>
+                                <a:latin typeface="Cambria Math" panose="02040503050406030204" pitchFamily="18" charset="0"/>
+                                <a:ea typeface="SimSun" panose="02010600030101010101" pitchFamily="2" charset="-122"/>
+                                <a:cs typeface="Times New Roman" panose="02020603050405020304" pitchFamily="18" charset="0"/>
+                              </a:rPr>
+                              <m:t>𝜉</m:t>
+                            </m:r>
+                          </m:e>
+                          <m:sub>
+                            <m:r>
+                              <a:rPr lang="en-US" sz="2000" i="1">
+                                <a:effectLst/>
+                                <a:latin typeface="Cambria Math" panose="02040503050406030204" pitchFamily="18" charset="0"/>
+                                <a:ea typeface="SimSun" panose="02010600030101010101" pitchFamily="2" charset="-122"/>
+                                <a:cs typeface="Times New Roman" panose="02020603050405020304" pitchFamily="18" charset="0"/>
+                              </a:rPr>
+                              <m:t>𝑖</m:t>
+                            </m:r>
+                          </m:sub>
+                        </m:sSub>
+                      </m:e>
+                    </m:d>
+                    <m:r>
+                      <a:rPr lang="en-US" sz="2000" i="1">
+                        <a:effectLst/>
+                        <a:latin typeface="Cambria Math" panose="02040503050406030204" pitchFamily="18" charset="0"/>
+                        <a:ea typeface="SimSun" panose="02010600030101010101" pitchFamily="2" charset="-122"/>
+                        <a:cs typeface="Times New Roman" panose="02020603050405020304" pitchFamily="18" charset="0"/>
+                      </a:rPr>
+                      <m:t>=0</m:t>
+                    </m:r>
+                  </m:oMath>
+                </a14:m>
+                <a:r>
+                  <a:rPr lang="en-US" sz="2000" dirty="0">
+                    <a:effectLst/>
+                    <a:latin typeface="Times New Roman" panose="02020603050405020304" pitchFamily="18" charset="0"/>
+                    <a:ea typeface="SimSun" panose="02010600030101010101" pitchFamily="2" charset="-122"/>
+                    <a:cs typeface="Times New Roman" panose="02020603050405020304" pitchFamily="18" charset="0"/>
+                  </a:rPr>
+                  <a:t>. Due to </a:t>
+                </a:r>
+                <a:r>
+                  <a:rPr lang="en-US" sz="2000" i="1" dirty="0" err="1">
+                    <a:effectLst/>
+                    <a:latin typeface="Times New Roman" panose="02020603050405020304" pitchFamily="18" charset="0"/>
+                    <a:ea typeface="SimSun" panose="02010600030101010101" pitchFamily="2" charset="-122"/>
+                    <a:cs typeface="Times New Roman" panose="02020603050405020304" pitchFamily="18" charset="0"/>
+                  </a:rPr>
+                  <a:t>μ</a:t>
+                </a:r>
+                <a:r>
+                  <a:rPr lang="en-US" sz="2000" i="1" baseline="-25000" dirty="0" err="1">
+                    <a:effectLst/>
+                    <a:latin typeface="Times New Roman" panose="02020603050405020304" pitchFamily="18" charset="0"/>
+                    <a:ea typeface="SimSun" panose="02010600030101010101" pitchFamily="2" charset="-122"/>
+                    <a:cs typeface="Times New Roman" panose="02020603050405020304" pitchFamily="18" charset="0"/>
+                  </a:rPr>
+                  <a:t>i</a:t>
+                </a:r>
+                <a:r>
+                  <a:rPr lang="en-US" sz="2000" dirty="0">
+                    <a:effectLst/>
+                    <a:latin typeface="Times New Roman" panose="02020603050405020304" pitchFamily="18" charset="0"/>
+                    <a:ea typeface="SimSun" panose="02010600030101010101" pitchFamily="2" charset="-122"/>
+                    <a:cs typeface="Times New Roman" panose="02020603050405020304" pitchFamily="18" charset="0"/>
+                  </a:rPr>
+                  <a:t> = 0, it implies </a:t>
+                </a:r>
+                <a:r>
+                  <a:rPr lang="en-US" sz="2000" i="1" dirty="0" err="1">
+                    <a:effectLst/>
+                    <a:latin typeface="Times New Roman" panose="02020603050405020304" pitchFamily="18" charset="0"/>
+                    <a:ea typeface="SimSun" panose="02010600030101010101" pitchFamily="2" charset="-122"/>
+                    <a:cs typeface="Times New Roman" panose="02020603050405020304" pitchFamily="18" charset="0"/>
+                  </a:rPr>
+                  <a:t>ξ</a:t>
+                </a:r>
+                <a:r>
+                  <a:rPr lang="en-US" sz="2000" i="1" baseline="-25000" dirty="0" err="1">
+                    <a:effectLst/>
+                    <a:latin typeface="Times New Roman" panose="02020603050405020304" pitchFamily="18" charset="0"/>
+                    <a:ea typeface="SimSun" panose="02010600030101010101" pitchFamily="2" charset="-122"/>
+                    <a:cs typeface="Times New Roman" panose="02020603050405020304" pitchFamily="18" charset="0"/>
+                  </a:rPr>
+                  <a:t>i</a:t>
+                </a:r>
+                <a:r>
+                  <a:rPr lang="en-US" sz="2000" dirty="0">
+                    <a:effectLst/>
+                    <a:latin typeface="Times New Roman" panose="02020603050405020304" pitchFamily="18" charset="0"/>
+                    <a:ea typeface="SimSun" panose="02010600030101010101" pitchFamily="2" charset="-122"/>
+                    <a:cs typeface="Times New Roman" panose="02020603050405020304" pitchFamily="18" charset="0"/>
+                  </a:rPr>
+                  <a:t> ≥ 0 from the complementary slackness</a:t>
+                </a:r>
+                <a14:m>
+                  <m:oMath xmlns:m="http://schemas.openxmlformats.org/officeDocument/2006/math">
+                    <m:sSub>
+                      <m:sSubPr>
+                        <m:ctrlPr>
+                          <a:rPr lang="en-US" sz="2000" i="1">
+                            <a:effectLst/>
+                            <a:latin typeface="Cambria Math" panose="02040503050406030204" pitchFamily="18" charset="0"/>
+                            <a:ea typeface="SimSun" panose="02010600030101010101" pitchFamily="2" charset="-122"/>
+                            <a:cs typeface="Times New Roman" panose="02020603050405020304" pitchFamily="18" charset="0"/>
+                          </a:rPr>
+                        </m:ctrlPr>
+                      </m:sSubPr>
+                      <m:e>
+                        <m:sSub>
+                          <m:sSubPr>
+                            <m:ctrlPr>
+                              <a:rPr lang="en-US" sz="2000" i="1">
+                                <a:effectLst/>
+                                <a:latin typeface="Cambria Math" panose="02040503050406030204" pitchFamily="18" charset="0"/>
+                                <a:ea typeface="PMingLiU" panose="02020500000000000000" pitchFamily="18" charset="-120"/>
+                                <a:cs typeface="Times New Roman" panose="02020603050405020304" pitchFamily="18" charset="0"/>
+                              </a:rPr>
+                            </m:ctrlPr>
+                          </m:sSubPr>
+                          <m:e>
+                            <m:r>
+                              <a:rPr lang="en-US" sz="2000" i="1">
+                                <a:effectLst/>
+                                <a:latin typeface="Cambria Math" panose="02040503050406030204" pitchFamily="18" charset="0"/>
+                                <a:ea typeface="SimSun" panose="02010600030101010101" pitchFamily="2" charset="-122"/>
+                                <a:cs typeface="Times New Roman" panose="02020603050405020304" pitchFamily="18" charset="0"/>
+                              </a:rPr>
+                              <m:t>𝜇</m:t>
+                            </m:r>
+                          </m:e>
+                          <m:sub>
+                            <m:r>
+                              <a:rPr lang="en-US" sz="2000" i="1">
+                                <a:effectLst/>
+                                <a:latin typeface="Cambria Math" panose="02040503050406030204" pitchFamily="18" charset="0"/>
+                                <a:ea typeface="SimSun" panose="02010600030101010101" pitchFamily="2" charset="-122"/>
+                                <a:cs typeface="Times New Roman" panose="02020603050405020304" pitchFamily="18" charset="0"/>
+                              </a:rPr>
+                              <m:t>𝑖</m:t>
+                            </m:r>
+                          </m:sub>
+                        </m:sSub>
+                        <m:r>
+                          <a:rPr lang="en-US" sz="2000" i="1">
+                            <a:effectLst/>
+                            <a:latin typeface="Cambria Math" panose="02040503050406030204" pitchFamily="18" charset="0"/>
+                            <a:ea typeface="SimSun" panose="02010600030101010101" pitchFamily="2" charset="-122"/>
+                            <a:cs typeface="Times New Roman" panose="02020603050405020304" pitchFamily="18" charset="0"/>
+                          </a:rPr>
+                          <m:t>𝜉</m:t>
+                        </m:r>
+                      </m:e>
+                      <m:sub>
+                        <m:r>
+                          <a:rPr lang="en-US" sz="2000" i="1">
+                            <a:effectLst/>
+                            <a:latin typeface="Cambria Math" panose="02040503050406030204" pitchFamily="18" charset="0"/>
+                            <a:ea typeface="SimSun" panose="02010600030101010101" pitchFamily="2" charset="-122"/>
+                            <a:cs typeface="Times New Roman" panose="02020603050405020304" pitchFamily="18" charset="0"/>
+                          </a:rPr>
+                          <m:t>𝑖</m:t>
+                        </m:r>
+                      </m:sub>
+                    </m:sSub>
+                    <m:r>
+                      <a:rPr lang="en-US" sz="2000" i="1">
+                        <a:effectLst/>
+                        <a:latin typeface="Cambria Math" panose="02040503050406030204" pitchFamily="18" charset="0"/>
+                        <a:ea typeface="SimSun" panose="02010600030101010101" pitchFamily="2" charset="-122"/>
+                        <a:cs typeface="Times New Roman" panose="02020603050405020304" pitchFamily="18" charset="0"/>
+                      </a:rPr>
+                      <m:t>=0</m:t>
+                    </m:r>
+                  </m:oMath>
+                </a14:m>
+                <a:r>
+                  <a:rPr lang="en-US" sz="2000" dirty="0">
+                    <a:effectLst/>
+                    <a:latin typeface="Times New Roman" panose="02020603050405020304" pitchFamily="18" charset="0"/>
+                    <a:ea typeface="SimSun" panose="02010600030101010101" pitchFamily="2" charset="-122"/>
+                    <a:cs typeface="Times New Roman" panose="02020603050405020304" pitchFamily="18" charset="0"/>
+                  </a:rPr>
+                  <a:t>. Given </a:t>
+                </a:r>
+                <a:r>
+                  <a:rPr lang="en-US" sz="2000" i="1" dirty="0" err="1">
+                    <a:effectLst/>
+                    <a:latin typeface="Times New Roman" panose="02020603050405020304" pitchFamily="18" charset="0"/>
+                    <a:ea typeface="SimSun" panose="02010600030101010101" pitchFamily="2" charset="-122"/>
+                    <a:cs typeface="Times New Roman" panose="02020603050405020304" pitchFamily="18" charset="0"/>
+                  </a:rPr>
+                  <a:t>ξ</a:t>
+                </a:r>
+                <a:r>
+                  <a:rPr lang="en-US" sz="2000" i="1" baseline="-25000" dirty="0" err="1">
+                    <a:effectLst/>
+                    <a:latin typeface="Times New Roman" panose="02020603050405020304" pitchFamily="18" charset="0"/>
+                    <a:ea typeface="SimSun" panose="02010600030101010101" pitchFamily="2" charset="-122"/>
+                    <a:cs typeface="Times New Roman" panose="02020603050405020304" pitchFamily="18" charset="0"/>
+                  </a:rPr>
+                  <a:t>i</a:t>
+                </a:r>
+                <a:r>
+                  <a:rPr lang="en-US" sz="2000" dirty="0">
+                    <a:effectLst/>
+                    <a:latin typeface="Times New Roman" panose="02020603050405020304" pitchFamily="18" charset="0"/>
+                    <a:ea typeface="SimSun" panose="02010600030101010101" pitchFamily="2" charset="-122"/>
+                    <a:cs typeface="Times New Roman" panose="02020603050405020304" pitchFamily="18" charset="0"/>
+                  </a:rPr>
+                  <a:t> ≥ 0 the equation </a:t>
+                </a:r>
+                <a14:m>
+                  <m:oMath xmlns:m="http://schemas.openxmlformats.org/officeDocument/2006/math">
+                    <m:r>
+                      <a:rPr lang="en-US" sz="2000" i="1">
+                        <a:effectLst/>
+                        <a:latin typeface="Cambria Math" panose="02040503050406030204" pitchFamily="18" charset="0"/>
+                        <a:ea typeface="SimSun" panose="02010600030101010101" pitchFamily="2" charset="-122"/>
+                        <a:cs typeface="Times New Roman" panose="02020603050405020304" pitchFamily="18" charset="0"/>
+                      </a:rPr>
+                      <m:t>1−</m:t>
+                    </m:r>
+                    <m:sSub>
+                      <m:sSubPr>
+                        <m:ctrlPr>
+                          <a:rPr lang="en-US" sz="2000" i="1">
+                            <a:effectLst/>
+                            <a:latin typeface="Cambria Math" panose="02040503050406030204" pitchFamily="18" charset="0"/>
+                            <a:ea typeface="SimSun" panose="02010600030101010101" pitchFamily="2" charset="-122"/>
+                            <a:cs typeface="Times New Roman" panose="02020603050405020304" pitchFamily="18" charset="0"/>
+                          </a:rPr>
+                        </m:ctrlPr>
+                      </m:sSubPr>
+                      <m:e>
+                        <m:r>
+                          <a:rPr lang="en-US" sz="2000" i="1">
+                            <a:effectLst/>
+                            <a:latin typeface="Cambria Math" panose="02040503050406030204" pitchFamily="18" charset="0"/>
+                            <a:ea typeface="SimSun" panose="02010600030101010101" pitchFamily="2" charset="-122"/>
+                            <a:cs typeface="Times New Roman" panose="02020603050405020304" pitchFamily="18" charset="0"/>
+                          </a:rPr>
+                          <m:t>𝑦</m:t>
+                        </m:r>
+                      </m:e>
+                      <m:sub>
+                        <m:r>
+                          <a:rPr lang="en-US" sz="2000" i="1">
+                            <a:effectLst/>
+                            <a:latin typeface="Cambria Math" panose="02040503050406030204" pitchFamily="18" charset="0"/>
+                            <a:ea typeface="SimSun" panose="02010600030101010101" pitchFamily="2" charset="-122"/>
+                            <a:cs typeface="Times New Roman" panose="02020603050405020304" pitchFamily="18" charset="0"/>
+                          </a:rPr>
+                          <m:t>𝑖</m:t>
+                        </m:r>
+                      </m:sub>
+                    </m:sSub>
+                    <m:d>
+                      <m:dPr>
+                        <m:ctrlPr>
+                          <a:rPr lang="en-US" sz="2000" i="1">
+                            <a:effectLst/>
+                            <a:latin typeface="Cambria Math" panose="02040503050406030204" pitchFamily="18" charset="0"/>
+                            <a:ea typeface="SimSun" panose="02010600030101010101" pitchFamily="2" charset="-122"/>
+                            <a:cs typeface="Times New Roman" panose="02020603050405020304" pitchFamily="18" charset="0"/>
+                          </a:rPr>
+                        </m:ctrlPr>
+                      </m:dPr>
+                      <m:e>
+                        <m:r>
+                          <a:rPr lang="en-US" sz="2000" i="1">
+                            <a:effectLst/>
+                            <a:latin typeface="Cambria Math" panose="02040503050406030204" pitchFamily="18" charset="0"/>
+                            <a:ea typeface="SimSun" panose="02010600030101010101" pitchFamily="2" charset="-122"/>
+                            <a:cs typeface="Times New Roman" panose="02020603050405020304" pitchFamily="18" charset="0"/>
+                          </a:rPr>
+                          <m:t>𝑊</m:t>
+                        </m:r>
+                        <m:r>
+                          <a:rPr lang="en-US" sz="2000" i="1">
+                            <a:effectLst/>
+                            <a:latin typeface="Cambria Math" panose="02040503050406030204" pitchFamily="18" charset="0"/>
+                            <a:ea typeface="SimSun" panose="02010600030101010101" pitchFamily="2" charset="-122"/>
+                            <a:cs typeface="Times New Roman" panose="02020603050405020304" pitchFamily="18" charset="0"/>
+                          </a:rPr>
+                          <m:t>∘</m:t>
+                        </m:r>
+                        <m:sSub>
+                          <m:sSubPr>
+                            <m:ctrlPr>
+                              <a:rPr lang="en-US" sz="2000" i="1">
+                                <a:effectLst/>
+                                <a:latin typeface="Cambria Math" panose="02040503050406030204" pitchFamily="18" charset="0"/>
+                                <a:ea typeface="SimSun" panose="02010600030101010101" pitchFamily="2" charset="-122"/>
+                                <a:cs typeface="Times New Roman" panose="02020603050405020304" pitchFamily="18" charset="0"/>
+                              </a:rPr>
+                            </m:ctrlPr>
+                          </m:sSubPr>
+                          <m:e>
+                            <m:r>
+                              <a:rPr lang="en-US" sz="2000" i="1">
+                                <a:effectLst/>
+                                <a:latin typeface="Cambria Math" panose="02040503050406030204" pitchFamily="18" charset="0"/>
+                                <a:ea typeface="SimSun" panose="02010600030101010101" pitchFamily="2" charset="-122"/>
+                                <a:cs typeface="Times New Roman" panose="02020603050405020304" pitchFamily="18" charset="0"/>
+                              </a:rPr>
+                              <m:t>𝑋</m:t>
+                            </m:r>
+                          </m:e>
+                          <m:sub>
+                            <m:r>
+                              <a:rPr lang="en-US" sz="2000" i="1">
+                                <a:effectLst/>
+                                <a:latin typeface="Cambria Math" panose="02040503050406030204" pitchFamily="18" charset="0"/>
+                                <a:ea typeface="SimSun" panose="02010600030101010101" pitchFamily="2" charset="-122"/>
+                                <a:cs typeface="Times New Roman" panose="02020603050405020304" pitchFamily="18" charset="0"/>
+                              </a:rPr>
+                              <m:t>𝑖</m:t>
+                            </m:r>
+                          </m:sub>
+                        </m:sSub>
+                        <m:r>
+                          <a:rPr lang="en-US" sz="2000" i="1">
+                            <a:effectLst/>
+                            <a:latin typeface="Cambria Math" panose="02040503050406030204" pitchFamily="18" charset="0"/>
+                            <a:ea typeface="SimSun" panose="02010600030101010101" pitchFamily="2" charset="-122"/>
+                            <a:cs typeface="Times New Roman" panose="02020603050405020304" pitchFamily="18" charset="0"/>
+                          </a:rPr>
+                          <m:t>−</m:t>
+                        </m:r>
+                        <m:r>
+                          <a:rPr lang="en-US" sz="2000" i="1">
+                            <a:effectLst/>
+                            <a:latin typeface="Cambria Math" panose="02040503050406030204" pitchFamily="18" charset="0"/>
+                            <a:ea typeface="SimSun" panose="02010600030101010101" pitchFamily="2" charset="-122"/>
+                            <a:cs typeface="Times New Roman" panose="02020603050405020304" pitchFamily="18" charset="0"/>
+                          </a:rPr>
+                          <m:t>𝑏</m:t>
+                        </m:r>
+                      </m:e>
+                    </m:d>
+                    <m:r>
+                      <a:rPr lang="en-US" sz="2000" i="1">
+                        <a:effectLst/>
+                        <a:latin typeface="Cambria Math" panose="02040503050406030204" pitchFamily="18" charset="0"/>
+                        <a:ea typeface="SimSun" panose="02010600030101010101" pitchFamily="2" charset="-122"/>
+                        <a:cs typeface="Times New Roman" panose="02020603050405020304" pitchFamily="18" charset="0"/>
+                      </a:rPr>
+                      <m:t>−</m:t>
+                    </m:r>
+                    <m:sSub>
+                      <m:sSubPr>
+                        <m:ctrlPr>
+                          <a:rPr lang="en-US" sz="2000" i="1">
+                            <a:effectLst/>
+                            <a:latin typeface="Cambria Math" panose="02040503050406030204" pitchFamily="18" charset="0"/>
+                            <a:ea typeface="SimSun" panose="02010600030101010101" pitchFamily="2" charset="-122"/>
+                            <a:cs typeface="Times New Roman" panose="02020603050405020304" pitchFamily="18" charset="0"/>
+                          </a:rPr>
+                        </m:ctrlPr>
+                      </m:sSubPr>
+                      <m:e>
+                        <m:r>
+                          <a:rPr lang="en-US" sz="2000" i="1">
+                            <a:effectLst/>
+                            <a:latin typeface="Cambria Math" panose="02040503050406030204" pitchFamily="18" charset="0"/>
+                            <a:ea typeface="SimSun" panose="02010600030101010101" pitchFamily="2" charset="-122"/>
+                            <a:cs typeface="Times New Roman" panose="02020603050405020304" pitchFamily="18" charset="0"/>
+                          </a:rPr>
+                          <m:t>𝜉</m:t>
+                        </m:r>
+                      </m:e>
+                      <m:sub>
+                        <m:r>
+                          <a:rPr lang="en-US" sz="2000" i="1">
+                            <a:effectLst/>
+                            <a:latin typeface="Cambria Math" panose="02040503050406030204" pitchFamily="18" charset="0"/>
+                            <a:ea typeface="SimSun" panose="02010600030101010101" pitchFamily="2" charset="-122"/>
+                            <a:cs typeface="Times New Roman" panose="02020603050405020304" pitchFamily="18" charset="0"/>
+                          </a:rPr>
+                          <m:t>𝑖</m:t>
+                        </m:r>
+                      </m:sub>
+                    </m:sSub>
+                    <m:r>
+                      <a:rPr lang="en-US" sz="2000" i="1">
+                        <a:effectLst/>
+                        <a:latin typeface="Cambria Math" panose="02040503050406030204" pitchFamily="18" charset="0"/>
+                        <a:ea typeface="SimSun" panose="02010600030101010101" pitchFamily="2" charset="-122"/>
+                        <a:cs typeface="Times New Roman" panose="02020603050405020304" pitchFamily="18" charset="0"/>
+                      </a:rPr>
+                      <m:t>=0</m:t>
+                    </m:r>
+                  </m:oMath>
+                </a14:m>
+                <a:r>
+                  <a:rPr lang="en-US" sz="2000" dirty="0">
+                    <a:effectLst/>
+                    <a:latin typeface="Times New Roman" panose="02020603050405020304" pitchFamily="18" charset="0"/>
+                    <a:ea typeface="SimSun" panose="02010600030101010101" pitchFamily="2" charset="-122"/>
+                    <a:cs typeface="Times New Roman" panose="02020603050405020304" pitchFamily="18" charset="0"/>
+                  </a:rPr>
+                  <a:t> leads to:</a:t>
+                </a:r>
+              </a:p>
+              <a:p>
+                <a:pPr marL="0" marR="0" lvl="0" indent="0" algn="just">
+                  <a:spcBef>
+                    <a:spcPts val="0"/>
+                  </a:spcBef>
+                  <a:spcAft>
+                    <a:spcPts val="0"/>
+                  </a:spcAft>
+                  <a:buNone/>
+                </a:pPr>
+                <a14:m>
+                  <m:oMathPara xmlns:m="http://schemas.openxmlformats.org/officeDocument/2006/math">
+                    <m:oMathParaPr>
+                      <m:jc m:val="centerGroup"/>
+                    </m:oMathParaPr>
+                    <m:oMath xmlns:m="http://schemas.openxmlformats.org/officeDocument/2006/math">
+                      <m:r>
+                        <a:rPr lang="en-US" sz="2000" smtClean="0">
+                          <a:effectLst/>
+                          <a:latin typeface="Cambria Math" panose="02040503050406030204" pitchFamily="18" charset="0"/>
+                          <a:ea typeface="SimSun" panose="02010600030101010101" pitchFamily="2" charset="-122"/>
+                          <a:cs typeface="Times New Roman" panose="02020603050405020304" pitchFamily="18" charset="0"/>
+                        </a:rPr>
+                        <m:t>1</m:t>
+                      </m:r>
+                      <m:r>
+                        <a:rPr lang="en-US" sz="2000" i="1">
+                          <a:effectLst/>
+                          <a:latin typeface="Cambria Math" panose="02040503050406030204" pitchFamily="18" charset="0"/>
+                          <a:ea typeface="SimSun" panose="02010600030101010101" pitchFamily="2" charset="-122"/>
+                          <a:cs typeface="Times New Roman" panose="02020603050405020304" pitchFamily="18" charset="0"/>
+                        </a:rPr>
+                        <m:t>−</m:t>
+                      </m:r>
+                      <m:sSub>
+                        <m:sSubPr>
+                          <m:ctrlPr>
+                            <a:rPr lang="en-US" sz="2000" i="1">
+                              <a:effectLst/>
+                              <a:latin typeface="Cambria Math" panose="02040503050406030204" pitchFamily="18" charset="0"/>
+                            </a:rPr>
+                          </m:ctrlPr>
+                        </m:sSubPr>
+                        <m:e>
+                          <m:r>
+                            <a:rPr lang="en-US" sz="2000" i="1">
+                              <a:effectLst/>
+                              <a:latin typeface="Cambria Math" panose="02040503050406030204" pitchFamily="18" charset="0"/>
+                              <a:ea typeface="SimSun" panose="02010600030101010101" pitchFamily="2" charset="-122"/>
+                              <a:cs typeface="Times New Roman" panose="02020603050405020304" pitchFamily="18" charset="0"/>
+                            </a:rPr>
+                            <m:t>𝑦</m:t>
+                          </m:r>
+                        </m:e>
+                        <m:sub>
+                          <m:r>
+                            <a:rPr lang="en-US" sz="2000" i="1">
+                              <a:effectLst/>
+                              <a:latin typeface="Cambria Math" panose="02040503050406030204" pitchFamily="18" charset="0"/>
+                              <a:ea typeface="SimSun" panose="02010600030101010101" pitchFamily="2" charset="-122"/>
+                              <a:cs typeface="Times New Roman" panose="02020603050405020304" pitchFamily="18" charset="0"/>
+                            </a:rPr>
+                            <m:t>𝑖</m:t>
+                          </m:r>
+                        </m:sub>
+                      </m:sSub>
+                      <m:d>
+                        <m:dPr>
+                          <m:ctrlPr>
+                            <a:rPr lang="en-US" sz="2000" i="1">
+                              <a:effectLst/>
+                              <a:latin typeface="Cambria Math" panose="02040503050406030204" pitchFamily="18" charset="0"/>
+                            </a:rPr>
+                          </m:ctrlPr>
+                        </m:dPr>
+                        <m:e>
+                          <m:r>
+                            <a:rPr lang="en-US" sz="2000" i="1">
+                              <a:effectLst/>
+                              <a:latin typeface="Cambria Math" panose="02040503050406030204" pitchFamily="18" charset="0"/>
+                              <a:ea typeface="SimSun" panose="02010600030101010101" pitchFamily="2" charset="-122"/>
+                              <a:cs typeface="Times New Roman" panose="02020603050405020304" pitchFamily="18" charset="0"/>
+                            </a:rPr>
+                            <m:t>𝑊</m:t>
+                          </m:r>
+                          <m:r>
+                            <a:rPr lang="en-US" sz="2000">
+                              <a:effectLst/>
+                              <a:latin typeface="Cambria Math" panose="02040503050406030204" pitchFamily="18" charset="0"/>
+                              <a:ea typeface="SimSun" panose="02010600030101010101" pitchFamily="2" charset="-122"/>
+                              <a:cs typeface="Times New Roman" panose="02020603050405020304" pitchFamily="18" charset="0"/>
+                            </a:rPr>
+                            <m:t>∘</m:t>
+                          </m:r>
+                          <m:sSub>
+                            <m:sSubPr>
+                              <m:ctrlPr>
+                                <a:rPr lang="en-US" sz="2000" i="1">
+                                  <a:effectLst/>
+                                  <a:latin typeface="Cambria Math" panose="02040503050406030204" pitchFamily="18" charset="0"/>
+                                </a:rPr>
+                              </m:ctrlPr>
+                            </m:sSubPr>
+                            <m:e>
+                              <m:r>
+                                <a:rPr lang="en-US" sz="2000" i="1">
+                                  <a:effectLst/>
+                                  <a:latin typeface="Cambria Math" panose="02040503050406030204" pitchFamily="18" charset="0"/>
+                                  <a:ea typeface="SimSun" panose="02010600030101010101" pitchFamily="2" charset="-122"/>
+                                  <a:cs typeface="Times New Roman" panose="02020603050405020304" pitchFamily="18" charset="0"/>
+                                </a:rPr>
+                                <m:t>𝑋</m:t>
+                              </m:r>
+                            </m:e>
+                            <m:sub>
+                              <m:r>
+                                <a:rPr lang="en-US" sz="2000" i="1">
+                                  <a:effectLst/>
+                                  <a:latin typeface="Cambria Math" panose="02040503050406030204" pitchFamily="18" charset="0"/>
+                                  <a:ea typeface="SimSun" panose="02010600030101010101" pitchFamily="2" charset="-122"/>
+                                  <a:cs typeface="Times New Roman" panose="02020603050405020304" pitchFamily="18" charset="0"/>
+                                </a:rPr>
+                                <m:t>𝑖</m:t>
+                              </m:r>
+                            </m:sub>
+                          </m:sSub>
+                          <m:r>
+                            <a:rPr lang="en-US" sz="2000" i="1">
+                              <a:effectLst/>
+                              <a:latin typeface="Cambria Math" panose="02040503050406030204" pitchFamily="18" charset="0"/>
+                              <a:ea typeface="SimSun" panose="02010600030101010101" pitchFamily="2" charset="-122"/>
+                              <a:cs typeface="Times New Roman" panose="02020603050405020304" pitchFamily="18" charset="0"/>
+                            </a:rPr>
+                            <m:t>−</m:t>
+                          </m:r>
+                          <m:r>
+                            <a:rPr lang="en-US" sz="2000" i="1">
+                              <a:effectLst/>
+                              <a:latin typeface="Cambria Math" panose="02040503050406030204" pitchFamily="18" charset="0"/>
+                              <a:ea typeface="SimSun" panose="02010600030101010101" pitchFamily="2" charset="-122"/>
+                              <a:cs typeface="Times New Roman" panose="02020603050405020304" pitchFamily="18" charset="0"/>
+                            </a:rPr>
+                            <m:t>𝑏</m:t>
+                          </m:r>
+                        </m:e>
+                      </m:d>
+                      <m:r>
+                        <a:rPr lang="en-US" sz="2000">
+                          <a:effectLst/>
+                          <a:latin typeface="Cambria Math" panose="02040503050406030204" pitchFamily="18" charset="0"/>
+                          <a:ea typeface="SimSun" panose="02010600030101010101" pitchFamily="2" charset="-122"/>
+                          <a:cs typeface="Times New Roman" panose="02020603050405020304" pitchFamily="18" charset="0"/>
+                        </a:rPr>
+                        <m:t>≥0</m:t>
+                      </m:r>
+                    </m:oMath>
+                  </m:oMathPara>
+                </a14:m>
+                <a:endParaRPr lang="en-US" sz="2000" dirty="0">
+                  <a:effectLst/>
+                  <a:latin typeface="Times New Roman" panose="02020603050405020304" pitchFamily="18" charset="0"/>
+                  <a:ea typeface="SimSun" panose="02010600030101010101" pitchFamily="2" charset="-122"/>
+                  <a:cs typeface="Times New Roman" panose="02020603050405020304" pitchFamily="18" charset="0"/>
+                </a:endParaRPr>
+              </a:p>
+              <a:p>
+                <a:pPr marL="0" indent="0">
+                  <a:buNone/>
+                </a:pPr>
+                <a14:m>
+                  <m:oMathPara xmlns:m="http://schemas.openxmlformats.org/officeDocument/2006/math">
+                    <m:oMathParaPr>
+                      <m:jc m:val="right"/>
+                    </m:oMathParaPr>
+                    <m:oMath xmlns:m="http://schemas.openxmlformats.org/officeDocument/2006/math">
+                      <m:m>
+                        <m:mPr>
+                          <m:mcs>
+                            <m:mc>
+                              <m:mcPr>
+                                <m:count m:val="1"/>
+                                <m:mcJc m:val="center"/>
+                              </m:mcPr>
+                            </m:mc>
+                          </m:mcs>
+                          <m:ctrlPr>
+                            <a:rPr lang="en-US" sz="2000" i="1" smtClean="0">
+                              <a:effectLst/>
+                              <a:latin typeface="Cambria Math" panose="02040503050406030204" pitchFamily="18" charset="0"/>
+                              <a:ea typeface="SimSun" panose="02010600030101010101" pitchFamily="2" charset="-122"/>
+                              <a:cs typeface="Times New Roman" panose="02020603050405020304" pitchFamily="18" charset="0"/>
+                            </a:rPr>
+                          </m:ctrlPr>
+                        </m:mPr>
+                        <m:mr>
+                          <m:e>
+                            <m:m>
+                              <m:mPr>
+                                <m:mcs>
+                                  <m:mc>
+                                    <m:mcPr>
+                                      <m:count m:val="3"/>
+                                      <m:mcJc m:val="center"/>
+                                    </m:mcPr>
+                                  </m:mc>
+                                </m:mcs>
+                                <m:ctrlPr>
+                                  <a:rPr lang="en-US" sz="2000" i="1"/>
+                                </m:ctrlPr>
+                              </m:mPr>
+                              <m:mr>
+                                <m:e>
+                                  <m:sSub>
+                                    <m:sSubPr>
+                                      <m:ctrlPr>
+                                        <a:rPr lang="en-US" sz="2000" i="1"/>
+                                      </m:ctrlPr>
+                                    </m:sSubPr>
+                                    <m:e>
+                                      <m:r>
+                                        <a:rPr lang="en-US" sz="2000" i="1"/>
+                                        <m:t>𝜆</m:t>
+                                      </m:r>
+                                    </m:e>
+                                    <m:sub>
+                                      <m:r>
+                                        <a:rPr lang="en-US" sz="2000" i="1"/>
+                                        <m:t>𝑖</m:t>
+                                      </m:r>
+                                    </m:sub>
+                                  </m:sSub>
+                                  <m:r>
+                                    <a:rPr lang="en-US" sz="2000" i="1"/>
+                                    <m:t>=0</m:t>
+                                  </m:r>
+                                </m:e>
+                                <m:e>
+                                  <m:r>
+                                    <a:rPr lang="en-US" sz="2000" i="1"/>
+                                    <m:t>⟹</m:t>
+                                  </m:r>
+                                </m:e>
+                                <m:e>
+                                  <m:sSub>
+                                    <m:sSubPr>
+                                      <m:ctrlPr>
+                                        <a:rPr lang="en-US" sz="2000" i="1"/>
+                                      </m:ctrlPr>
+                                    </m:sSubPr>
+                                    <m:e>
+                                      <m:r>
+                                        <a:rPr lang="en-US" sz="2000" i="1"/>
+                                        <m:t>𝑦</m:t>
+                                      </m:r>
+                                    </m:e>
+                                    <m:sub>
+                                      <m:r>
+                                        <a:rPr lang="en-US" sz="2000" i="1"/>
+                                        <m:t>𝑖</m:t>
+                                      </m:r>
+                                    </m:sub>
+                                  </m:sSub>
+                                  <m:sSub>
+                                    <m:sSubPr>
+                                      <m:ctrlPr>
+                                        <a:rPr lang="en-US" sz="2000" i="1"/>
+                                      </m:ctrlPr>
+                                    </m:sSubPr>
+                                    <m:e>
+                                      <m:r>
+                                        <a:rPr lang="en-US" sz="2000" i="1"/>
+                                        <m:t>𝐸</m:t>
+                                      </m:r>
+                                    </m:e>
+                                    <m:sub>
+                                      <m:r>
+                                        <a:rPr lang="en-US" sz="2000" i="1"/>
+                                        <m:t>𝑖</m:t>
+                                      </m:r>
+                                    </m:sub>
+                                  </m:sSub>
+                                  <m:r>
+                                    <a:rPr lang="en-US" sz="2000" i="1"/>
+                                    <m:t>≤0</m:t>
+                                  </m:r>
+                                </m:e>
+                              </m:mr>
+                              <m:mr>
+                                <m:e>
+                                  <m:r>
+                                    <a:rPr lang="en-US" sz="2000" i="1"/>
+                                    <m:t>0&lt;</m:t>
+                                  </m:r>
+                                  <m:sSub>
+                                    <m:sSubPr>
+                                      <m:ctrlPr>
+                                        <a:rPr lang="en-US" sz="2000" i="1"/>
+                                      </m:ctrlPr>
+                                    </m:sSubPr>
+                                    <m:e>
+                                      <m:r>
+                                        <a:rPr lang="en-US" sz="2000" i="1"/>
+                                        <m:t>𝜆</m:t>
+                                      </m:r>
+                                    </m:e>
+                                    <m:sub>
+                                      <m:r>
+                                        <a:rPr lang="en-US" sz="2000" i="1"/>
+                                        <m:t>𝑖</m:t>
+                                      </m:r>
+                                    </m:sub>
+                                  </m:sSub>
+                                  <m:r>
+                                    <a:rPr lang="en-US" sz="2000" i="1"/>
+                                    <m:t>&lt;</m:t>
+                                  </m:r>
+                                  <m:r>
+                                    <a:rPr lang="en-US" sz="2000" i="1"/>
+                                    <m:t>𝐶</m:t>
+                                  </m:r>
+                                </m:e>
+                                <m:e>
+                                  <m:r>
+                                    <a:rPr lang="en-US" sz="2000" i="1"/>
+                                    <m:t>⟹</m:t>
+                                  </m:r>
+                                </m:e>
+                                <m:e>
+                                  <m:sSub>
+                                    <m:sSubPr>
+                                      <m:ctrlPr>
+                                        <a:rPr lang="en-US" sz="2000" i="1"/>
+                                      </m:ctrlPr>
+                                    </m:sSubPr>
+                                    <m:e>
+                                      <m:r>
+                                        <a:rPr lang="en-US" sz="2000" i="1"/>
+                                        <m:t>𝑦</m:t>
+                                      </m:r>
+                                    </m:e>
+                                    <m:sub>
+                                      <m:r>
+                                        <a:rPr lang="en-US" sz="2000" i="1"/>
+                                        <m:t>𝑖</m:t>
+                                      </m:r>
+                                    </m:sub>
+                                  </m:sSub>
+                                  <m:sSub>
+                                    <m:sSubPr>
+                                      <m:ctrlPr>
+                                        <a:rPr lang="en-US" sz="2000" i="1"/>
+                                      </m:ctrlPr>
+                                    </m:sSubPr>
+                                    <m:e>
+                                      <m:r>
+                                        <a:rPr lang="en-US" sz="2000" i="1"/>
+                                        <m:t>𝐸</m:t>
+                                      </m:r>
+                                    </m:e>
+                                    <m:sub>
+                                      <m:r>
+                                        <a:rPr lang="en-US" sz="2000" i="1"/>
+                                        <m:t>𝑖</m:t>
+                                      </m:r>
+                                    </m:sub>
+                                  </m:sSub>
+                                  <m:r>
+                                    <a:rPr lang="en-US" sz="2000" i="1"/>
+                                    <m:t>=0</m:t>
+                                  </m:r>
+                                </m:e>
+                              </m:mr>
+                              <m:mr>
+                                <m:e>
+                                  <m:sSub>
+                                    <m:sSubPr>
+                                      <m:ctrlPr>
+                                        <a:rPr lang="en-US" sz="2000" i="1"/>
+                                      </m:ctrlPr>
+                                    </m:sSubPr>
+                                    <m:e>
+                                      <m:r>
+                                        <a:rPr lang="en-US" sz="2000" i="1"/>
+                                        <m:t>𝜆</m:t>
+                                      </m:r>
+                                    </m:e>
+                                    <m:sub>
+                                      <m:r>
+                                        <a:rPr lang="en-US" sz="2000" i="1"/>
+                                        <m:t>𝑖</m:t>
+                                      </m:r>
+                                    </m:sub>
+                                  </m:sSub>
+                                  <m:r>
+                                    <a:rPr lang="en-US" sz="2000" i="1"/>
+                                    <m:t>=</m:t>
+                                  </m:r>
+                                  <m:r>
+                                    <a:rPr lang="en-US" sz="2000" i="1"/>
+                                    <m:t>𝐶</m:t>
+                                  </m:r>
+                                </m:e>
+                                <m:e>
+                                  <m:r>
+                                    <a:rPr lang="en-US" sz="2000" i="1"/>
+                                    <m:t>⟹</m:t>
+                                  </m:r>
+                                </m:e>
+                                <m:e>
+                                  <m:sSub>
+                                    <m:sSubPr>
+                                      <m:ctrlPr>
+                                        <a:rPr lang="en-US" sz="2000" i="1"/>
+                                      </m:ctrlPr>
+                                    </m:sSubPr>
+                                    <m:e>
+                                      <m:r>
+                                        <a:rPr lang="en-US" sz="2000" i="1"/>
+                                        <m:t>𝑦</m:t>
+                                      </m:r>
+                                    </m:e>
+                                    <m:sub>
+                                      <m:r>
+                                        <a:rPr lang="en-US" sz="2000" i="1"/>
+                                        <m:t>𝑖</m:t>
+                                      </m:r>
+                                    </m:sub>
+                                  </m:sSub>
+                                  <m:sSub>
+                                    <m:sSubPr>
+                                      <m:ctrlPr>
+                                        <a:rPr lang="en-US" sz="2000" i="1"/>
+                                      </m:ctrlPr>
+                                    </m:sSubPr>
+                                    <m:e>
+                                      <m:r>
+                                        <a:rPr lang="en-US" sz="2000" i="1"/>
+                                        <m:t>𝐸</m:t>
+                                      </m:r>
+                                    </m:e>
+                                    <m:sub>
+                                      <m:r>
+                                        <a:rPr lang="en-US" sz="2000" i="1"/>
+                                        <m:t>𝑖</m:t>
+                                      </m:r>
+                                    </m:sub>
+                                  </m:sSub>
+                                  <m:r>
+                                    <a:rPr lang="en-US" sz="2000" i="1"/>
+                                    <m:t>≥0</m:t>
+                                  </m:r>
+                                </m:e>
+                              </m:mr>
+                            </m:m>
+                          </m:e>
+                        </m:mr>
+                        <m:mr>
+                          <m:e>
+                            <m:r>
+                              <m:rPr>
+                                <m:sty m:val="p"/>
+                              </m:rPr>
+                              <a:rPr lang="en-US" sz="2000"/>
+                              <m:t>Where</m:t>
+                            </m:r>
+                            <m:r>
+                              <a:rPr lang="en-US" sz="2000"/>
+                              <m:t> </m:t>
+                            </m:r>
+                            <m:sSub>
+                              <m:sSubPr>
+                                <m:ctrlPr>
+                                  <a:rPr lang="en-US" sz="2000" i="1"/>
+                                </m:ctrlPr>
+                              </m:sSubPr>
+                              <m:e>
+                                <m:r>
+                                  <a:rPr lang="en-US" sz="2000" i="1"/>
+                                  <m:t>𝐸</m:t>
+                                </m:r>
+                              </m:e>
+                              <m:sub>
+                                <m:r>
+                                  <a:rPr lang="en-US" sz="2000" i="1"/>
+                                  <m:t>𝑖</m:t>
+                                </m:r>
+                              </m:sub>
+                            </m:sSub>
+                            <m:r>
+                              <a:rPr lang="en-US" sz="2000"/>
+                              <m:t> </m:t>
+                            </m:r>
+                            <m:r>
+                              <m:rPr>
+                                <m:sty m:val="p"/>
+                              </m:rPr>
+                              <a:rPr lang="en-US" sz="2000"/>
+                              <m:t>is</m:t>
+                            </m:r>
+                            <m:r>
+                              <a:rPr lang="en-US" sz="2000"/>
+                              <m:t> </m:t>
+                            </m:r>
+                            <m:r>
+                              <m:rPr>
+                                <m:sty m:val="p"/>
+                              </m:rPr>
+                              <a:rPr lang="en-US" sz="2000"/>
+                              <m:t>prediction</m:t>
+                            </m:r>
+                            <m:r>
+                              <a:rPr lang="en-US" sz="2000"/>
+                              <m:t> </m:t>
+                            </m:r>
+                            <m:r>
+                              <m:rPr>
+                                <m:sty m:val="p"/>
+                              </m:rPr>
+                              <a:rPr lang="en-US" sz="2000"/>
+                              <m:t>error</m:t>
+                            </m:r>
+                            <m:r>
+                              <a:rPr lang="en-US" sz="2000"/>
+                              <m:t>:</m:t>
+                            </m:r>
+                          </m:e>
+                        </m:mr>
+                        <m:mr>
+                          <m:e>
+                            <m:sSub>
+                              <m:sSubPr>
+                                <m:ctrlPr>
+                                  <a:rPr lang="en-US" sz="2000" i="1"/>
+                                </m:ctrlPr>
+                              </m:sSubPr>
+                              <m:e>
+                                <m:r>
+                                  <a:rPr lang="en-US" sz="2000" i="1"/>
+                                  <m:t>𝐸</m:t>
+                                </m:r>
+                              </m:e>
+                              <m:sub>
+                                <m:r>
+                                  <a:rPr lang="en-US" sz="2000" i="1"/>
+                                  <m:t>𝑖</m:t>
+                                </m:r>
+                              </m:sub>
+                            </m:sSub>
+                            <m:r>
+                              <a:rPr lang="en-US" sz="2000" i="1"/>
+                              <m:t>=</m:t>
+                            </m:r>
+                            <m:sSub>
+                              <m:sSubPr>
+                                <m:ctrlPr>
+                                  <a:rPr lang="en-US" sz="2000" i="1"/>
+                                </m:ctrlPr>
+                              </m:sSubPr>
+                              <m:e>
+                                <m:r>
+                                  <a:rPr lang="en-US" sz="2000" i="1"/>
+                                  <m:t>𝑦</m:t>
+                                </m:r>
+                              </m:e>
+                              <m:sub>
+                                <m:r>
+                                  <a:rPr lang="en-US" sz="2000" i="1"/>
+                                  <m:t>𝑖</m:t>
+                                </m:r>
+                              </m:sub>
+                            </m:sSub>
+                            <m:r>
+                              <a:rPr lang="en-US" sz="2000" i="1"/>
+                              <m:t>−</m:t>
+                            </m:r>
+                            <m:d>
+                              <m:dPr>
+                                <m:ctrlPr>
+                                  <a:rPr lang="en-US" sz="2000" i="1"/>
+                                </m:ctrlPr>
+                              </m:dPr>
+                              <m:e>
+                                <m:r>
+                                  <a:rPr lang="en-US" sz="2000" i="1"/>
+                                  <m:t>𝑊</m:t>
+                                </m:r>
+                                <m:r>
+                                  <a:rPr lang="en-US" sz="2000" i="1"/>
+                                  <m:t>∘</m:t>
+                                </m:r>
+                                <m:sSub>
+                                  <m:sSubPr>
+                                    <m:ctrlPr>
+                                      <a:rPr lang="en-US" sz="2000" i="1"/>
+                                    </m:ctrlPr>
+                                  </m:sSubPr>
+                                  <m:e>
+                                    <m:r>
+                                      <a:rPr lang="en-US" sz="2000" i="1"/>
+                                      <m:t>𝑋</m:t>
+                                    </m:r>
+                                  </m:e>
+                                  <m:sub>
+                                    <m:r>
+                                      <a:rPr lang="en-US" sz="2000" i="1"/>
+                                      <m:t>𝑖</m:t>
+                                    </m:r>
+                                  </m:sub>
+                                </m:sSub>
+                                <m:r>
+                                  <a:rPr lang="en-US" sz="2000" i="1"/>
+                                  <m:t>−</m:t>
+                                </m:r>
+                                <m:r>
+                                  <a:rPr lang="en-US" sz="2000" i="1"/>
+                                  <m:t>𝑏</m:t>
+                                </m:r>
+                              </m:e>
+                            </m:d>
+                          </m:e>
+                        </m:mr>
+                      </m:m>
+                      <m:r>
+                        <a:rPr lang="en-US" sz="2000" b="0" i="1" smtClean="0">
+                          <a:effectLst/>
+                          <a:latin typeface="Cambria Math" panose="02040503050406030204" pitchFamily="18" charset="0"/>
+                        </a:rPr>
+                        <m:t>    (2.2)</m:t>
+                      </m:r>
+                    </m:oMath>
+                  </m:oMathPara>
+                </a14:m>
+                <a:endParaRPr lang="en-US" sz="2000" dirty="0"/>
+              </a:p>
+            </p:txBody>
+          </p:sp>
+        </mc:Choice>
+        <mc:Fallback>
+          <p:sp>
+            <p:nvSpPr>
+              <p:cNvPr id="3" name="Content Placeholder 2">
+                <a:extLst>
+                  <a:ext uri="{FF2B5EF4-FFF2-40B4-BE49-F238E27FC236}">
+                    <a16:creationId xmlns:a16="http://schemas.microsoft.com/office/drawing/2014/main" id="{6F4E41F3-50E6-4EE8-36E3-585601AABDBF}"/>
+                  </a:ext>
+                </a:extLst>
+              </p:cNvPr>
+              <p:cNvSpPr>
+                <a:spLocks noGrp="1" noRot="1" noChangeAspect="1" noMove="1" noResize="1" noEditPoints="1" noAdjustHandles="1" noChangeArrowheads="1" noChangeShapeType="1" noTextEdit="1"/>
+              </p:cNvSpPr>
+              <p:nvPr>
+                <p:ph idx="1"/>
+              </p:nvPr>
+            </p:nvSpPr>
+            <p:spPr>
+              <a:xfrm>
+                <a:off x="295422" y="914399"/>
+                <a:ext cx="11591778" cy="5176066"/>
+              </a:xfrm>
+              <a:blipFill>
+                <a:blip r:embed="rId2"/>
+                <a:stretch>
+                  <a:fillRect l="-526" t="-3769" r="-2050" b="-1296"/>
+                </a:stretch>
+              </a:blipFill>
+            </p:spPr>
+            <p:txBody>
+              <a:bodyPr/>
+              <a:lstStyle/>
+              <a:p>
+                <a:r>
+                  <a:rPr lang="en-US">
+                    <a:noFill/>
+                  </a:rPr>
+                  <a:t> </a:t>
+                </a:r>
+              </a:p>
+            </p:txBody>
+          </p:sp>
+        </mc:Fallback>
+      </mc:AlternateContent>
+      <p:sp>
+        <p:nvSpPr>
+          <p:cNvPr id="4" name="Date Placeholder 3">
+            <a:extLst>
+              <a:ext uri="{FF2B5EF4-FFF2-40B4-BE49-F238E27FC236}">
+                <a16:creationId xmlns:a16="http://schemas.microsoft.com/office/drawing/2014/main" id="{4C6D578D-576A-14D6-2FF3-5295CA827B2F}"/>
+              </a:ext>
+            </a:extLst>
+          </p:cNvPr>
+          <p:cNvSpPr>
+            <a:spLocks noGrp="1"/>
+          </p:cNvSpPr>
+          <p:nvPr>
+            <p:ph type="dt" sz="half" idx="10"/>
+          </p:nvPr>
+        </p:nvSpPr>
+        <p:spPr/>
+        <p:txBody>
+          <a:bodyPr/>
+          <a:lstStyle/>
+          <a:p>
+            <a:r>
+              <a:rPr lang="en-US"/>
+              <a:t>15/01/2023</a:t>
+            </a:r>
+          </a:p>
+        </p:txBody>
+      </p:sp>
+      <p:sp>
+        <p:nvSpPr>
+          <p:cNvPr id="5" name="Footer Placeholder 4">
+            <a:extLst>
+              <a:ext uri="{FF2B5EF4-FFF2-40B4-BE49-F238E27FC236}">
+                <a16:creationId xmlns:a16="http://schemas.microsoft.com/office/drawing/2014/main" id="{66173162-7DC4-DFA0-74F7-62907D17D289}"/>
+              </a:ext>
+            </a:extLst>
+          </p:cNvPr>
+          <p:cNvSpPr>
+            <a:spLocks noGrp="1"/>
+          </p:cNvSpPr>
+          <p:nvPr>
+            <p:ph type="ftr" sz="quarter" idx="11"/>
+          </p:nvPr>
+        </p:nvSpPr>
+        <p:spPr/>
+        <p:txBody>
+          <a:bodyPr/>
+          <a:lstStyle/>
+          <a:p>
+            <a:r>
+              <a:rPr lang="en-US"/>
+              <a:t>Support Vector Machine - Loc Nguyen</a:t>
+            </a:r>
+          </a:p>
+        </p:txBody>
+      </p:sp>
+      <p:sp>
+        <p:nvSpPr>
+          <p:cNvPr id="6" name="Slide Number Placeholder 5">
+            <a:extLst>
+              <a:ext uri="{FF2B5EF4-FFF2-40B4-BE49-F238E27FC236}">
+                <a16:creationId xmlns:a16="http://schemas.microsoft.com/office/drawing/2014/main" id="{5CB84841-31E9-EE0B-44FE-06C32298A479}"/>
+              </a:ext>
+            </a:extLst>
+          </p:cNvPr>
+          <p:cNvSpPr>
+            <a:spLocks noGrp="1"/>
+          </p:cNvSpPr>
+          <p:nvPr>
+            <p:ph type="sldNum" sz="quarter" idx="12"/>
+          </p:nvPr>
+        </p:nvSpPr>
+        <p:spPr/>
+        <p:txBody>
+          <a:bodyPr/>
+          <a:lstStyle/>
+          <a:p>
+            <a:fld id="{5DB5036F-1FF2-46C4-8D2B-59C7E3B91952}" type="slidenum">
+              <a:rPr lang="en-US" smtClean="0"/>
+              <a:pPr/>
+              <a:t>20</a:t>
+            </a:fld>
+            <a:endParaRPr lang="en-US"/>
+          </a:p>
+        </p:txBody>
+      </p:sp>
+      <mc:AlternateContent xmlns:mc="http://schemas.openxmlformats.org/markup-compatibility/2006">
+        <mc:Choice xmlns:a14="http://schemas.microsoft.com/office/drawing/2010/main" Requires="a14">
+          <p:sp>
+            <p:nvSpPr>
+              <p:cNvPr id="7" name="TextBox 6">
+                <a:extLst>
+                  <a:ext uri="{FF2B5EF4-FFF2-40B4-BE49-F238E27FC236}">
+                    <a16:creationId xmlns:a16="http://schemas.microsoft.com/office/drawing/2014/main" id="{6F6FBCC7-55FA-DA21-DADD-9F61A7C8D9C4}"/>
+                  </a:ext>
+                </a:extLst>
+              </p:cNvPr>
+              <p:cNvSpPr txBox="1"/>
+              <p:nvPr/>
+            </p:nvSpPr>
+            <p:spPr>
+              <a:xfrm>
+                <a:off x="838200" y="4927938"/>
+                <a:ext cx="7315200" cy="1015663"/>
+              </a:xfrm>
+              <a:prstGeom prst="rect">
+                <a:avLst/>
+              </a:prstGeom>
+              <a:noFill/>
+            </p:spPr>
+            <p:txBody>
+              <a:bodyPr wrap="square" rtlCol="0">
+                <a:spAutoFit/>
+              </a:bodyPr>
+              <a:lstStyle/>
+              <a:p>
+                <a:pPr marL="0" marR="0" algn="just">
+                  <a:spcBef>
+                    <a:spcPts val="0"/>
+                  </a:spcBef>
+                  <a:spcAft>
+                    <a:spcPts val="0"/>
+                  </a:spcAft>
+                </a:pPr>
+                <a:r>
+                  <a:rPr lang="en-US" sz="2000" dirty="0">
+                    <a:effectLst/>
+                    <a:latin typeface="Times New Roman" panose="02020603050405020304" pitchFamily="18" charset="0"/>
+                    <a:ea typeface="SimSun" panose="02010600030101010101" pitchFamily="2" charset="-122"/>
+                    <a:cs typeface="Times New Roman" panose="02020603050405020304" pitchFamily="18" charset="0"/>
+                  </a:rPr>
+                  <a:t>Let </a:t>
+                </a:r>
+                <a14:m>
+                  <m:oMath xmlns:m="http://schemas.openxmlformats.org/officeDocument/2006/math">
+                    <m:sSub>
+                      <m:sSubPr>
+                        <m:ctrlPr>
+                          <a:rPr lang="en-US" sz="2000" i="1">
+                            <a:effectLst/>
+                            <a:latin typeface="Cambria Math" panose="02040503050406030204" pitchFamily="18" charset="0"/>
+                            <a:ea typeface="SimSun" panose="02010600030101010101" pitchFamily="2" charset="-122"/>
+                            <a:cs typeface="Times New Roman" panose="02020603050405020304" pitchFamily="18" charset="0"/>
+                          </a:rPr>
+                        </m:ctrlPr>
+                      </m:sSubPr>
+                      <m:e>
+                        <m:r>
+                          <a:rPr lang="en-US" sz="2000" i="1">
+                            <a:effectLst/>
+                            <a:latin typeface="Cambria Math" panose="02040503050406030204" pitchFamily="18" charset="0"/>
+                            <a:ea typeface="SimSun" panose="02010600030101010101" pitchFamily="2" charset="-122"/>
+                            <a:cs typeface="Times New Roman" panose="02020603050405020304" pitchFamily="18" charset="0"/>
+                          </a:rPr>
+                          <m:t>𝐸</m:t>
+                        </m:r>
+                      </m:e>
+                      <m:sub>
+                        <m:r>
+                          <a:rPr lang="en-US" sz="2000" i="1">
+                            <a:effectLst/>
+                            <a:latin typeface="Cambria Math" panose="02040503050406030204" pitchFamily="18" charset="0"/>
+                            <a:ea typeface="SimSun" panose="02010600030101010101" pitchFamily="2" charset="-122"/>
+                            <a:cs typeface="Times New Roman" panose="02020603050405020304" pitchFamily="18" charset="0"/>
+                          </a:rPr>
+                          <m:t>𝑖</m:t>
+                        </m:r>
+                      </m:sub>
+                    </m:sSub>
+                    <m:r>
+                      <a:rPr lang="en-US" sz="2000" i="1">
+                        <a:effectLst/>
+                        <a:latin typeface="Cambria Math" panose="02040503050406030204" pitchFamily="18" charset="0"/>
+                        <a:ea typeface="SimSun" panose="02010600030101010101" pitchFamily="2" charset="-122"/>
+                        <a:cs typeface="Times New Roman" panose="02020603050405020304" pitchFamily="18" charset="0"/>
+                      </a:rPr>
+                      <m:t>=</m:t>
+                    </m:r>
+                    <m:sSub>
+                      <m:sSubPr>
+                        <m:ctrlPr>
+                          <a:rPr lang="en-US" sz="2000" i="1">
+                            <a:effectLst/>
+                            <a:latin typeface="Cambria Math" panose="02040503050406030204" pitchFamily="18" charset="0"/>
+                            <a:ea typeface="SimSun" panose="02010600030101010101" pitchFamily="2" charset="-122"/>
+                            <a:cs typeface="Times New Roman" panose="02020603050405020304" pitchFamily="18" charset="0"/>
+                          </a:rPr>
+                        </m:ctrlPr>
+                      </m:sSubPr>
+                      <m:e>
+                        <m:r>
+                          <a:rPr lang="en-US" sz="2000" i="1">
+                            <a:effectLst/>
+                            <a:latin typeface="Cambria Math" panose="02040503050406030204" pitchFamily="18" charset="0"/>
+                            <a:ea typeface="SimSun" panose="02010600030101010101" pitchFamily="2" charset="-122"/>
+                            <a:cs typeface="Times New Roman" panose="02020603050405020304" pitchFamily="18" charset="0"/>
+                          </a:rPr>
+                          <m:t>𝑦</m:t>
+                        </m:r>
+                      </m:e>
+                      <m:sub>
+                        <m:r>
+                          <a:rPr lang="en-US" sz="2000" i="1">
+                            <a:effectLst/>
+                            <a:latin typeface="Cambria Math" panose="02040503050406030204" pitchFamily="18" charset="0"/>
+                            <a:ea typeface="SimSun" panose="02010600030101010101" pitchFamily="2" charset="-122"/>
+                            <a:cs typeface="Times New Roman" panose="02020603050405020304" pitchFamily="18" charset="0"/>
+                          </a:rPr>
+                          <m:t>𝑖</m:t>
+                        </m:r>
+                      </m:sub>
+                    </m:sSub>
+                    <m:r>
+                      <a:rPr lang="en-US" sz="2000" i="1">
+                        <a:effectLst/>
+                        <a:latin typeface="Cambria Math" panose="02040503050406030204" pitchFamily="18" charset="0"/>
+                        <a:ea typeface="SimSun" panose="02010600030101010101" pitchFamily="2" charset="-122"/>
+                        <a:cs typeface="Times New Roman" panose="02020603050405020304" pitchFamily="18" charset="0"/>
+                      </a:rPr>
+                      <m:t>−</m:t>
+                    </m:r>
+                    <m:d>
+                      <m:dPr>
+                        <m:ctrlPr>
+                          <a:rPr lang="en-US" sz="2000" i="1">
+                            <a:effectLst/>
+                            <a:latin typeface="Cambria Math" panose="02040503050406030204" pitchFamily="18" charset="0"/>
+                            <a:ea typeface="SimSun" panose="02010600030101010101" pitchFamily="2" charset="-122"/>
+                            <a:cs typeface="Times New Roman" panose="02020603050405020304" pitchFamily="18" charset="0"/>
+                          </a:rPr>
+                        </m:ctrlPr>
+                      </m:dPr>
+                      <m:e>
+                        <m:r>
+                          <a:rPr lang="en-US" sz="2000" i="1">
+                            <a:effectLst/>
+                            <a:latin typeface="Cambria Math" panose="02040503050406030204" pitchFamily="18" charset="0"/>
+                            <a:ea typeface="SimSun" panose="02010600030101010101" pitchFamily="2" charset="-122"/>
+                            <a:cs typeface="Times New Roman" panose="02020603050405020304" pitchFamily="18" charset="0"/>
+                          </a:rPr>
+                          <m:t>𝑊</m:t>
+                        </m:r>
+                        <m:r>
+                          <a:rPr lang="en-US" sz="2000" i="1">
+                            <a:effectLst/>
+                            <a:latin typeface="Cambria Math" panose="02040503050406030204" pitchFamily="18" charset="0"/>
+                            <a:ea typeface="SimSun" panose="02010600030101010101" pitchFamily="2" charset="-122"/>
+                            <a:cs typeface="Times New Roman" panose="02020603050405020304" pitchFamily="18" charset="0"/>
+                          </a:rPr>
+                          <m:t>∘</m:t>
+                        </m:r>
+                        <m:sSub>
+                          <m:sSubPr>
+                            <m:ctrlPr>
+                              <a:rPr lang="en-US" sz="2000" i="1">
+                                <a:effectLst/>
+                                <a:latin typeface="Cambria Math" panose="02040503050406030204" pitchFamily="18" charset="0"/>
+                                <a:ea typeface="SimSun" panose="02010600030101010101" pitchFamily="2" charset="-122"/>
+                                <a:cs typeface="Times New Roman" panose="02020603050405020304" pitchFamily="18" charset="0"/>
+                              </a:rPr>
+                            </m:ctrlPr>
+                          </m:sSubPr>
+                          <m:e>
+                            <m:r>
+                              <a:rPr lang="en-US" sz="2000" i="1">
+                                <a:effectLst/>
+                                <a:latin typeface="Cambria Math" panose="02040503050406030204" pitchFamily="18" charset="0"/>
+                                <a:ea typeface="SimSun" panose="02010600030101010101" pitchFamily="2" charset="-122"/>
+                                <a:cs typeface="Times New Roman" panose="02020603050405020304" pitchFamily="18" charset="0"/>
+                              </a:rPr>
+                              <m:t>𝑋</m:t>
+                            </m:r>
+                          </m:e>
+                          <m:sub>
+                            <m:r>
+                              <a:rPr lang="en-US" sz="2000" i="1">
+                                <a:effectLst/>
+                                <a:latin typeface="Cambria Math" panose="02040503050406030204" pitchFamily="18" charset="0"/>
+                                <a:ea typeface="SimSun" panose="02010600030101010101" pitchFamily="2" charset="-122"/>
+                                <a:cs typeface="Times New Roman" panose="02020603050405020304" pitchFamily="18" charset="0"/>
+                              </a:rPr>
+                              <m:t>𝑖</m:t>
+                            </m:r>
+                          </m:sub>
+                        </m:sSub>
+                        <m:r>
+                          <a:rPr lang="en-US" sz="2000" i="1">
+                            <a:effectLst/>
+                            <a:latin typeface="Cambria Math" panose="02040503050406030204" pitchFamily="18" charset="0"/>
+                            <a:ea typeface="SimSun" panose="02010600030101010101" pitchFamily="2" charset="-122"/>
+                            <a:cs typeface="Times New Roman" panose="02020603050405020304" pitchFamily="18" charset="0"/>
+                          </a:rPr>
+                          <m:t>−</m:t>
+                        </m:r>
+                        <m:r>
+                          <a:rPr lang="en-US" sz="2000" i="1">
+                            <a:effectLst/>
+                            <a:latin typeface="Cambria Math" panose="02040503050406030204" pitchFamily="18" charset="0"/>
+                            <a:ea typeface="SimSun" panose="02010600030101010101" pitchFamily="2" charset="-122"/>
+                            <a:cs typeface="Times New Roman" panose="02020603050405020304" pitchFamily="18" charset="0"/>
+                          </a:rPr>
+                          <m:t>𝑏</m:t>
+                        </m:r>
+                      </m:e>
+                    </m:d>
+                  </m:oMath>
+                </a14:m>
+                <a:r>
+                  <a:rPr lang="en-US" sz="2000" dirty="0">
+                    <a:effectLst/>
+                    <a:latin typeface="Times New Roman" panose="02020603050405020304" pitchFamily="18" charset="0"/>
+                    <a:ea typeface="SimSun" panose="02010600030101010101" pitchFamily="2" charset="-122"/>
+                    <a:cs typeface="Times New Roman" panose="02020603050405020304" pitchFamily="18" charset="0"/>
+                  </a:rPr>
+                  <a:t> be prediction error, we have:</a:t>
+                </a:r>
+              </a:p>
+              <a:p>
+                <a:pPr marL="0" marR="0" algn="just">
+                  <a:spcBef>
+                    <a:spcPts val="0"/>
+                  </a:spcBef>
+                  <a:spcAft>
+                    <a:spcPts val="0"/>
+                  </a:spcAft>
+                </a:pPr>
+                <a14:m>
+                  <m:oMathPara xmlns:m="http://schemas.openxmlformats.org/officeDocument/2006/math">
+                    <m:oMathParaPr>
+                      <m:jc m:val="centerGroup"/>
+                    </m:oMathParaPr>
+                    <m:oMath xmlns:m="http://schemas.openxmlformats.org/officeDocument/2006/math">
+                      <m:sSub>
+                        <m:sSubPr>
+                          <m:ctrlPr>
+                            <a:rPr lang="en-US" sz="2000" i="1">
+                              <a:effectLst/>
+                              <a:latin typeface="Cambria Math" panose="02040503050406030204" pitchFamily="18" charset="0"/>
+                              <a:ea typeface="SimSun" panose="02010600030101010101" pitchFamily="2" charset="-122"/>
+                              <a:cs typeface="Times New Roman" panose="02020603050405020304" pitchFamily="18" charset="0"/>
+                            </a:rPr>
+                          </m:ctrlPr>
+                        </m:sSubPr>
+                        <m:e>
+                          <m:r>
+                            <a:rPr lang="en-US" sz="2000" i="1">
+                              <a:effectLst/>
+                              <a:latin typeface="Cambria Math" panose="02040503050406030204" pitchFamily="18" charset="0"/>
+                              <a:ea typeface="SimSun" panose="02010600030101010101" pitchFamily="2" charset="-122"/>
+                              <a:cs typeface="Times New Roman" panose="02020603050405020304" pitchFamily="18" charset="0"/>
+                            </a:rPr>
+                            <m:t>𝑦</m:t>
+                          </m:r>
+                        </m:e>
+                        <m:sub>
+                          <m:r>
+                            <a:rPr lang="en-US" sz="2000" i="1">
+                              <a:effectLst/>
+                              <a:latin typeface="Cambria Math" panose="02040503050406030204" pitchFamily="18" charset="0"/>
+                              <a:ea typeface="SimSun" panose="02010600030101010101" pitchFamily="2" charset="-122"/>
+                              <a:cs typeface="Times New Roman" panose="02020603050405020304" pitchFamily="18" charset="0"/>
+                            </a:rPr>
+                            <m:t>𝑖</m:t>
+                          </m:r>
+                        </m:sub>
+                      </m:sSub>
+                      <m:sSub>
+                        <m:sSubPr>
+                          <m:ctrlPr>
+                            <a:rPr lang="en-US" sz="2000" i="1">
+                              <a:effectLst/>
+                              <a:latin typeface="Cambria Math" panose="02040503050406030204" pitchFamily="18" charset="0"/>
+                              <a:ea typeface="SimSun" panose="02010600030101010101" pitchFamily="2" charset="-122"/>
+                              <a:cs typeface="Times New Roman" panose="02020603050405020304" pitchFamily="18" charset="0"/>
+                            </a:rPr>
+                          </m:ctrlPr>
+                        </m:sSubPr>
+                        <m:e>
+                          <m:r>
+                            <a:rPr lang="en-US" sz="2000" i="1">
+                              <a:effectLst/>
+                              <a:latin typeface="Cambria Math" panose="02040503050406030204" pitchFamily="18" charset="0"/>
+                              <a:ea typeface="SimSun" panose="02010600030101010101" pitchFamily="2" charset="-122"/>
+                              <a:cs typeface="Times New Roman" panose="02020603050405020304" pitchFamily="18" charset="0"/>
+                            </a:rPr>
+                            <m:t>𝐸</m:t>
+                          </m:r>
+                        </m:e>
+                        <m:sub>
+                          <m:r>
+                            <a:rPr lang="en-US" sz="2000" i="1">
+                              <a:effectLst/>
+                              <a:latin typeface="Cambria Math" panose="02040503050406030204" pitchFamily="18" charset="0"/>
+                              <a:ea typeface="SimSun" panose="02010600030101010101" pitchFamily="2" charset="-122"/>
+                              <a:cs typeface="Times New Roman" panose="02020603050405020304" pitchFamily="18" charset="0"/>
+                            </a:rPr>
+                            <m:t>𝑖</m:t>
+                          </m:r>
+                        </m:sub>
+                      </m:sSub>
+                      <m:r>
+                        <a:rPr lang="en-US" sz="2000" i="1">
+                          <a:effectLst/>
+                          <a:latin typeface="Cambria Math" panose="02040503050406030204" pitchFamily="18" charset="0"/>
+                          <a:ea typeface="SimSun" panose="02010600030101010101" pitchFamily="2" charset="-122"/>
+                          <a:cs typeface="Times New Roman" panose="02020603050405020304" pitchFamily="18" charset="0"/>
+                        </a:rPr>
+                        <m:t>=</m:t>
+                      </m:r>
+                      <m:sSup>
+                        <m:sSupPr>
+                          <m:ctrlPr>
+                            <a:rPr lang="en-US" sz="2000" i="1">
+                              <a:effectLst/>
+                              <a:latin typeface="Cambria Math" panose="02040503050406030204" pitchFamily="18" charset="0"/>
+                              <a:ea typeface="SimSun" panose="02010600030101010101" pitchFamily="2" charset="-122"/>
+                              <a:cs typeface="Times New Roman" panose="02020603050405020304" pitchFamily="18" charset="0"/>
+                            </a:rPr>
+                          </m:ctrlPr>
+                        </m:sSupPr>
+                        <m:e>
+                          <m:d>
+                            <m:dPr>
+                              <m:ctrlPr>
+                                <a:rPr lang="en-US" sz="2000" i="1">
+                                  <a:effectLst/>
+                                  <a:latin typeface="Cambria Math" panose="02040503050406030204" pitchFamily="18" charset="0"/>
+                                  <a:ea typeface="SimSun" panose="02010600030101010101" pitchFamily="2" charset="-122"/>
+                                  <a:cs typeface="Times New Roman" panose="02020603050405020304" pitchFamily="18" charset="0"/>
+                                </a:rPr>
+                              </m:ctrlPr>
+                            </m:dPr>
+                            <m:e>
+                              <m:sSub>
+                                <m:sSubPr>
+                                  <m:ctrlPr>
+                                    <a:rPr lang="en-US" sz="2000" i="1">
+                                      <a:effectLst/>
+                                      <a:latin typeface="Cambria Math" panose="02040503050406030204" pitchFamily="18" charset="0"/>
+                                      <a:ea typeface="SimSun" panose="02010600030101010101" pitchFamily="2" charset="-122"/>
+                                      <a:cs typeface="Times New Roman" panose="02020603050405020304" pitchFamily="18" charset="0"/>
+                                    </a:rPr>
+                                  </m:ctrlPr>
+                                </m:sSubPr>
+                                <m:e>
+                                  <m:r>
+                                    <a:rPr lang="en-US" sz="2000" i="1">
+                                      <a:effectLst/>
+                                      <a:latin typeface="Cambria Math" panose="02040503050406030204" pitchFamily="18" charset="0"/>
+                                      <a:ea typeface="SimSun" panose="02010600030101010101" pitchFamily="2" charset="-122"/>
+                                      <a:cs typeface="Times New Roman" panose="02020603050405020304" pitchFamily="18" charset="0"/>
+                                    </a:rPr>
+                                    <m:t>𝑦</m:t>
+                                  </m:r>
+                                </m:e>
+                                <m:sub>
+                                  <m:r>
+                                    <a:rPr lang="en-US" sz="2000" i="1">
+                                      <a:effectLst/>
+                                      <a:latin typeface="Cambria Math" panose="02040503050406030204" pitchFamily="18" charset="0"/>
+                                      <a:ea typeface="SimSun" panose="02010600030101010101" pitchFamily="2" charset="-122"/>
+                                      <a:cs typeface="Times New Roman" panose="02020603050405020304" pitchFamily="18" charset="0"/>
+                                    </a:rPr>
+                                    <m:t>𝑖</m:t>
+                                  </m:r>
+                                </m:sub>
+                              </m:sSub>
+                            </m:e>
+                          </m:d>
+                        </m:e>
+                        <m:sup>
+                          <m:r>
+                            <a:rPr lang="en-US" sz="2000" i="1">
+                              <a:effectLst/>
+                              <a:latin typeface="Cambria Math" panose="02040503050406030204" pitchFamily="18" charset="0"/>
+                              <a:ea typeface="SimSun" panose="02010600030101010101" pitchFamily="2" charset="-122"/>
+                              <a:cs typeface="Times New Roman" panose="02020603050405020304" pitchFamily="18" charset="0"/>
+                            </a:rPr>
+                            <m:t>2</m:t>
+                          </m:r>
+                        </m:sup>
+                      </m:sSup>
+                      <m:r>
+                        <a:rPr lang="en-US" sz="2000" i="1">
+                          <a:effectLst/>
+                          <a:latin typeface="Cambria Math" panose="02040503050406030204" pitchFamily="18" charset="0"/>
+                          <a:ea typeface="SimSun" panose="02010600030101010101" pitchFamily="2" charset="-122"/>
+                          <a:cs typeface="Times New Roman" panose="02020603050405020304" pitchFamily="18" charset="0"/>
+                        </a:rPr>
+                        <m:t>−</m:t>
+                      </m:r>
+                      <m:sSub>
+                        <m:sSubPr>
+                          <m:ctrlPr>
+                            <a:rPr lang="en-US" sz="2000" i="1">
+                              <a:effectLst/>
+                              <a:latin typeface="Cambria Math" panose="02040503050406030204" pitchFamily="18" charset="0"/>
+                              <a:ea typeface="SimSun" panose="02010600030101010101" pitchFamily="2" charset="-122"/>
+                              <a:cs typeface="Times New Roman" panose="02020603050405020304" pitchFamily="18" charset="0"/>
+                            </a:rPr>
+                          </m:ctrlPr>
+                        </m:sSubPr>
+                        <m:e>
+                          <m:r>
+                            <a:rPr lang="en-US" sz="2000" i="1">
+                              <a:effectLst/>
+                              <a:latin typeface="Cambria Math" panose="02040503050406030204" pitchFamily="18" charset="0"/>
+                              <a:ea typeface="SimSun" panose="02010600030101010101" pitchFamily="2" charset="-122"/>
+                              <a:cs typeface="Times New Roman" panose="02020603050405020304" pitchFamily="18" charset="0"/>
+                            </a:rPr>
+                            <m:t>𝑦</m:t>
+                          </m:r>
+                        </m:e>
+                        <m:sub>
+                          <m:r>
+                            <a:rPr lang="en-US" sz="2000" i="1">
+                              <a:effectLst/>
+                              <a:latin typeface="Cambria Math" panose="02040503050406030204" pitchFamily="18" charset="0"/>
+                              <a:ea typeface="SimSun" panose="02010600030101010101" pitchFamily="2" charset="-122"/>
+                              <a:cs typeface="Times New Roman" panose="02020603050405020304" pitchFamily="18" charset="0"/>
+                            </a:rPr>
+                            <m:t>𝑖</m:t>
+                          </m:r>
+                        </m:sub>
+                      </m:sSub>
+                      <m:d>
+                        <m:dPr>
+                          <m:ctrlPr>
+                            <a:rPr lang="en-US" sz="2000" i="1">
+                              <a:effectLst/>
+                              <a:latin typeface="Cambria Math" panose="02040503050406030204" pitchFamily="18" charset="0"/>
+                              <a:ea typeface="SimSun" panose="02010600030101010101" pitchFamily="2" charset="-122"/>
+                              <a:cs typeface="Times New Roman" panose="02020603050405020304" pitchFamily="18" charset="0"/>
+                            </a:rPr>
+                          </m:ctrlPr>
+                        </m:dPr>
+                        <m:e>
+                          <m:r>
+                            <a:rPr lang="en-US" sz="2000" i="1">
+                              <a:effectLst/>
+                              <a:latin typeface="Cambria Math" panose="02040503050406030204" pitchFamily="18" charset="0"/>
+                              <a:ea typeface="SimSun" panose="02010600030101010101" pitchFamily="2" charset="-122"/>
+                              <a:cs typeface="Times New Roman" panose="02020603050405020304" pitchFamily="18" charset="0"/>
+                            </a:rPr>
+                            <m:t>𝑊</m:t>
+                          </m:r>
+                          <m:r>
+                            <a:rPr lang="en-US" sz="2000" i="1">
+                              <a:effectLst/>
+                              <a:latin typeface="Cambria Math" panose="02040503050406030204" pitchFamily="18" charset="0"/>
+                              <a:ea typeface="SimSun" panose="02010600030101010101" pitchFamily="2" charset="-122"/>
+                              <a:cs typeface="Times New Roman" panose="02020603050405020304" pitchFamily="18" charset="0"/>
+                            </a:rPr>
+                            <m:t>∘</m:t>
+                          </m:r>
+                          <m:sSub>
+                            <m:sSubPr>
+                              <m:ctrlPr>
+                                <a:rPr lang="en-US" sz="2000" i="1">
+                                  <a:effectLst/>
+                                  <a:latin typeface="Cambria Math" panose="02040503050406030204" pitchFamily="18" charset="0"/>
+                                  <a:ea typeface="SimSun" panose="02010600030101010101" pitchFamily="2" charset="-122"/>
+                                  <a:cs typeface="Times New Roman" panose="02020603050405020304" pitchFamily="18" charset="0"/>
+                                </a:rPr>
+                              </m:ctrlPr>
+                            </m:sSubPr>
+                            <m:e>
+                              <m:r>
+                                <a:rPr lang="en-US" sz="2000" i="1">
+                                  <a:effectLst/>
+                                  <a:latin typeface="Cambria Math" panose="02040503050406030204" pitchFamily="18" charset="0"/>
+                                  <a:ea typeface="SimSun" panose="02010600030101010101" pitchFamily="2" charset="-122"/>
+                                  <a:cs typeface="Times New Roman" panose="02020603050405020304" pitchFamily="18" charset="0"/>
+                                </a:rPr>
+                                <m:t>𝑋</m:t>
+                              </m:r>
+                            </m:e>
+                            <m:sub>
+                              <m:r>
+                                <a:rPr lang="en-US" sz="2000" i="1">
+                                  <a:effectLst/>
+                                  <a:latin typeface="Cambria Math" panose="02040503050406030204" pitchFamily="18" charset="0"/>
+                                  <a:ea typeface="SimSun" panose="02010600030101010101" pitchFamily="2" charset="-122"/>
+                                  <a:cs typeface="Times New Roman" panose="02020603050405020304" pitchFamily="18" charset="0"/>
+                                </a:rPr>
+                                <m:t>𝑖</m:t>
+                              </m:r>
+                            </m:sub>
+                          </m:sSub>
+                          <m:r>
+                            <a:rPr lang="en-US" sz="2000" i="1">
+                              <a:effectLst/>
+                              <a:latin typeface="Cambria Math" panose="02040503050406030204" pitchFamily="18" charset="0"/>
+                              <a:ea typeface="SimSun" panose="02010600030101010101" pitchFamily="2" charset="-122"/>
+                              <a:cs typeface="Times New Roman" panose="02020603050405020304" pitchFamily="18" charset="0"/>
+                            </a:rPr>
+                            <m:t>−</m:t>
+                          </m:r>
+                          <m:r>
+                            <a:rPr lang="en-US" sz="2000" i="1">
+                              <a:effectLst/>
+                              <a:latin typeface="Cambria Math" panose="02040503050406030204" pitchFamily="18" charset="0"/>
+                              <a:ea typeface="SimSun" panose="02010600030101010101" pitchFamily="2" charset="-122"/>
+                              <a:cs typeface="Times New Roman" panose="02020603050405020304" pitchFamily="18" charset="0"/>
+                            </a:rPr>
+                            <m:t>𝑏</m:t>
+                          </m:r>
+                        </m:e>
+                      </m:d>
+                      <m:r>
+                        <a:rPr lang="en-US" sz="2000" i="1">
+                          <a:effectLst/>
+                          <a:latin typeface="Cambria Math" panose="02040503050406030204" pitchFamily="18" charset="0"/>
+                          <a:ea typeface="SimSun" panose="02010600030101010101" pitchFamily="2" charset="-122"/>
+                          <a:cs typeface="Times New Roman" panose="02020603050405020304" pitchFamily="18" charset="0"/>
+                        </a:rPr>
+                        <m:t>=1−</m:t>
+                      </m:r>
+                      <m:sSub>
+                        <m:sSubPr>
+                          <m:ctrlPr>
+                            <a:rPr lang="en-US" sz="2000" i="1">
+                              <a:effectLst/>
+                              <a:latin typeface="Cambria Math" panose="02040503050406030204" pitchFamily="18" charset="0"/>
+                              <a:ea typeface="SimSun" panose="02010600030101010101" pitchFamily="2" charset="-122"/>
+                              <a:cs typeface="Times New Roman" panose="02020603050405020304" pitchFamily="18" charset="0"/>
+                            </a:rPr>
+                          </m:ctrlPr>
+                        </m:sSubPr>
+                        <m:e>
+                          <m:r>
+                            <a:rPr lang="en-US" sz="2000" i="1">
+                              <a:effectLst/>
+                              <a:latin typeface="Cambria Math" panose="02040503050406030204" pitchFamily="18" charset="0"/>
+                              <a:ea typeface="SimSun" panose="02010600030101010101" pitchFamily="2" charset="-122"/>
+                              <a:cs typeface="Times New Roman" panose="02020603050405020304" pitchFamily="18" charset="0"/>
+                            </a:rPr>
+                            <m:t>𝑦</m:t>
+                          </m:r>
+                        </m:e>
+                        <m:sub>
+                          <m:r>
+                            <a:rPr lang="en-US" sz="2000" i="1">
+                              <a:effectLst/>
+                              <a:latin typeface="Cambria Math" panose="02040503050406030204" pitchFamily="18" charset="0"/>
+                              <a:ea typeface="SimSun" panose="02010600030101010101" pitchFamily="2" charset="-122"/>
+                              <a:cs typeface="Times New Roman" panose="02020603050405020304" pitchFamily="18" charset="0"/>
+                            </a:rPr>
+                            <m:t>𝑖</m:t>
+                          </m:r>
+                        </m:sub>
+                      </m:sSub>
+                      <m:d>
+                        <m:dPr>
+                          <m:ctrlPr>
+                            <a:rPr lang="en-US" sz="2000" i="1">
+                              <a:effectLst/>
+                              <a:latin typeface="Cambria Math" panose="02040503050406030204" pitchFamily="18" charset="0"/>
+                              <a:ea typeface="SimSun" panose="02010600030101010101" pitchFamily="2" charset="-122"/>
+                              <a:cs typeface="Times New Roman" panose="02020603050405020304" pitchFamily="18" charset="0"/>
+                            </a:rPr>
+                          </m:ctrlPr>
+                        </m:dPr>
+                        <m:e>
+                          <m:r>
+                            <a:rPr lang="en-US" sz="2000" i="1">
+                              <a:effectLst/>
+                              <a:latin typeface="Cambria Math" panose="02040503050406030204" pitchFamily="18" charset="0"/>
+                              <a:ea typeface="SimSun" panose="02010600030101010101" pitchFamily="2" charset="-122"/>
+                              <a:cs typeface="Times New Roman" panose="02020603050405020304" pitchFamily="18" charset="0"/>
+                            </a:rPr>
+                            <m:t>𝑊</m:t>
+                          </m:r>
+                          <m:r>
+                            <a:rPr lang="en-US" sz="2000" i="1">
+                              <a:effectLst/>
+                              <a:latin typeface="Cambria Math" panose="02040503050406030204" pitchFamily="18" charset="0"/>
+                              <a:ea typeface="SimSun" panose="02010600030101010101" pitchFamily="2" charset="-122"/>
+                              <a:cs typeface="Times New Roman" panose="02020603050405020304" pitchFamily="18" charset="0"/>
+                            </a:rPr>
+                            <m:t>∘</m:t>
+                          </m:r>
+                          <m:sSub>
+                            <m:sSubPr>
+                              <m:ctrlPr>
+                                <a:rPr lang="en-US" sz="2000" i="1">
+                                  <a:effectLst/>
+                                  <a:latin typeface="Cambria Math" panose="02040503050406030204" pitchFamily="18" charset="0"/>
+                                  <a:ea typeface="SimSun" panose="02010600030101010101" pitchFamily="2" charset="-122"/>
+                                  <a:cs typeface="Times New Roman" panose="02020603050405020304" pitchFamily="18" charset="0"/>
+                                </a:rPr>
+                              </m:ctrlPr>
+                            </m:sSubPr>
+                            <m:e>
+                              <m:r>
+                                <a:rPr lang="en-US" sz="2000" i="1">
+                                  <a:effectLst/>
+                                  <a:latin typeface="Cambria Math" panose="02040503050406030204" pitchFamily="18" charset="0"/>
+                                  <a:ea typeface="SimSun" panose="02010600030101010101" pitchFamily="2" charset="-122"/>
+                                  <a:cs typeface="Times New Roman" panose="02020603050405020304" pitchFamily="18" charset="0"/>
+                                </a:rPr>
+                                <m:t>𝑋</m:t>
+                              </m:r>
+                            </m:e>
+                            <m:sub>
+                              <m:r>
+                                <a:rPr lang="en-US" sz="2000" i="1">
+                                  <a:effectLst/>
+                                  <a:latin typeface="Cambria Math" panose="02040503050406030204" pitchFamily="18" charset="0"/>
+                                  <a:ea typeface="SimSun" panose="02010600030101010101" pitchFamily="2" charset="-122"/>
+                                  <a:cs typeface="Times New Roman" panose="02020603050405020304" pitchFamily="18" charset="0"/>
+                                </a:rPr>
+                                <m:t>𝑖</m:t>
+                              </m:r>
+                            </m:sub>
+                          </m:sSub>
+                          <m:r>
+                            <a:rPr lang="en-US" sz="2000" i="1">
+                              <a:effectLst/>
+                              <a:latin typeface="Cambria Math" panose="02040503050406030204" pitchFamily="18" charset="0"/>
+                              <a:ea typeface="SimSun" panose="02010600030101010101" pitchFamily="2" charset="-122"/>
+                              <a:cs typeface="Times New Roman" panose="02020603050405020304" pitchFamily="18" charset="0"/>
+                            </a:rPr>
+                            <m:t>−</m:t>
+                          </m:r>
+                          <m:r>
+                            <a:rPr lang="en-US" sz="2000" i="1">
+                              <a:effectLst/>
+                              <a:latin typeface="Cambria Math" panose="02040503050406030204" pitchFamily="18" charset="0"/>
+                              <a:ea typeface="SimSun" panose="02010600030101010101" pitchFamily="2" charset="-122"/>
+                              <a:cs typeface="Times New Roman" panose="02020603050405020304" pitchFamily="18" charset="0"/>
+                            </a:rPr>
+                            <m:t>𝑏</m:t>
+                          </m:r>
+                        </m:e>
+                      </m:d>
+                    </m:oMath>
+                  </m:oMathPara>
+                </a14:m>
+                <a:endParaRPr lang="en-US" sz="2000" dirty="0">
+                  <a:effectLst/>
+                  <a:latin typeface="Times New Roman" panose="02020603050405020304" pitchFamily="18" charset="0"/>
+                  <a:ea typeface="SimSun" panose="02010600030101010101" pitchFamily="2" charset="-122"/>
+                  <a:cs typeface="Times New Roman" panose="02020603050405020304" pitchFamily="18" charset="0"/>
+                </a:endParaRPr>
+              </a:p>
+              <a:p>
+                <a:r>
+                  <a:rPr lang="en-US" sz="2000" dirty="0">
+                    <a:effectLst/>
+                    <a:latin typeface="Times New Roman" panose="02020603050405020304" pitchFamily="18" charset="0"/>
+                    <a:ea typeface="SimSun" panose="02010600030101010101" pitchFamily="2" charset="-122"/>
+                  </a:rPr>
+                  <a:t>The KKT condition implies equation 2.2:</a:t>
+                </a:r>
+                <a:endParaRPr lang="en-US" sz="2000" dirty="0"/>
+              </a:p>
+            </p:txBody>
+          </p:sp>
+        </mc:Choice>
+        <mc:Fallback>
+          <p:sp>
+            <p:nvSpPr>
+              <p:cNvPr id="7" name="TextBox 6">
+                <a:extLst>
+                  <a:ext uri="{FF2B5EF4-FFF2-40B4-BE49-F238E27FC236}">
+                    <a16:creationId xmlns:a16="http://schemas.microsoft.com/office/drawing/2014/main" id="{6F6FBCC7-55FA-DA21-DADD-9F61A7C8D9C4}"/>
+                  </a:ext>
+                </a:extLst>
+              </p:cNvPr>
+              <p:cNvSpPr txBox="1">
+                <a:spLocks noRot="1" noChangeAspect="1" noMove="1" noResize="1" noEditPoints="1" noAdjustHandles="1" noChangeArrowheads="1" noChangeShapeType="1" noTextEdit="1"/>
+              </p:cNvSpPr>
+              <p:nvPr/>
+            </p:nvSpPr>
+            <p:spPr>
+              <a:xfrm>
+                <a:off x="838200" y="4927938"/>
+                <a:ext cx="7315200" cy="1015663"/>
+              </a:xfrm>
+              <a:prstGeom prst="rect">
+                <a:avLst/>
+              </a:prstGeom>
+              <a:blipFill>
+                <a:blip r:embed="rId3"/>
+                <a:stretch>
+                  <a:fillRect l="-917" t="-2994" b="-8982"/>
+                </a:stretch>
+              </a:blipFill>
+            </p:spPr>
+            <p:txBody>
+              <a:bodyPr/>
+              <a:lstStyle/>
+              <a:p>
+                <a:r>
+                  <a:rPr lang="en-US">
+                    <a:noFill/>
+                  </a:rPr>
+                  <a:t> </a:t>
+                </a:r>
+              </a:p>
+            </p:txBody>
+          </p:sp>
+        </mc:Fallback>
+      </mc:AlternateContent>
+    </p:spTree>
+    <p:extLst>
+      <p:ext uri="{BB962C8B-B14F-4D97-AF65-F5344CB8AC3E}">
+        <p14:creationId xmlns:p14="http://schemas.microsoft.com/office/powerpoint/2010/main" val="339007888"/>
+      </p:ext>
+    </p:extLst>
+  </p:cSld>
+  <p:clrMapOvr>
+    <a:masterClrMapping/>
+  </p:clrMapOvr>
+</p:sld>
+</file>
+
+<file path=ppt/slides/slide21.xml><?xml version="1.0" encoding="utf-8"?>
+<p:sld xmlns:a="http://schemas.openxmlformats.org/drawingml/2006/main" xmlns:r="http://schemas.openxmlformats.org/officeDocument/2006/relationships" xmlns:p="http://schemas.openxmlformats.org/presentationml/2006/main">
+  <p:cSld>
+    <p:spTree>
+      <p:nvGrpSpPr>
+        <p:cNvPr id="1" name=""/>
+        <p:cNvGrpSpPr/>
+        <p:nvPr/>
+      </p:nvGrpSpPr>
+      <p:grpSpPr>
+        <a:xfrm>
+          <a:off x="0" y="0"/>
+          <a:ext cx="0" cy="0"/>
+          <a:chOff x="0" y="0"/>
+          <a:chExt cx="0" cy="0"/>
+        </a:xfrm>
+      </p:grpSpPr>
+      <p:sp>
+        <p:nvSpPr>
+          <p:cNvPr id="2" name="Title 1">
+            <a:extLst>
+              <a:ext uri="{FF2B5EF4-FFF2-40B4-BE49-F238E27FC236}">
                 <a16:creationId xmlns:a16="http://schemas.microsoft.com/office/drawing/2014/main" id="{CFFBA648-EE43-7046-7FBD-62214E42A954}"/>
               </a:ext>
             </a:extLst>
@@ -24210,7 +28668,7 @@
             <a:fld id="{5DB5036F-1FF2-46C4-8D2B-59C7E3B91952}" type="slidenum">
               <a:rPr lang="en-US" smtClean="0"/>
               <a:pPr/>
-              <a:t>20</a:t>
+              <a:t>21</a:t>
             </a:fld>
             <a:endParaRPr lang="en-US"/>
           </a:p>
@@ -24229,7 +28687,7 @@
 </p:sld>
 </file>
 
-<file path=ppt/slides/slide21.xml><?xml version="1.0" encoding="utf-8"?>
+<file path=ppt/slides/slide22.xml><?xml version="1.0" encoding="utf-8"?>
 <p:sld xmlns:a="http://schemas.openxmlformats.org/drawingml/2006/main" xmlns:r="http://schemas.openxmlformats.org/officeDocument/2006/relationships" xmlns:p="http://schemas.openxmlformats.org/presentationml/2006/main">
   <p:cSld>
     <p:spTree>
@@ -24382,7 +28840,7 @@
             <a:fld id="{5DB5036F-1FF2-46C4-8D2B-59C7E3B91952}" type="slidenum">
               <a:rPr lang="en-US" smtClean="0"/>
               <a:pPr/>
-              <a:t>21</a:t>
+              <a:t>22</a:t>
             </a:fld>
             <a:endParaRPr lang="en-US"/>
           </a:p>
@@ -24401,7 +28859,7 @@
 </p:sld>
 </file>
 
-<file path=ppt/slides/slide22.xml><?xml version="1.0" encoding="utf-8"?>
+<file path=ppt/slides/slide23.xml><?xml version="1.0" encoding="utf-8"?>
 <p:sld xmlns:a="http://schemas.openxmlformats.org/drawingml/2006/main" xmlns:r="http://schemas.openxmlformats.org/officeDocument/2006/relationships" xmlns:p="http://schemas.openxmlformats.org/presentationml/2006/main">
   <p:cSld>
     <p:spTree>
@@ -24536,7 +28994,7 @@
             <a:fld id="{5DB5036F-1FF2-46C4-8D2B-59C7E3B91952}" type="slidenum">
               <a:rPr lang="en-US" smtClean="0"/>
               <a:pPr/>
-              <a:t>22</a:t>
+              <a:t>23</a:t>
             </a:fld>
             <a:endParaRPr lang="en-US"/>
           </a:p>
@@ -24555,7 +29013,7 @@
 </p:sld>
 </file>
 
-<file path=ppt/slides/slide23.xml><?xml version="1.0" encoding="utf-8"?>
+<file path=ppt/slides/slide24.xml><?xml version="1.0" encoding="utf-8"?>
 <p:sld xmlns:a="http://schemas.openxmlformats.org/drawingml/2006/main" xmlns:r="http://schemas.openxmlformats.org/officeDocument/2006/relationships" xmlns:p="http://schemas.openxmlformats.org/presentationml/2006/main">
   <p:cSld>
     <p:spTree>
@@ -24620,7 +29078,7 @@
             <a:fld id="{5DB5036F-1FF2-46C4-8D2B-59C7E3B91952}" type="slidenum">
               <a:rPr lang="en-US" smtClean="0"/>
               <a:pPr/>
-              <a:t>23</a:t>
+              <a:t>24</a:t>
             </a:fld>
             <a:endParaRPr lang="en-US"/>
           </a:p>
@@ -24683,7 +29141,7 @@
 </p:sld>
 </file>
 
-<file path=ppt/slides/slide24.xml><?xml version="1.0" encoding="utf-8"?>
+<file path=ppt/slides/slide25.xml><?xml version="1.0" encoding="utf-8"?>
 <p:sld xmlns:a="http://schemas.openxmlformats.org/drawingml/2006/main" xmlns:r="http://schemas.openxmlformats.org/officeDocument/2006/relationships" xmlns:p="http://schemas.openxmlformats.org/presentationml/2006/main">
   <p:cSld>
     <p:spTree>
@@ -24830,7 +29288,7 @@
             <a:fld id="{5DB5036F-1FF2-46C4-8D2B-59C7E3B91952}" type="slidenum">
               <a:rPr lang="en-US" smtClean="0"/>
               <a:pPr/>
-              <a:t>24</a:t>
+              <a:t>25</a:t>
             </a:fld>
             <a:endParaRPr lang="en-US"/>
           </a:p>
